--- a/BT3/Phân tích khám phá về bệnh đái tháo đường.pptx
+++ b/BT3/Phân tích khám phá về bệnh đái tháo đường.pptx
@@ -5,7 +5,7 @@
     <p:sldMasterId id="2147483648" r:id="rId1"/>
   </p:sldMasterIdLst>
   <p:notesMasterIdLst>
-    <p:notesMasterId r:id="rId25"/>
+    <p:notesMasterId r:id="rId23"/>
   </p:notesMasterIdLst>
   <p:sldIdLst>
     <p:sldId id="256" r:id="rId2"/>
@@ -20,17 +20,15 @@
     <p:sldId id="268" r:id="rId11"/>
     <p:sldId id="269" r:id="rId12"/>
     <p:sldId id="270" r:id="rId13"/>
-    <p:sldId id="271" r:id="rId14"/>
-    <p:sldId id="272" r:id="rId15"/>
-    <p:sldId id="273" r:id="rId16"/>
-    <p:sldId id="274" r:id="rId17"/>
-    <p:sldId id="276" r:id="rId18"/>
-    <p:sldId id="277" r:id="rId19"/>
-    <p:sldId id="278" r:id="rId20"/>
-    <p:sldId id="279" r:id="rId21"/>
-    <p:sldId id="280" r:id="rId22"/>
-    <p:sldId id="263" r:id="rId23"/>
-    <p:sldId id="262" r:id="rId24"/>
+    <p:sldId id="273" r:id="rId14"/>
+    <p:sldId id="274" r:id="rId15"/>
+    <p:sldId id="276" r:id="rId16"/>
+    <p:sldId id="277" r:id="rId17"/>
+    <p:sldId id="278" r:id="rId18"/>
+    <p:sldId id="279" r:id="rId19"/>
+    <p:sldId id="280" r:id="rId20"/>
+    <p:sldId id="263" r:id="rId21"/>
+    <p:sldId id="262" r:id="rId22"/>
   </p:sldIdLst>
   <p:sldSz cx="12192000" cy="6858000"/>
   <p:notesSz cx="6858000" cy="9144000"/>
@@ -578,222 +576,6 @@
         <p:cNvPr id="1" name="">
           <a:extLst>
             <a:ext uri="{FF2B5EF4-FFF2-40B4-BE49-F238E27FC236}">
-              <a16:creationId xmlns:a16="http://schemas.microsoft.com/office/drawing/2014/main" id="{FF3F65A9-2DCD-7615-06E1-B91592512B87}"/>
-            </a:ext>
-          </a:extLst>
-        </p:cNvPr>
-        <p:cNvGrpSpPr/>
-        <p:nvPr/>
-      </p:nvGrpSpPr>
-      <p:grpSpPr>
-        <a:xfrm>
-          <a:off x="0" y="0"/>
-          <a:ext cx="0" cy="0"/>
-          <a:chOff x="0" y="0"/>
-          <a:chExt cx="0" cy="0"/>
-        </a:xfrm>
-      </p:grpSpPr>
-      <p:sp>
-        <p:nvSpPr>
-          <p:cNvPr id="2" name="Slide Image Placeholder 1">
-            <a:extLst>
-              <a:ext uri="{FF2B5EF4-FFF2-40B4-BE49-F238E27FC236}">
-                <a16:creationId xmlns:a16="http://schemas.microsoft.com/office/drawing/2014/main" id="{2209E3C1-462F-622F-A078-F3118057D27C}"/>
-              </a:ext>
-            </a:extLst>
-          </p:cNvPr>
-          <p:cNvSpPr>
-            <a:spLocks noGrp="1" noRot="1" noChangeAspect="1"/>
-          </p:cNvSpPr>
-          <p:nvPr>
-            <p:ph type="sldImg"/>
-          </p:nvPr>
-        </p:nvSpPr>
-        <p:spPr/>
-      </p:sp>
-      <p:sp>
-        <p:nvSpPr>
-          <p:cNvPr id="3" name="Notes Placeholder 2">
-            <a:extLst>
-              <a:ext uri="{FF2B5EF4-FFF2-40B4-BE49-F238E27FC236}">
-                <a16:creationId xmlns:a16="http://schemas.microsoft.com/office/drawing/2014/main" id="{38F6BE9E-D618-0598-3BA3-10512365C2D0}"/>
-              </a:ext>
-            </a:extLst>
-          </p:cNvPr>
-          <p:cNvSpPr>
-            <a:spLocks noGrp="1"/>
-          </p:cNvSpPr>
-          <p:nvPr>
-            <p:ph type="body" idx="1"/>
-          </p:nvPr>
-        </p:nvSpPr>
-        <p:spPr/>
-        <p:txBody>
-          <a:bodyPr/>
-          <a:lstStyle/>
-          <a:p>
-            <a:endParaRPr lang="en-US" dirty="0"/>
-          </a:p>
-        </p:txBody>
-      </p:sp>
-      <p:sp>
-        <p:nvSpPr>
-          <p:cNvPr id="4" name="Slide Number Placeholder 3">
-            <a:extLst>
-              <a:ext uri="{FF2B5EF4-FFF2-40B4-BE49-F238E27FC236}">
-                <a16:creationId xmlns:a16="http://schemas.microsoft.com/office/drawing/2014/main" id="{DC74B9C3-C139-A9D7-8A87-27C89A53243F}"/>
-              </a:ext>
-            </a:extLst>
-          </p:cNvPr>
-          <p:cNvSpPr>
-            <a:spLocks noGrp="1"/>
-          </p:cNvSpPr>
-          <p:nvPr>
-            <p:ph type="sldNum" sz="quarter" idx="5"/>
-          </p:nvPr>
-        </p:nvSpPr>
-        <p:spPr/>
-        <p:txBody>
-          <a:bodyPr/>
-          <a:lstStyle/>
-          <a:p>
-            <a:fld id="{BA67A079-0AB6-43A2-8B85-7E4F1CC03E19}" type="slidenum">
-              <a:rPr lang="en-US" smtClean="0"/>
-              <a:t>14</a:t>
-            </a:fld>
-            <a:endParaRPr lang="en-US"/>
-          </a:p>
-        </p:txBody>
-      </p:sp>
-    </p:spTree>
-    <p:extLst>
-      <p:ext uri="{BB962C8B-B14F-4D97-AF65-F5344CB8AC3E}">
-        <p14:creationId xmlns:p14="http://schemas.microsoft.com/office/powerpoint/2010/main" val="3649550606"/>
-      </p:ext>
-    </p:extLst>
-  </p:cSld>
-  <p:clrMapOvr>
-    <a:masterClrMapping/>
-  </p:clrMapOvr>
-</p:notes>
-</file>
-
-<file path=ppt/notesSlides/notesSlide11.xml><?xml version="1.0" encoding="utf-8"?>
-<p:notes xmlns:a="http://schemas.openxmlformats.org/drawingml/2006/main" xmlns:r="http://schemas.openxmlformats.org/officeDocument/2006/relationships" xmlns:p="http://schemas.openxmlformats.org/presentationml/2006/main">
-  <p:cSld>
-    <p:spTree>
-      <p:nvGrpSpPr>
-        <p:cNvPr id="1" name="">
-          <a:extLst>
-            <a:ext uri="{FF2B5EF4-FFF2-40B4-BE49-F238E27FC236}">
-              <a16:creationId xmlns:a16="http://schemas.microsoft.com/office/drawing/2014/main" id="{92A3C351-048F-4E55-ECBF-3647D8B73DDF}"/>
-            </a:ext>
-          </a:extLst>
-        </p:cNvPr>
-        <p:cNvGrpSpPr/>
-        <p:nvPr/>
-      </p:nvGrpSpPr>
-      <p:grpSpPr>
-        <a:xfrm>
-          <a:off x="0" y="0"/>
-          <a:ext cx="0" cy="0"/>
-          <a:chOff x="0" y="0"/>
-          <a:chExt cx="0" cy="0"/>
-        </a:xfrm>
-      </p:grpSpPr>
-      <p:sp>
-        <p:nvSpPr>
-          <p:cNvPr id="2" name="Slide Image Placeholder 1">
-            <a:extLst>
-              <a:ext uri="{FF2B5EF4-FFF2-40B4-BE49-F238E27FC236}">
-                <a16:creationId xmlns:a16="http://schemas.microsoft.com/office/drawing/2014/main" id="{6A1F59F5-56B8-B42E-5CC7-A48E58F4FCE3}"/>
-              </a:ext>
-            </a:extLst>
-          </p:cNvPr>
-          <p:cNvSpPr>
-            <a:spLocks noGrp="1" noRot="1" noChangeAspect="1"/>
-          </p:cNvSpPr>
-          <p:nvPr>
-            <p:ph type="sldImg"/>
-          </p:nvPr>
-        </p:nvSpPr>
-        <p:spPr/>
-      </p:sp>
-      <p:sp>
-        <p:nvSpPr>
-          <p:cNvPr id="3" name="Notes Placeholder 2">
-            <a:extLst>
-              <a:ext uri="{FF2B5EF4-FFF2-40B4-BE49-F238E27FC236}">
-                <a16:creationId xmlns:a16="http://schemas.microsoft.com/office/drawing/2014/main" id="{68E58D9E-9E2B-FC19-CAA5-F11302A338E1}"/>
-              </a:ext>
-            </a:extLst>
-          </p:cNvPr>
-          <p:cNvSpPr>
-            <a:spLocks noGrp="1"/>
-          </p:cNvSpPr>
-          <p:nvPr>
-            <p:ph type="body" idx="1"/>
-          </p:nvPr>
-        </p:nvSpPr>
-        <p:spPr/>
-        <p:txBody>
-          <a:bodyPr/>
-          <a:lstStyle/>
-          <a:p>
-            <a:endParaRPr lang="en-US" dirty="0"/>
-          </a:p>
-        </p:txBody>
-      </p:sp>
-      <p:sp>
-        <p:nvSpPr>
-          <p:cNvPr id="4" name="Slide Number Placeholder 3">
-            <a:extLst>
-              <a:ext uri="{FF2B5EF4-FFF2-40B4-BE49-F238E27FC236}">
-                <a16:creationId xmlns:a16="http://schemas.microsoft.com/office/drawing/2014/main" id="{01ACD2E4-2169-8626-C7F4-613745501546}"/>
-              </a:ext>
-            </a:extLst>
-          </p:cNvPr>
-          <p:cNvSpPr>
-            <a:spLocks noGrp="1"/>
-          </p:cNvSpPr>
-          <p:nvPr>
-            <p:ph type="sldNum" sz="quarter" idx="5"/>
-          </p:nvPr>
-        </p:nvSpPr>
-        <p:spPr/>
-        <p:txBody>
-          <a:bodyPr/>
-          <a:lstStyle/>
-          <a:p>
-            <a:fld id="{BA67A079-0AB6-43A2-8B85-7E4F1CC03E19}" type="slidenum">
-              <a:rPr lang="en-US" smtClean="0"/>
-              <a:t>15</a:t>
-            </a:fld>
-            <a:endParaRPr lang="en-US"/>
-          </a:p>
-        </p:txBody>
-      </p:sp>
-    </p:spTree>
-    <p:extLst>
-      <p:ext uri="{BB962C8B-B14F-4D97-AF65-F5344CB8AC3E}">
-        <p14:creationId xmlns:p14="http://schemas.microsoft.com/office/powerpoint/2010/main" val="3979928418"/>
-      </p:ext>
-    </p:extLst>
-  </p:cSld>
-  <p:clrMapOvr>
-    <a:masterClrMapping/>
-  </p:clrMapOvr>
-</p:notes>
-</file>
-
-<file path=ppt/notesSlides/notesSlide12.xml><?xml version="1.0" encoding="utf-8"?>
-<p:notes xmlns:a="http://schemas.openxmlformats.org/drawingml/2006/main" xmlns:r="http://schemas.openxmlformats.org/officeDocument/2006/relationships" xmlns:p="http://schemas.openxmlformats.org/presentationml/2006/main">
-  <p:cSld>
-    <p:spTree>
-      <p:nvGrpSpPr>
-        <p:cNvPr id="1" name="">
-          <a:extLst>
-            <a:ext uri="{FF2B5EF4-FFF2-40B4-BE49-F238E27FC236}">
               <a16:creationId xmlns:a16="http://schemas.microsoft.com/office/drawing/2014/main" id="{5714E37C-4EAD-A6F6-2431-BB6E80499A9B}"/>
             </a:ext>
           </a:extLst>
@@ -875,7 +657,7 @@
           <a:p>
             <a:fld id="{BA67A079-0AB6-43A2-8B85-7E4F1CC03E19}" type="slidenum">
               <a:rPr lang="en-US" smtClean="0"/>
-              <a:t>16</a:t>
+              <a:t>14</a:t>
             </a:fld>
             <a:endParaRPr lang="en-US"/>
           </a:p>
@@ -894,7 +676,7 @@
 </p:notes>
 </file>
 
-<file path=ppt/notesSlides/notesSlide13.xml><?xml version="1.0" encoding="utf-8"?>
+<file path=ppt/notesSlides/notesSlide11.xml><?xml version="1.0" encoding="utf-8"?>
 <p:notes xmlns:a="http://schemas.openxmlformats.org/drawingml/2006/main" xmlns:r="http://schemas.openxmlformats.org/officeDocument/2006/relationships" xmlns:p="http://schemas.openxmlformats.org/presentationml/2006/main">
   <p:cSld>
     <p:spTree>
@@ -983,7 +765,7 @@
           <a:p>
             <a:fld id="{BA67A079-0AB6-43A2-8B85-7E4F1CC03E19}" type="slidenum">
               <a:rPr lang="en-US" smtClean="0"/>
-              <a:t>17</a:t>
+              <a:t>15</a:t>
             </a:fld>
             <a:endParaRPr lang="en-US"/>
           </a:p>
@@ -1002,7 +784,7 @@
 </p:notes>
 </file>
 
-<file path=ppt/notesSlides/notesSlide14.xml><?xml version="1.0" encoding="utf-8"?>
+<file path=ppt/notesSlides/notesSlide12.xml><?xml version="1.0" encoding="utf-8"?>
 <p:notes xmlns:a="http://schemas.openxmlformats.org/drawingml/2006/main" xmlns:r="http://schemas.openxmlformats.org/officeDocument/2006/relationships" xmlns:p="http://schemas.openxmlformats.org/presentationml/2006/main">
   <p:cSld>
     <p:spTree>
@@ -1091,7 +873,7 @@
           <a:p>
             <a:fld id="{BA67A079-0AB6-43A2-8B85-7E4F1CC03E19}" type="slidenum">
               <a:rPr lang="en-US" smtClean="0"/>
-              <a:t>18</a:t>
+              <a:t>16</a:t>
             </a:fld>
             <a:endParaRPr lang="en-US"/>
           </a:p>
@@ -1110,7 +892,7 @@
 </p:notes>
 </file>
 
-<file path=ppt/notesSlides/notesSlide15.xml><?xml version="1.0" encoding="utf-8"?>
+<file path=ppt/notesSlides/notesSlide13.xml><?xml version="1.0" encoding="utf-8"?>
 <p:notes xmlns:a="http://schemas.openxmlformats.org/drawingml/2006/main" xmlns:r="http://schemas.openxmlformats.org/officeDocument/2006/relationships" xmlns:p="http://schemas.openxmlformats.org/presentationml/2006/main">
   <p:cSld>
     <p:spTree>
@@ -1199,7 +981,7 @@
           <a:p>
             <a:fld id="{BA67A079-0AB6-43A2-8B85-7E4F1CC03E19}" type="slidenum">
               <a:rPr lang="en-US" smtClean="0"/>
-              <a:t>19</a:t>
+              <a:t>17</a:t>
             </a:fld>
             <a:endParaRPr lang="en-US"/>
           </a:p>
@@ -1218,7 +1000,7 @@
 </p:notes>
 </file>
 
-<file path=ppt/notesSlides/notesSlide16.xml><?xml version="1.0" encoding="utf-8"?>
+<file path=ppt/notesSlides/notesSlide14.xml><?xml version="1.0" encoding="utf-8"?>
 <p:notes xmlns:a="http://schemas.openxmlformats.org/drawingml/2006/main" xmlns:r="http://schemas.openxmlformats.org/officeDocument/2006/relationships" xmlns:p="http://schemas.openxmlformats.org/presentationml/2006/main">
   <p:cSld>
     <p:spTree>
@@ -1307,7 +1089,7 @@
           <a:p>
             <a:fld id="{BA67A079-0AB6-43A2-8B85-7E4F1CC03E19}" type="slidenum">
               <a:rPr lang="en-US" smtClean="0"/>
-              <a:t>20</a:t>
+              <a:t>18</a:t>
             </a:fld>
             <a:endParaRPr lang="en-US"/>
           </a:p>
@@ -1326,7 +1108,7 @@
 </p:notes>
 </file>
 
-<file path=ppt/notesSlides/notesSlide17.xml><?xml version="1.0" encoding="utf-8"?>
+<file path=ppt/notesSlides/notesSlide15.xml><?xml version="1.0" encoding="utf-8"?>
 <p:notes xmlns:a="http://schemas.openxmlformats.org/drawingml/2006/main" xmlns:r="http://schemas.openxmlformats.org/officeDocument/2006/relationships" xmlns:p="http://schemas.openxmlformats.org/presentationml/2006/main">
   <p:cSld>
     <p:spTree>
@@ -1415,7 +1197,7 @@
           <a:p>
             <a:fld id="{BA67A079-0AB6-43A2-8B85-7E4F1CC03E19}" type="slidenum">
               <a:rPr lang="en-US" smtClean="0"/>
-              <a:t>21</a:t>
+              <a:t>19</a:t>
             </a:fld>
             <a:endParaRPr lang="en-US"/>
           </a:p>
@@ -2198,7 +1980,7 @@
         <p:cNvPr id="1" name="">
           <a:extLst>
             <a:ext uri="{FF2B5EF4-FFF2-40B4-BE49-F238E27FC236}">
-              <a16:creationId xmlns:a16="http://schemas.microsoft.com/office/drawing/2014/main" id="{7BA0BB07-02D2-86FC-E4C5-B310BAE53325}"/>
+              <a16:creationId xmlns:a16="http://schemas.microsoft.com/office/drawing/2014/main" id="{92A3C351-048F-4E55-ECBF-3647D8B73DDF}"/>
             </a:ext>
           </a:extLst>
         </p:cNvPr>
@@ -2218,7 +2000,7 @@
           <p:cNvPr id="2" name="Slide Image Placeholder 1">
             <a:extLst>
               <a:ext uri="{FF2B5EF4-FFF2-40B4-BE49-F238E27FC236}">
-                <a16:creationId xmlns:a16="http://schemas.microsoft.com/office/drawing/2014/main" id="{750AA3A0-35DC-D201-076F-B677CA5AE154}"/>
+                <a16:creationId xmlns:a16="http://schemas.microsoft.com/office/drawing/2014/main" id="{6A1F59F5-56B8-B42E-5CC7-A48E58F4FCE3}"/>
               </a:ext>
             </a:extLst>
           </p:cNvPr>
@@ -2236,7 +2018,7 @@
           <p:cNvPr id="3" name="Notes Placeholder 2">
             <a:extLst>
               <a:ext uri="{FF2B5EF4-FFF2-40B4-BE49-F238E27FC236}">
-                <a16:creationId xmlns:a16="http://schemas.microsoft.com/office/drawing/2014/main" id="{5A41C1B1-F87C-3F24-2EA3-DDC7583F0D13}"/>
+                <a16:creationId xmlns:a16="http://schemas.microsoft.com/office/drawing/2014/main" id="{68E58D9E-9E2B-FC19-CAA5-F11302A338E1}"/>
               </a:ext>
             </a:extLst>
           </p:cNvPr>
@@ -2261,7 +2043,7 @@
           <p:cNvPr id="4" name="Slide Number Placeholder 3">
             <a:extLst>
               <a:ext uri="{FF2B5EF4-FFF2-40B4-BE49-F238E27FC236}">
-                <a16:creationId xmlns:a16="http://schemas.microsoft.com/office/drawing/2014/main" id="{5BCEDAF1-D5EE-CC92-C9BA-63B24F2F1B30}"/>
+                <a16:creationId xmlns:a16="http://schemas.microsoft.com/office/drawing/2014/main" id="{01ACD2E4-2169-8626-C7F4-613745501546}"/>
               </a:ext>
             </a:extLst>
           </p:cNvPr>
@@ -2288,7 +2070,7 @@
     </p:spTree>
     <p:extLst>
       <p:ext uri="{BB962C8B-B14F-4D97-AF65-F5344CB8AC3E}">
-        <p14:creationId xmlns:p14="http://schemas.microsoft.com/office/powerpoint/2010/main" val="1573013460"/>
+        <p14:creationId xmlns:p14="http://schemas.microsoft.com/office/powerpoint/2010/main" val="3979928418"/>
       </p:ext>
     </p:extLst>
   </p:cSld>
@@ -7872,1592 +7654,6 @@
         <p:cNvPr id="1" name="">
           <a:extLst>
             <a:ext uri="{FF2B5EF4-FFF2-40B4-BE49-F238E27FC236}">
-              <a16:creationId xmlns:a16="http://schemas.microsoft.com/office/drawing/2014/main" id="{78A5EBB5-6501-522A-BDFD-AC8EF8D7AC2F}"/>
-            </a:ext>
-          </a:extLst>
-        </p:cNvPr>
-        <p:cNvGrpSpPr/>
-        <p:nvPr/>
-      </p:nvGrpSpPr>
-      <p:grpSpPr>
-        <a:xfrm>
-          <a:off x="0" y="0"/>
-          <a:ext cx="0" cy="0"/>
-          <a:chOff x="0" y="0"/>
-          <a:chExt cx="0" cy="0"/>
-        </a:xfrm>
-      </p:grpSpPr>
-      <p:sp>
-        <p:nvSpPr>
-          <p:cNvPr id="2" name="Title 1">
-            <a:extLst>
-              <a:ext uri="{FF2B5EF4-FFF2-40B4-BE49-F238E27FC236}">
-                <a16:creationId xmlns:a16="http://schemas.microsoft.com/office/drawing/2014/main" id="{9A90EFB8-C31F-C967-029D-F06D824FE961}"/>
-              </a:ext>
-            </a:extLst>
-          </p:cNvPr>
-          <p:cNvSpPr>
-            <a:spLocks noGrp="1"/>
-          </p:cNvSpPr>
-          <p:nvPr>
-            <p:ph type="title"/>
-          </p:nvPr>
-        </p:nvSpPr>
-        <p:spPr/>
-        <p:txBody>
-          <a:bodyPr/>
-          <a:lstStyle/>
-          <a:p>
-            <a:r>
-              <a:rPr lang="en-US" b="1" dirty="0">
-                <a:solidFill>
-                  <a:srgbClr val="0070C0"/>
-                </a:solidFill>
-                <a:latin typeface="Arial" panose="020B0604020202020204" pitchFamily="34" charset="0"/>
-                <a:cs typeface="Arial" panose="020B0604020202020204" pitchFamily="34" charset="0"/>
-              </a:rPr>
-              <a:t>3. </a:t>
-            </a:r>
-            <a:r>
-              <a:rPr lang="en-US" b="1" dirty="0" err="1">
-                <a:solidFill>
-                  <a:srgbClr val="0070C0"/>
-                </a:solidFill>
-                <a:latin typeface="Arial" panose="020B0604020202020204" pitchFamily="34" charset="0"/>
-                <a:cs typeface="Arial" panose="020B0604020202020204" pitchFamily="34" charset="0"/>
-              </a:rPr>
-              <a:t>Phân</a:t>
-            </a:r>
-            <a:r>
-              <a:rPr lang="en-US" b="1" dirty="0">
-                <a:solidFill>
-                  <a:srgbClr val="0070C0"/>
-                </a:solidFill>
-                <a:latin typeface="Arial" panose="020B0604020202020204" pitchFamily="34" charset="0"/>
-                <a:cs typeface="Arial" panose="020B0604020202020204" pitchFamily="34" charset="0"/>
-              </a:rPr>
-              <a:t> </a:t>
-            </a:r>
-            <a:r>
-              <a:rPr lang="en-US" b="1" dirty="0" err="1">
-                <a:solidFill>
-                  <a:srgbClr val="0070C0"/>
-                </a:solidFill>
-                <a:latin typeface="Arial" panose="020B0604020202020204" pitchFamily="34" charset="0"/>
-                <a:cs typeface="Arial" panose="020B0604020202020204" pitchFamily="34" charset="0"/>
-              </a:rPr>
-              <a:t>tích</a:t>
-            </a:r>
-            <a:r>
-              <a:rPr lang="en-US" b="1" dirty="0">
-                <a:solidFill>
-                  <a:srgbClr val="0070C0"/>
-                </a:solidFill>
-                <a:latin typeface="Arial" panose="020B0604020202020204" pitchFamily="34" charset="0"/>
-                <a:cs typeface="Arial" panose="020B0604020202020204" pitchFamily="34" charset="0"/>
-              </a:rPr>
-              <a:t> </a:t>
-            </a:r>
-            <a:r>
-              <a:rPr lang="en-US" b="1" dirty="0" err="1">
-                <a:solidFill>
-                  <a:srgbClr val="0070C0"/>
-                </a:solidFill>
-                <a:latin typeface="Arial" panose="020B0604020202020204" pitchFamily="34" charset="0"/>
-                <a:cs typeface="Arial" panose="020B0604020202020204" pitchFamily="34" charset="0"/>
-              </a:rPr>
-              <a:t>khám</a:t>
-            </a:r>
-            <a:r>
-              <a:rPr lang="en-US" b="1" dirty="0">
-                <a:solidFill>
-                  <a:srgbClr val="0070C0"/>
-                </a:solidFill>
-                <a:latin typeface="Arial" panose="020B0604020202020204" pitchFamily="34" charset="0"/>
-                <a:cs typeface="Arial" panose="020B0604020202020204" pitchFamily="34" charset="0"/>
-              </a:rPr>
-              <a:t> </a:t>
-            </a:r>
-            <a:r>
-              <a:rPr lang="en-US" b="1" dirty="0" err="1">
-                <a:solidFill>
-                  <a:srgbClr val="0070C0"/>
-                </a:solidFill>
-                <a:latin typeface="Arial" panose="020B0604020202020204" pitchFamily="34" charset="0"/>
-                <a:cs typeface="Arial" panose="020B0604020202020204" pitchFamily="34" charset="0"/>
-              </a:rPr>
-              <a:t>phá</a:t>
-            </a:r>
-            <a:r>
-              <a:rPr lang="en-US" b="1" dirty="0">
-                <a:solidFill>
-                  <a:srgbClr val="0070C0"/>
-                </a:solidFill>
-                <a:latin typeface="Arial" panose="020B0604020202020204" pitchFamily="34" charset="0"/>
-                <a:cs typeface="Arial" panose="020B0604020202020204" pitchFamily="34" charset="0"/>
-              </a:rPr>
-              <a:t> </a:t>
-            </a:r>
-            <a:r>
-              <a:rPr lang="en-US" b="1" dirty="0" err="1">
-                <a:solidFill>
-                  <a:srgbClr val="0070C0"/>
-                </a:solidFill>
-                <a:latin typeface="Arial" panose="020B0604020202020204" pitchFamily="34" charset="0"/>
-                <a:cs typeface="Arial" panose="020B0604020202020204" pitchFamily="34" charset="0"/>
-              </a:rPr>
-              <a:t>dữ</a:t>
-            </a:r>
-            <a:r>
-              <a:rPr lang="en-US" b="1" dirty="0">
-                <a:solidFill>
-                  <a:srgbClr val="0070C0"/>
-                </a:solidFill>
-                <a:latin typeface="Arial" panose="020B0604020202020204" pitchFamily="34" charset="0"/>
-                <a:cs typeface="Arial" panose="020B0604020202020204" pitchFamily="34" charset="0"/>
-              </a:rPr>
-              <a:t> </a:t>
-            </a:r>
-            <a:r>
-              <a:rPr lang="en-US" b="1" dirty="0" err="1">
-                <a:solidFill>
-                  <a:srgbClr val="0070C0"/>
-                </a:solidFill>
-                <a:latin typeface="Arial" panose="020B0604020202020204" pitchFamily="34" charset="0"/>
-                <a:cs typeface="Arial" panose="020B0604020202020204" pitchFamily="34" charset="0"/>
-              </a:rPr>
-              <a:t>liệu</a:t>
-            </a:r>
-            <a:endParaRPr lang="en-US" b="1" dirty="0">
-              <a:solidFill>
-                <a:srgbClr val="0070C0"/>
-              </a:solidFill>
-              <a:latin typeface="Arial" panose="020B0604020202020204" pitchFamily="34" charset="0"/>
-              <a:cs typeface="Arial" panose="020B0604020202020204" pitchFamily="34" charset="0"/>
-            </a:endParaRPr>
-          </a:p>
-        </p:txBody>
-      </p:sp>
-      <p:sp>
-        <p:nvSpPr>
-          <p:cNvPr id="3" name="Content Placeholder 2">
-            <a:extLst>
-              <a:ext uri="{FF2B5EF4-FFF2-40B4-BE49-F238E27FC236}">
-                <a16:creationId xmlns:a16="http://schemas.microsoft.com/office/drawing/2014/main" id="{678EF811-D313-DE0D-F05F-A9C516EA68D7}"/>
-              </a:ext>
-            </a:extLst>
-          </p:cNvPr>
-          <p:cNvSpPr>
-            <a:spLocks noGrp="1"/>
-          </p:cNvSpPr>
-          <p:nvPr>
-            <p:ph idx="1"/>
-          </p:nvPr>
-        </p:nvSpPr>
-        <p:spPr>
-          <a:xfrm>
-            <a:off x="5882052" y="2303753"/>
-            <a:ext cx="5213839" cy="3112309"/>
-          </a:xfrm>
-        </p:spPr>
-        <p:txBody>
-          <a:bodyPr>
-            <a:noAutofit/>
-          </a:bodyPr>
-          <a:lstStyle/>
-          <a:p>
-            <a:pPr marL="0" indent="0" algn="just">
-              <a:buNone/>
-            </a:pPr>
-            <a:r>
-              <a:rPr lang="vi-VN" sz="1800" b="1" i="1" dirty="0"/>
-              <a:t>DiabetesPedigreeFunction (Hàm phả hệ): </a:t>
-            </a:r>
-            <a:r>
-              <a:rPr lang="vi-VN" sz="1800" dirty="0"/>
-              <a:t>Phân bố lệch phải, nhóm Outcome = 1 có giá trị cao hơn (0.4-1.0), cho thấy yếu tố di truyền quan trọng, như phân tích trong paper2.pdf.</a:t>
-            </a:r>
-          </a:p>
-          <a:p>
-            <a:pPr marL="0" indent="0" algn="just">
-              <a:buNone/>
-            </a:pPr>
-            <a:endParaRPr lang="vi-VN" sz="1800" b="1" i="1" dirty="0"/>
-          </a:p>
-          <a:p>
-            <a:pPr marL="0" indent="0" algn="just">
-              <a:buNone/>
-            </a:pPr>
-            <a:r>
-              <a:rPr lang="vi-VN" sz="1800" b="1" i="1" dirty="0"/>
-              <a:t>- Age (Tuổi):</a:t>
-            </a:r>
-            <a:r>
-              <a:rPr lang="en-US" sz="1800" b="1" i="1" dirty="0"/>
-              <a:t> </a:t>
-            </a:r>
-            <a:r>
-              <a:rPr lang="vi-VN" sz="1800" dirty="0"/>
-              <a:t>Phân bố lệch phải, nhóm Outcome = 1 tập trung ở tuổi &gt;</a:t>
-            </a:r>
-            <a:r>
-              <a:rPr lang="en-US" sz="1800" dirty="0"/>
-              <a:t> </a:t>
-            </a:r>
-            <a:r>
-              <a:rPr lang="vi-VN" sz="1800" dirty="0"/>
-              <a:t>40, phù hợp với nghiên cứu về lão hóa và nguy cơ đái tháo đường (paper1.pdf).</a:t>
-            </a:r>
-          </a:p>
-        </p:txBody>
-      </p:sp>
-      <p:sp>
-        <p:nvSpPr>
-          <p:cNvPr id="5" name="Title 1">
-            <a:extLst>
-              <a:ext uri="{FF2B5EF4-FFF2-40B4-BE49-F238E27FC236}">
-                <a16:creationId xmlns:a16="http://schemas.microsoft.com/office/drawing/2014/main" id="{6FEE56D3-6447-5AC1-E867-6C53D6EE87CA}"/>
-              </a:ext>
-            </a:extLst>
-          </p:cNvPr>
-          <p:cNvSpPr txBox="1">
-            <a:spLocks/>
-          </p:cNvSpPr>
-          <p:nvPr/>
-        </p:nvSpPr>
-        <p:spPr>
-          <a:xfrm>
-            <a:off x="838198" y="1287676"/>
-            <a:ext cx="10515600" cy="806023"/>
-          </a:xfrm>
-          <a:prstGeom prst="rect">
-            <a:avLst/>
-          </a:prstGeom>
-        </p:spPr>
-        <p:txBody>
-          <a:bodyPr vert="horz" lIns="91440" tIns="45720" rIns="91440" bIns="45720" rtlCol="0" anchor="ctr">
-            <a:normAutofit/>
-          </a:bodyPr>
-          <a:lstStyle>
-            <a:lvl1pPr algn="l" defTabSz="914400" rtl="0" eaLnBrk="1" latinLnBrk="0" hangingPunct="1">
-              <a:lnSpc>
-                <a:spcPct val="90000"/>
-              </a:lnSpc>
-              <a:spcBef>
-                <a:spcPct val="0"/>
-              </a:spcBef>
-              <a:buNone/>
-              <a:defRPr sz="4400" kern="1200">
-                <a:solidFill>
-                  <a:schemeClr val="tx1"/>
-                </a:solidFill>
-                <a:latin typeface="+mj-lt"/>
-                <a:ea typeface="+mj-ea"/>
-                <a:cs typeface="+mj-cs"/>
-              </a:defRPr>
-            </a:lvl1pPr>
-          </a:lstStyle>
-          <a:p>
-            <a:r>
-              <a:rPr lang="en-US" sz="3200" b="1" dirty="0">
-                <a:solidFill>
-                  <a:srgbClr val="0070C0"/>
-                </a:solidFill>
-                <a:latin typeface="Arial" panose="020B0604020202020204" pitchFamily="34" charset="0"/>
-                <a:cs typeface="Arial" panose="020B0604020202020204" pitchFamily="34" charset="0"/>
-              </a:rPr>
-              <a:t>3.2. </a:t>
-            </a:r>
-            <a:r>
-              <a:rPr lang="en-US" sz="3200" b="1" dirty="0" err="1">
-                <a:solidFill>
-                  <a:srgbClr val="0070C0"/>
-                </a:solidFill>
-                <a:latin typeface="Arial" panose="020B0604020202020204" pitchFamily="34" charset="0"/>
-                <a:cs typeface="Arial" panose="020B0604020202020204" pitchFamily="34" charset="0"/>
-              </a:rPr>
-              <a:t>Tổng</a:t>
-            </a:r>
-            <a:r>
-              <a:rPr lang="en-US" sz="3200" b="1" dirty="0">
-                <a:solidFill>
-                  <a:srgbClr val="0070C0"/>
-                </a:solidFill>
-                <a:latin typeface="Arial" panose="020B0604020202020204" pitchFamily="34" charset="0"/>
-                <a:cs typeface="Arial" panose="020B0604020202020204" pitchFamily="34" charset="0"/>
-              </a:rPr>
-              <a:t> </a:t>
-            </a:r>
-            <a:r>
-              <a:rPr lang="en-US" sz="3200" b="1" dirty="0" err="1">
-                <a:solidFill>
-                  <a:srgbClr val="0070C0"/>
-                </a:solidFill>
-                <a:latin typeface="Arial" panose="020B0604020202020204" pitchFamily="34" charset="0"/>
-                <a:cs typeface="Arial" panose="020B0604020202020204" pitchFamily="34" charset="0"/>
-              </a:rPr>
-              <a:t>quan</a:t>
-            </a:r>
-            <a:r>
-              <a:rPr lang="en-US" sz="3200" b="1" dirty="0">
-                <a:solidFill>
-                  <a:srgbClr val="0070C0"/>
-                </a:solidFill>
-                <a:latin typeface="Arial" panose="020B0604020202020204" pitchFamily="34" charset="0"/>
-                <a:cs typeface="Arial" panose="020B0604020202020204" pitchFamily="34" charset="0"/>
-              </a:rPr>
-              <a:t> </a:t>
-            </a:r>
-            <a:r>
-              <a:rPr lang="en-US" sz="3200" b="1" dirty="0" err="1">
-                <a:solidFill>
-                  <a:srgbClr val="0070C0"/>
-                </a:solidFill>
-                <a:latin typeface="Arial" panose="020B0604020202020204" pitchFamily="34" charset="0"/>
-                <a:cs typeface="Arial" panose="020B0604020202020204" pitchFamily="34" charset="0"/>
-              </a:rPr>
-              <a:t>dữ</a:t>
-            </a:r>
-            <a:r>
-              <a:rPr lang="en-US" sz="3200" b="1" dirty="0">
-                <a:solidFill>
-                  <a:srgbClr val="0070C0"/>
-                </a:solidFill>
-                <a:latin typeface="Arial" panose="020B0604020202020204" pitchFamily="34" charset="0"/>
-                <a:cs typeface="Arial" panose="020B0604020202020204" pitchFamily="34" charset="0"/>
-              </a:rPr>
-              <a:t> </a:t>
-            </a:r>
-            <a:r>
-              <a:rPr lang="en-US" sz="3200" b="1" dirty="0" err="1">
-                <a:solidFill>
-                  <a:srgbClr val="0070C0"/>
-                </a:solidFill>
-                <a:latin typeface="Arial" panose="020B0604020202020204" pitchFamily="34" charset="0"/>
-                <a:cs typeface="Arial" panose="020B0604020202020204" pitchFamily="34" charset="0"/>
-              </a:rPr>
-              <a:t>liệu</a:t>
-            </a:r>
-            <a:endParaRPr lang="en-US" sz="3200" b="1" dirty="0">
-              <a:solidFill>
-                <a:srgbClr val="0070C0"/>
-              </a:solidFill>
-              <a:latin typeface="Arial" panose="020B0604020202020204" pitchFamily="34" charset="0"/>
-              <a:cs typeface="Arial" panose="020B0604020202020204" pitchFamily="34" charset="0"/>
-            </a:endParaRPr>
-          </a:p>
-        </p:txBody>
-      </p:sp>
-      <p:pic>
-        <p:nvPicPr>
-          <p:cNvPr id="11" name="Picture 10">
-            <a:extLst>
-              <a:ext uri="{FF2B5EF4-FFF2-40B4-BE49-F238E27FC236}">
-                <a16:creationId xmlns:a16="http://schemas.microsoft.com/office/drawing/2014/main" id="{028EAB87-2B68-2E27-34FD-D1B87E2EADDE}"/>
-              </a:ext>
-            </a:extLst>
-          </p:cNvPr>
-          <p:cNvPicPr>
-            <a:picLocks noChangeAspect="1"/>
-          </p:cNvPicPr>
-          <p:nvPr/>
-        </p:nvPicPr>
-        <p:blipFill>
-          <a:blip r:embed="rId3">
-            <a:extLst>
-              <a:ext uri="{28A0092B-C50C-407E-A947-70E740481C1C}">
-                <a14:useLocalDpi xmlns:a14="http://schemas.microsoft.com/office/drawing/2010/main" val="0"/>
-              </a:ext>
-            </a:extLst>
-          </a:blip>
-          <a:srcRect/>
-          <a:stretch/>
-        </p:blipFill>
-        <p:spPr>
-          <a:xfrm>
-            <a:off x="1479303" y="4332452"/>
-            <a:ext cx="3373317" cy="2248878"/>
-          </a:xfrm>
-          <a:prstGeom prst="rect">
-            <a:avLst/>
-          </a:prstGeom>
-        </p:spPr>
-      </p:pic>
-      <p:pic>
-        <p:nvPicPr>
-          <p:cNvPr id="13" name="Picture 12">
-            <a:extLst>
-              <a:ext uri="{FF2B5EF4-FFF2-40B4-BE49-F238E27FC236}">
-                <a16:creationId xmlns:a16="http://schemas.microsoft.com/office/drawing/2014/main" id="{2A56DC09-9873-5F74-777D-3F27BEA65DB7}"/>
-              </a:ext>
-            </a:extLst>
-          </p:cNvPr>
-          <p:cNvPicPr>
-            <a:picLocks noChangeAspect="1"/>
-          </p:cNvPicPr>
-          <p:nvPr/>
-        </p:nvPicPr>
-        <p:blipFill>
-          <a:blip r:embed="rId4">
-            <a:extLst>
-              <a:ext uri="{28A0092B-C50C-407E-A947-70E740481C1C}">
-                <a14:useLocalDpi xmlns:a14="http://schemas.microsoft.com/office/drawing/2010/main" val="0"/>
-              </a:ext>
-            </a:extLst>
-          </a:blip>
-          <a:srcRect/>
-          <a:stretch/>
-        </p:blipFill>
-        <p:spPr>
-          <a:xfrm>
-            <a:off x="1479304" y="2093699"/>
-            <a:ext cx="3373318" cy="2248878"/>
-          </a:xfrm>
-          <a:prstGeom prst="rect">
-            <a:avLst/>
-          </a:prstGeom>
-        </p:spPr>
-      </p:pic>
-      <p:sp>
-        <p:nvSpPr>
-          <p:cNvPr id="14" name="Content Placeholder 2">
-            <a:extLst>
-              <a:ext uri="{FF2B5EF4-FFF2-40B4-BE49-F238E27FC236}">
-                <a16:creationId xmlns:a16="http://schemas.microsoft.com/office/drawing/2014/main" id="{BB87F7B4-4AB0-CE4E-5517-A3CD7746799C}"/>
-              </a:ext>
-            </a:extLst>
-          </p:cNvPr>
-          <p:cNvSpPr txBox="1">
-            <a:spLocks/>
-          </p:cNvSpPr>
-          <p:nvPr/>
-        </p:nvSpPr>
-        <p:spPr>
-          <a:xfrm>
-            <a:off x="5882052" y="5744568"/>
-            <a:ext cx="5471746" cy="748307"/>
-          </a:xfrm>
-          <a:prstGeom prst="rect">
-            <a:avLst/>
-          </a:prstGeom>
-        </p:spPr>
-        <p:txBody>
-          <a:bodyPr vert="horz" lIns="91440" tIns="45720" rIns="91440" bIns="45720" rtlCol="0">
-            <a:normAutofit fontScale="55000" lnSpcReduction="20000"/>
-          </a:bodyPr>
-          <a:lstStyle>
-            <a:lvl1pPr marL="228600" indent="-228600" algn="l" defTabSz="914400" rtl="0" eaLnBrk="1" latinLnBrk="0" hangingPunct="1">
-              <a:lnSpc>
-                <a:spcPct val="90000"/>
-              </a:lnSpc>
-              <a:spcBef>
-                <a:spcPts val="1000"/>
-              </a:spcBef>
-              <a:buFont typeface="Arial" panose="020B0604020202020204" pitchFamily="34" charset="0"/>
-              <a:buChar char="•"/>
-              <a:defRPr sz="2800" kern="1200">
-                <a:solidFill>
-                  <a:schemeClr val="tx1"/>
-                </a:solidFill>
-                <a:latin typeface="+mn-lt"/>
-                <a:ea typeface="+mn-ea"/>
-                <a:cs typeface="+mn-cs"/>
-              </a:defRPr>
-            </a:lvl1pPr>
-            <a:lvl2pPr marL="685800" indent="-228600" algn="l" defTabSz="914400" rtl="0" eaLnBrk="1" latinLnBrk="0" hangingPunct="1">
-              <a:lnSpc>
-                <a:spcPct val="90000"/>
-              </a:lnSpc>
-              <a:spcBef>
-                <a:spcPts val="500"/>
-              </a:spcBef>
-              <a:buFont typeface="Arial" panose="020B0604020202020204" pitchFamily="34" charset="0"/>
-              <a:buChar char="•"/>
-              <a:defRPr sz="2400" kern="1200">
-                <a:solidFill>
-                  <a:schemeClr val="tx1"/>
-                </a:solidFill>
-                <a:latin typeface="+mn-lt"/>
-                <a:ea typeface="+mn-ea"/>
-                <a:cs typeface="+mn-cs"/>
-              </a:defRPr>
-            </a:lvl2pPr>
-            <a:lvl3pPr marL="1143000" indent="-228600" algn="l" defTabSz="914400" rtl="0" eaLnBrk="1" latinLnBrk="0" hangingPunct="1">
-              <a:lnSpc>
-                <a:spcPct val="90000"/>
-              </a:lnSpc>
-              <a:spcBef>
-                <a:spcPts val="500"/>
-              </a:spcBef>
-              <a:buFont typeface="Arial" panose="020B0604020202020204" pitchFamily="34" charset="0"/>
-              <a:buChar char="•"/>
-              <a:defRPr sz="2000" kern="1200">
-                <a:solidFill>
-                  <a:schemeClr val="tx1"/>
-                </a:solidFill>
-                <a:latin typeface="+mn-lt"/>
-                <a:ea typeface="+mn-ea"/>
-                <a:cs typeface="+mn-cs"/>
-              </a:defRPr>
-            </a:lvl3pPr>
-            <a:lvl4pPr marL="1600200" indent="-228600" algn="l" defTabSz="914400" rtl="0" eaLnBrk="1" latinLnBrk="0" hangingPunct="1">
-              <a:lnSpc>
-                <a:spcPct val="90000"/>
-              </a:lnSpc>
-              <a:spcBef>
-                <a:spcPts val="500"/>
-              </a:spcBef>
-              <a:buFont typeface="Arial" panose="020B0604020202020204" pitchFamily="34" charset="0"/>
-              <a:buChar char="•"/>
-              <a:defRPr sz="1800" kern="1200">
-                <a:solidFill>
-                  <a:schemeClr val="tx1"/>
-                </a:solidFill>
-                <a:latin typeface="+mn-lt"/>
-                <a:ea typeface="+mn-ea"/>
-                <a:cs typeface="+mn-cs"/>
-              </a:defRPr>
-            </a:lvl4pPr>
-            <a:lvl5pPr marL="2057400" indent="-228600" algn="l" defTabSz="914400" rtl="0" eaLnBrk="1" latinLnBrk="0" hangingPunct="1">
-              <a:lnSpc>
-                <a:spcPct val="90000"/>
-              </a:lnSpc>
-              <a:spcBef>
-                <a:spcPts val="500"/>
-              </a:spcBef>
-              <a:buFont typeface="Arial" panose="020B0604020202020204" pitchFamily="34" charset="0"/>
-              <a:buChar char="•"/>
-              <a:defRPr sz="1800" kern="1200">
-                <a:solidFill>
-                  <a:schemeClr val="tx1"/>
-                </a:solidFill>
-                <a:latin typeface="+mn-lt"/>
-                <a:ea typeface="+mn-ea"/>
-                <a:cs typeface="+mn-cs"/>
-              </a:defRPr>
-            </a:lvl5pPr>
-            <a:lvl6pPr marL="2514600" indent="-228600" algn="l" defTabSz="914400" rtl="0" eaLnBrk="1" latinLnBrk="0" hangingPunct="1">
-              <a:lnSpc>
-                <a:spcPct val="90000"/>
-              </a:lnSpc>
-              <a:spcBef>
-                <a:spcPts val="500"/>
-              </a:spcBef>
-              <a:buFont typeface="Arial" panose="020B0604020202020204" pitchFamily="34" charset="0"/>
-              <a:buChar char="•"/>
-              <a:defRPr sz="1800" kern="1200">
-                <a:solidFill>
-                  <a:schemeClr val="tx1"/>
-                </a:solidFill>
-                <a:latin typeface="+mn-lt"/>
-                <a:ea typeface="+mn-ea"/>
-                <a:cs typeface="+mn-cs"/>
-              </a:defRPr>
-            </a:lvl6pPr>
-            <a:lvl7pPr marL="2971800" indent="-228600" algn="l" defTabSz="914400" rtl="0" eaLnBrk="1" latinLnBrk="0" hangingPunct="1">
-              <a:lnSpc>
-                <a:spcPct val="90000"/>
-              </a:lnSpc>
-              <a:spcBef>
-                <a:spcPts val="500"/>
-              </a:spcBef>
-              <a:buFont typeface="Arial" panose="020B0604020202020204" pitchFamily="34" charset="0"/>
-              <a:buChar char="•"/>
-              <a:defRPr sz="1800" kern="1200">
-                <a:solidFill>
-                  <a:schemeClr val="tx1"/>
-                </a:solidFill>
-                <a:latin typeface="+mn-lt"/>
-                <a:ea typeface="+mn-ea"/>
-                <a:cs typeface="+mn-cs"/>
-              </a:defRPr>
-            </a:lvl7pPr>
-            <a:lvl8pPr marL="3429000" indent="-228600" algn="l" defTabSz="914400" rtl="0" eaLnBrk="1" latinLnBrk="0" hangingPunct="1">
-              <a:lnSpc>
-                <a:spcPct val="90000"/>
-              </a:lnSpc>
-              <a:spcBef>
-                <a:spcPts val="500"/>
-              </a:spcBef>
-              <a:buFont typeface="Arial" panose="020B0604020202020204" pitchFamily="34" charset="0"/>
-              <a:buChar char="•"/>
-              <a:defRPr sz="1800" kern="1200">
-                <a:solidFill>
-                  <a:schemeClr val="tx1"/>
-                </a:solidFill>
-                <a:latin typeface="+mn-lt"/>
-                <a:ea typeface="+mn-ea"/>
-                <a:cs typeface="+mn-cs"/>
-              </a:defRPr>
-            </a:lvl8pPr>
-            <a:lvl9pPr marL="3886200" indent="-228600" algn="l" defTabSz="914400" rtl="0" eaLnBrk="1" latinLnBrk="0" hangingPunct="1">
-              <a:lnSpc>
-                <a:spcPct val="90000"/>
-              </a:lnSpc>
-              <a:spcBef>
-                <a:spcPts val="500"/>
-              </a:spcBef>
-              <a:buFont typeface="Arial" panose="020B0604020202020204" pitchFamily="34" charset="0"/>
-              <a:buChar char="•"/>
-              <a:defRPr sz="1800" kern="1200">
-                <a:solidFill>
-                  <a:schemeClr val="tx1"/>
-                </a:solidFill>
-                <a:latin typeface="+mn-lt"/>
-                <a:ea typeface="+mn-ea"/>
-                <a:cs typeface="+mn-cs"/>
-              </a:defRPr>
-            </a:lvl9pPr>
-          </a:lstStyle>
-          <a:p>
-            <a:pPr marL="0" indent="0">
-              <a:buNone/>
-            </a:pPr>
-            <a:r>
-              <a:rPr lang="en-US" sz="2000" dirty="0">
-                <a:solidFill>
-                  <a:schemeClr val="tx2">
-                    <a:lumMod val="75000"/>
-                    <a:lumOff val="25000"/>
-                  </a:schemeClr>
-                </a:solidFill>
-                <a:latin typeface="Arial" panose="020B0604020202020204" pitchFamily="34" charset="0"/>
-                <a:cs typeface="Arial" panose="020B0604020202020204" pitchFamily="34" charset="0"/>
-                <a:hlinkClick r:id="rId5">
-                  <a:extLst>
-                    <a:ext uri="{A12FA001-AC4F-418D-AE19-62706E023703}">
-                      <ahyp:hlinkClr xmlns:ahyp="http://schemas.microsoft.com/office/drawing/2018/hyperlinkcolor" val="tx"/>
-                    </a:ext>
-                  </a:extLst>
-                </a:hlinkClick>
-              </a:rPr>
-              <a:t>[</a:t>
-            </a:r>
-            <a:r>
-              <a:rPr lang="en-US" sz="2000" dirty="0">
-                <a:solidFill>
-                  <a:schemeClr val="tx2">
-                    <a:lumMod val="75000"/>
-                    <a:lumOff val="25000"/>
-                  </a:schemeClr>
-                </a:solidFill>
-                <a:latin typeface="Arial" panose="020B0604020202020204" pitchFamily="34" charset="0"/>
-                <a:cs typeface="Arial" panose="020B0604020202020204" pitchFamily="34" charset="0"/>
-                <a:hlinkClick r:id="rId6">
-                  <a:extLst>
-                    <a:ext uri="{A12FA001-AC4F-418D-AE19-62706E023703}">
-                      <ahyp:hlinkClr xmlns:ahyp="http://schemas.microsoft.com/office/drawing/2018/hyperlinkcolor" val="tx"/>
-                    </a:ext>
-                  </a:extLst>
-                </a:hlinkClick>
-              </a:rPr>
-              <a:t>1] Using the </a:t>
-            </a:r>
-            <a:r>
-              <a:rPr lang="en-US" sz="2000" dirty="0" err="1">
-                <a:solidFill>
-                  <a:schemeClr val="tx2">
-                    <a:lumMod val="75000"/>
-                    <a:lumOff val="25000"/>
-                  </a:schemeClr>
-                </a:solidFill>
-                <a:latin typeface="Arial" panose="020B0604020202020204" pitchFamily="34" charset="0"/>
-                <a:cs typeface="Arial" panose="020B0604020202020204" pitchFamily="34" charset="0"/>
-                <a:hlinkClick r:id="rId6">
-                  <a:extLst>
-                    <a:ext uri="{A12FA001-AC4F-418D-AE19-62706E023703}">
-                      <ahyp:hlinkClr xmlns:ahyp="http://schemas.microsoft.com/office/drawing/2018/hyperlinkcolor" val="tx"/>
-                    </a:ext>
-                  </a:extLst>
-                </a:hlinkClick>
-              </a:rPr>
-              <a:t>ADAP</a:t>
-            </a:r>
-            <a:r>
-              <a:rPr lang="en-US" sz="2000" dirty="0">
-                <a:solidFill>
-                  <a:schemeClr val="tx2">
-                    <a:lumMod val="75000"/>
-                    <a:lumOff val="25000"/>
-                  </a:schemeClr>
-                </a:solidFill>
-                <a:latin typeface="Arial" panose="020B0604020202020204" pitchFamily="34" charset="0"/>
-                <a:cs typeface="Arial" panose="020B0604020202020204" pitchFamily="34" charset="0"/>
-                <a:hlinkClick r:id="rId6">
-                  <a:extLst>
-                    <a:ext uri="{A12FA001-AC4F-418D-AE19-62706E023703}">
-                      <ahyp:hlinkClr xmlns:ahyp="http://schemas.microsoft.com/office/drawing/2018/hyperlinkcolor" val="tx"/>
-                    </a:ext>
-                  </a:extLst>
-                </a:hlinkClick>
-              </a:rPr>
-              <a:t> Learning Algorithm to Forecast</a:t>
-            </a:r>
-            <a:r>
-              <a:rPr lang="en-US" sz="2000" dirty="0">
-                <a:solidFill>
-                  <a:schemeClr val="tx2">
-                    <a:lumMod val="75000"/>
-                    <a:lumOff val="25000"/>
-                  </a:schemeClr>
-                </a:solidFill>
-                <a:latin typeface="Arial" panose="020B0604020202020204" pitchFamily="34" charset="0"/>
-                <a:cs typeface="Arial" panose="020B0604020202020204" pitchFamily="34" charset="0"/>
-              </a:rPr>
-              <a:t> the Onset of Diabetes Mellitus</a:t>
-            </a:r>
-          </a:p>
-          <a:p>
-            <a:pPr marL="0" indent="0">
-              <a:buNone/>
-            </a:pPr>
-            <a:r>
-              <a:rPr lang="en-US" sz="2000" dirty="0">
-                <a:solidFill>
-                  <a:schemeClr val="tx2">
-                    <a:lumMod val="75000"/>
-                    <a:lumOff val="25000"/>
-                  </a:schemeClr>
-                </a:solidFill>
-                <a:latin typeface="Arial" panose="020B0604020202020204" pitchFamily="34" charset="0"/>
-                <a:cs typeface="Arial" panose="020B0604020202020204" pitchFamily="34" charset="0"/>
-                <a:hlinkClick r:id="rId7">
-                  <a:extLst>
-                    <a:ext uri="{A12FA001-AC4F-418D-AE19-62706E023703}">
-                      <ahyp:hlinkClr xmlns:ahyp="http://schemas.microsoft.com/office/drawing/2018/hyperlinkcolor" val="tx"/>
-                    </a:ext>
-                  </a:extLst>
-                </a:hlinkClick>
-              </a:rPr>
-              <a:t>[2] Definition, Diagnosis and Classification of Diabetes Mellitus and its Complications</a:t>
-            </a:r>
-            <a:endParaRPr lang="en-US" sz="2000" dirty="0">
-              <a:solidFill>
-                <a:schemeClr val="tx2">
-                  <a:lumMod val="75000"/>
-                  <a:lumOff val="25000"/>
-                </a:schemeClr>
-              </a:solidFill>
-              <a:latin typeface="Arial" panose="020B0604020202020204" pitchFamily="34" charset="0"/>
-              <a:cs typeface="Arial" panose="020B0604020202020204" pitchFamily="34" charset="0"/>
-            </a:endParaRPr>
-          </a:p>
-        </p:txBody>
-      </p:sp>
-    </p:spTree>
-    <p:extLst>
-      <p:ext uri="{BB962C8B-B14F-4D97-AF65-F5344CB8AC3E}">
-        <p14:creationId xmlns:p14="http://schemas.microsoft.com/office/powerpoint/2010/main" val="2239104505"/>
-      </p:ext>
-    </p:extLst>
-  </p:cSld>
-  <p:clrMapOvr>
-    <a:masterClrMapping/>
-  </p:clrMapOvr>
-</p:sld>
-</file>
-
-<file path=ppt/slides/slide14.xml><?xml version="1.0" encoding="utf-8"?>
-<p:sld xmlns:a="http://schemas.openxmlformats.org/drawingml/2006/main" xmlns:r="http://schemas.openxmlformats.org/officeDocument/2006/relationships" xmlns:p="http://schemas.openxmlformats.org/presentationml/2006/main">
-  <p:cSld>
-    <p:spTree>
-      <p:nvGrpSpPr>
-        <p:cNvPr id="1" name="">
-          <a:extLst>
-            <a:ext uri="{FF2B5EF4-FFF2-40B4-BE49-F238E27FC236}">
-              <a16:creationId xmlns:a16="http://schemas.microsoft.com/office/drawing/2014/main" id="{DBD89896-9ACB-1365-C42E-2E7FF4765BF7}"/>
-            </a:ext>
-          </a:extLst>
-        </p:cNvPr>
-        <p:cNvGrpSpPr/>
-        <p:nvPr/>
-      </p:nvGrpSpPr>
-      <p:grpSpPr>
-        <a:xfrm>
-          <a:off x="0" y="0"/>
-          <a:ext cx="0" cy="0"/>
-          <a:chOff x="0" y="0"/>
-          <a:chExt cx="0" cy="0"/>
-        </a:xfrm>
-      </p:grpSpPr>
-      <p:sp>
-        <p:nvSpPr>
-          <p:cNvPr id="2" name="Title 1">
-            <a:extLst>
-              <a:ext uri="{FF2B5EF4-FFF2-40B4-BE49-F238E27FC236}">
-                <a16:creationId xmlns:a16="http://schemas.microsoft.com/office/drawing/2014/main" id="{4AE9A73D-3FCE-9B3C-439B-E64CC42A3A39}"/>
-              </a:ext>
-            </a:extLst>
-          </p:cNvPr>
-          <p:cNvSpPr>
-            <a:spLocks noGrp="1"/>
-          </p:cNvSpPr>
-          <p:nvPr>
-            <p:ph type="title"/>
-          </p:nvPr>
-        </p:nvSpPr>
-        <p:spPr/>
-        <p:txBody>
-          <a:bodyPr/>
-          <a:lstStyle/>
-          <a:p>
-            <a:r>
-              <a:rPr lang="en-US" b="1" dirty="0">
-                <a:solidFill>
-                  <a:srgbClr val="0070C0"/>
-                </a:solidFill>
-                <a:latin typeface="Arial" panose="020B0604020202020204" pitchFamily="34" charset="0"/>
-                <a:cs typeface="Arial" panose="020B0604020202020204" pitchFamily="34" charset="0"/>
-              </a:rPr>
-              <a:t>3. </a:t>
-            </a:r>
-            <a:r>
-              <a:rPr lang="en-US" b="1" dirty="0" err="1">
-                <a:solidFill>
-                  <a:srgbClr val="0070C0"/>
-                </a:solidFill>
-                <a:latin typeface="Arial" panose="020B0604020202020204" pitchFamily="34" charset="0"/>
-                <a:cs typeface="Arial" panose="020B0604020202020204" pitchFamily="34" charset="0"/>
-              </a:rPr>
-              <a:t>Phân</a:t>
-            </a:r>
-            <a:r>
-              <a:rPr lang="en-US" b="1" dirty="0">
-                <a:solidFill>
-                  <a:srgbClr val="0070C0"/>
-                </a:solidFill>
-                <a:latin typeface="Arial" panose="020B0604020202020204" pitchFamily="34" charset="0"/>
-                <a:cs typeface="Arial" panose="020B0604020202020204" pitchFamily="34" charset="0"/>
-              </a:rPr>
-              <a:t> </a:t>
-            </a:r>
-            <a:r>
-              <a:rPr lang="en-US" b="1" dirty="0" err="1">
-                <a:solidFill>
-                  <a:srgbClr val="0070C0"/>
-                </a:solidFill>
-                <a:latin typeface="Arial" panose="020B0604020202020204" pitchFamily="34" charset="0"/>
-                <a:cs typeface="Arial" panose="020B0604020202020204" pitchFamily="34" charset="0"/>
-              </a:rPr>
-              <a:t>tích</a:t>
-            </a:r>
-            <a:r>
-              <a:rPr lang="en-US" b="1" dirty="0">
-                <a:solidFill>
-                  <a:srgbClr val="0070C0"/>
-                </a:solidFill>
-                <a:latin typeface="Arial" panose="020B0604020202020204" pitchFamily="34" charset="0"/>
-                <a:cs typeface="Arial" panose="020B0604020202020204" pitchFamily="34" charset="0"/>
-              </a:rPr>
-              <a:t> </a:t>
-            </a:r>
-            <a:r>
-              <a:rPr lang="en-US" b="1" dirty="0" err="1">
-                <a:solidFill>
-                  <a:srgbClr val="0070C0"/>
-                </a:solidFill>
-                <a:latin typeface="Arial" panose="020B0604020202020204" pitchFamily="34" charset="0"/>
-                <a:cs typeface="Arial" panose="020B0604020202020204" pitchFamily="34" charset="0"/>
-              </a:rPr>
-              <a:t>khám</a:t>
-            </a:r>
-            <a:r>
-              <a:rPr lang="en-US" b="1" dirty="0">
-                <a:solidFill>
-                  <a:srgbClr val="0070C0"/>
-                </a:solidFill>
-                <a:latin typeface="Arial" panose="020B0604020202020204" pitchFamily="34" charset="0"/>
-                <a:cs typeface="Arial" panose="020B0604020202020204" pitchFamily="34" charset="0"/>
-              </a:rPr>
-              <a:t> </a:t>
-            </a:r>
-            <a:r>
-              <a:rPr lang="en-US" b="1" dirty="0" err="1">
-                <a:solidFill>
-                  <a:srgbClr val="0070C0"/>
-                </a:solidFill>
-                <a:latin typeface="Arial" panose="020B0604020202020204" pitchFamily="34" charset="0"/>
-                <a:cs typeface="Arial" panose="020B0604020202020204" pitchFamily="34" charset="0"/>
-              </a:rPr>
-              <a:t>phá</a:t>
-            </a:r>
-            <a:r>
-              <a:rPr lang="en-US" b="1" dirty="0">
-                <a:solidFill>
-                  <a:srgbClr val="0070C0"/>
-                </a:solidFill>
-                <a:latin typeface="Arial" panose="020B0604020202020204" pitchFamily="34" charset="0"/>
-                <a:cs typeface="Arial" panose="020B0604020202020204" pitchFamily="34" charset="0"/>
-              </a:rPr>
-              <a:t> </a:t>
-            </a:r>
-            <a:r>
-              <a:rPr lang="en-US" b="1" dirty="0" err="1">
-                <a:solidFill>
-                  <a:srgbClr val="0070C0"/>
-                </a:solidFill>
-                <a:latin typeface="Arial" panose="020B0604020202020204" pitchFamily="34" charset="0"/>
-                <a:cs typeface="Arial" panose="020B0604020202020204" pitchFamily="34" charset="0"/>
-              </a:rPr>
-              <a:t>dữ</a:t>
-            </a:r>
-            <a:r>
-              <a:rPr lang="en-US" b="1" dirty="0">
-                <a:solidFill>
-                  <a:srgbClr val="0070C0"/>
-                </a:solidFill>
-                <a:latin typeface="Arial" panose="020B0604020202020204" pitchFamily="34" charset="0"/>
-                <a:cs typeface="Arial" panose="020B0604020202020204" pitchFamily="34" charset="0"/>
-              </a:rPr>
-              <a:t> </a:t>
-            </a:r>
-            <a:r>
-              <a:rPr lang="en-US" b="1" dirty="0" err="1">
-                <a:solidFill>
-                  <a:srgbClr val="0070C0"/>
-                </a:solidFill>
-                <a:latin typeface="Arial" panose="020B0604020202020204" pitchFamily="34" charset="0"/>
-                <a:cs typeface="Arial" panose="020B0604020202020204" pitchFamily="34" charset="0"/>
-              </a:rPr>
-              <a:t>liệu</a:t>
-            </a:r>
-            <a:endParaRPr lang="en-US" b="1" dirty="0">
-              <a:solidFill>
-                <a:srgbClr val="0070C0"/>
-              </a:solidFill>
-              <a:latin typeface="Arial" panose="020B0604020202020204" pitchFamily="34" charset="0"/>
-              <a:cs typeface="Arial" panose="020B0604020202020204" pitchFamily="34" charset="0"/>
-            </a:endParaRPr>
-          </a:p>
-        </p:txBody>
-      </p:sp>
-      <p:sp>
-        <p:nvSpPr>
-          <p:cNvPr id="3" name="Content Placeholder 2">
-            <a:extLst>
-              <a:ext uri="{FF2B5EF4-FFF2-40B4-BE49-F238E27FC236}">
-                <a16:creationId xmlns:a16="http://schemas.microsoft.com/office/drawing/2014/main" id="{527F3BF1-0322-4B45-6865-864C3BF6EFEE}"/>
-              </a:ext>
-            </a:extLst>
-          </p:cNvPr>
-          <p:cNvSpPr>
-            <a:spLocks noGrp="1"/>
-          </p:cNvSpPr>
-          <p:nvPr>
-            <p:ph idx="1"/>
-          </p:nvPr>
-        </p:nvSpPr>
-        <p:spPr>
-          <a:xfrm>
-            <a:off x="5882052" y="2303753"/>
-            <a:ext cx="5213839" cy="3112309"/>
-          </a:xfrm>
-        </p:spPr>
-        <p:txBody>
-          <a:bodyPr>
-            <a:noAutofit/>
-          </a:bodyPr>
-          <a:lstStyle/>
-          <a:p>
-            <a:pPr marL="0" indent="0" algn="just">
-              <a:buNone/>
-            </a:pPr>
-            <a:r>
-              <a:rPr lang="vi-VN" sz="1800" b="1" i="1" dirty="0"/>
-              <a:t>DiabetesPedigreeFunction (Hàm phả hệ): </a:t>
-            </a:r>
-            <a:r>
-              <a:rPr lang="vi-VN" sz="1800" dirty="0"/>
-              <a:t>Phân bố lệch phải, nhóm Outcome = 1 có giá trị cao hơn (0.4-1.0), cho thấy yếu tố di truyền quan trọng, như phân tích trong paper2.pdf.</a:t>
-            </a:r>
-          </a:p>
-          <a:p>
-            <a:pPr marL="0" indent="0" algn="just">
-              <a:buNone/>
-            </a:pPr>
-            <a:endParaRPr lang="vi-VN" sz="1800" b="1" i="1" dirty="0"/>
-          </a:p>
-          <a:p>
-            <a:pPr marL="0" indent="0" algn="just">
-              <a:buNone/>
-            </a:pPr>
-            <a:r>
-              <a:rPr lang="vi-VN" sz="1800" b="1" i="1" dirty="0"/>
-              <a:t>- Age (Tuổi):</a:t>
-            </a:r>
-            <a:r>
-              <a:rPr lang="en-US" sz="1800" b="1" i="1" dirty="0"/>
-              <a:t> </a:t>
-            </a:r>
-            <a:r>
-              <a:rPr lang="vi-VN" sz="1800" dirty="0"/>
-              <a:t>Phân bố lệch phải, nhóm Outcome = 1 tập trung ở tuổi &gt;</a:t>
-            </a:r>
-            <a:r>
-              <a:rPr lang="en-US" sz="1800" dirty="0"/>
-              <a:t> </a:t>
-            </a:r>
-            <a:r>
-              <a:rPr lang="vi-VN" sz="1800" dirty="0"/>
-              <a:t>40, phù hợp với nghiên cứu về lão hóa và nguy cơ đái tháo đường (paper1.pdf).</a:t>
-            </a:r>
-          </a:p>
-        </p:txBody>
-      </p:sp>
-      <p:sp>
-        <p:nvSpPr>
-          <p:cNvPr id="5" name="Title 1">
-            <a:extLst>
-              <a:ext uri="{FF2B5EF4-FFF2-40B4-BE49-F238E27FC236}">
-                <a16:creationId xmlns:a16="http://schemas.microsoft.com/office/drawing/2014/main" id="{D3C56B29-EE21-D930-C3C0-75116A66DEEE}"/>
-              </a:ext>
-            </a:extLst>
-          </p:cNvPr>
-          <p:cNvSpPr txBox="1">
-            <a:spLocks/>
-          </p:cNvSpPr>
-          <p:nvPr/>
-        </p:nvSpPr>
-        <p:spPr>
-          <a:xfrm>
-            <a:off x="838198" y="1287676"/>
-            <a:ext cx="10515600" cy="806023"/>
-          </a:xfrm>
-          <a:prstGeom prst="rect">
-            <a:avLst/>
-          </a:prstGeom>
-        </p:spPr>
-        <p:txBody>
-          <a:bodyPr vert="horz" lIns="91440" tIns="45720" rIns="91440" bIns="45720" rtlCol="0" anchor="ctr">
-            <a:normAutofit/>
-          </a:bodyPr>
-          <a:lstStyle>
-            <a:lvl1pPr algn="l" defTabSz="914400" rtl="0" eaLnBrk="1" latinLnBrk="0" hangingPunct="1">
-              <a:lnSpc>
-                <a:spcPct val="90000"/>
-              </a:lnSpc>
-              <a:spcBef>
-                <a:spcPct val="0"/>
-              </a:spcBef>
-              <a:buNone/>
-              <a:defRPr sz="4400" kern="1200">
-                <a:solidFill>
-                  <a:schemeClr val="tx1"/>
-                </a:solidFill>
-                <a:latin typeface="+mj-lt"/>
-                <a:ea typeface="+mj-ea"/>
-                <a:cs typeface="+mj-cs"/>
-              </a:defRPr>
-            </a:lvl1pPr>
-          </a:lstStyle>
-          <a:p>
-            <a:r>
-              <a:rPr lang="en-US" sz="3200" b="1" dirty="0">
-                <a:solidFill>
-                  <a:srgbClr val="0070C0"/>
-                </a:solidFill>
-                <a:latin typeface="Arial" panose="020B0604020202020204" pitchFamily="34" charset="0"/>
-                <a:cs typeface="Arial" panose="020B0604020202020204" pitchFamily="34" charset="0"/>
-              </a:rPr>
-              <a:t>3.2. </a:t>
-            </a:r>
-            <a:r>
-              <a:rPr lang="en-US" sz="3200" b="1" dirty="0" err="1">
-                <a:solidFill>
-                  <a:srgbClr val="0070C0"/>
-                </a:solidFill>
-                <a:latin typeface="Arial" panose="020B0604020202020204" pitchFamily="34" charset="0"/>
-                <a:cs typeface="Arial" panose="020B0604020202020204" pitchFamily="34" charset="0"/>
-              </a:rPr>
-              <a:t>Tổng</a:t>
-            </a:r>
-            <a:r>
-              <a:rPr lang="en-US" sz="3200" b="1" dirty="0">
-                <a:solidFill>
-                  <a:srgbClr val="0070C0"/>
-                </a:solidFill>
-                <a:latin typeface="Arial" panose="020B0604020202020204" pitchFamily="34" charset="0"/>
-                <a:cs typeface="Arial" panose="020B0604020202020204" pitchFamily="34" charset="0"/>
-              </a:rPr>
-              <a:t> </a:t>
-            </a:r>
-            <a:r>
-              <a:rPr lang="en-US" sz="3200" b="1" dirty="0" err="1">
-                <a:solidFill>
-                  <a:srgbClr val="0070C0"/>
-                </a:solidFill>
-                <a:latin typeface="Arial" panose="020B0604020202020204" pitchFamily="34" charset="0"/>
-                <a:cs typeface="Arial" panose="020B0604020202020204" pitchFamily="34" charset="0"/>
-              </a:rPr>
-              <a:t>quan</a:t>
-            </a:r>
-            <a:r>
-              <a:rPr lang="en-US" sz="3200" b="1" dirty="0">
-                <a:solidFill>
-                  <a:srgbClr val="0070C0"/>
-                </a:solidFill>
-                <a:latin typeface="Arial" panose="020B0604020202020204" pitchFamily="34" charset="0"/>
-                <a:cs typeface="Arial" panose="020B0604020202020204" pitchFamily="34" charset="0"/>
-              </a:rPr>
-              <a:t> </a:t>
-            </a:r>
-            <a:r>
-              <a:rPr lang="en-US" sz="3200" b="1" dirty="0" err="1">
-                <a:solidFill>
-                  <a:srgbClr val="0070C0"/>
-                </a:solidFill>
-                <a:latin typeface="Arial" panose="020B0604020202020204" pitchFamily="34" charset="0"/>
-                <a:cs typeface="Arial" panose="020B0604020202020204" pitchFamily="34" charset="0"/>
-              </a:rPr>
-              <a:t>dữ</a:t>
-            </a:r>
-            <a:r>
-              <a:rPr lang="en-US" sz="3200" b="1" dirty="0">
-                <a:solidFill>
-                  <a:srgbClr val="0070C0"/>
-                </a:solidFill>
-                <a:latin typeface="Arial" panose="020B0604020202020204" pitchFamily="34" charset="0"/>
-                <a:cs typeface="Arial" panose="020B0604020202020204" pitchFamily="34" charset="0"/>
-              </a:rPr>
-              <a:t> </a:t>
-            </a:r>
-            <a:r>
-              <a:rPr lang="en-US" sz="3200" b="1" dirty="0" err="1">
-                <a:solidFill>
-                  <a:srgbClr val="0070C0"/>
-                </a:solidFill>
-                <a:latin typeface="Arial" panose="020B0604020202020204" pitchFamily="34" charset="0"/>
-                <a:cs typeface="Arial" panose="020B0604020202020204" pitchFamily="34" charset="0"/>
-              </a:rPr>
-              <a:t>liệu</a:t>
-            </a:r>
-            <a:endParaRPr lang="en-US" sz="3200" b="1" dirty="0">
-              <a:solidFill>
-                <a:srgbClr val="0070C0"/>
-              </a:solidFill>
-              <a:latin typeface="Arial" panose="020B0604020202020204" pitchFamily="34" charset="0"/>
-              <a:cs typeface="Arial" panose="020B0604020202020204" pitchFamily="34" charset="0"/>
-            </a:endParaRPr>
-          </a:p>
-        </p:txBody>
-      </p:sp>
-      <p:pic>
-        <p:nvPicPr>
-          <p:cNvPr id="11" name="Picture 10">
-            <a:extLst>
-              <a:ext uri="{FF2B5EF4-FFF2-40B4-BE49-F238E27FC236}">
-                <a16:creationId xmlns:a16="http://schemas.microsoft.com/office/drawing/2014/main" id="{E2088DC3-B426-08C6-EBD3-62D29D519F62}"/>
-              </a:ext>
-            </a:extLst>
-          </p:cNvPr>
-          <p:cNvPicPr>
-            <a:picLocks noChangeAspect="1"/>
-          </p:cNvPicPr>
-          <p:nvPr/>
-        </p:nvPicPr>
-        <p:blipFill>
-          <a:blip r:embed="rId3">
-            <a:extLst>
-              <a:ext uri="{28A0092B-C50C-407E-A947-70E740481C1C}">
-                <a14:useLocalDpi xmlns:a14="http://schemas.microsoft.com/office/drawing/2010/main" val="0"/>
-              </a:ext>
-            </a:extLst>
-          </a:blip>
-          <a:srcRect/>
-          <a:stretch/>
-        </p:blipFill>
-        <p:spPr>
-          <a:xfrm>
-            <a:off x="1479303" y="4332452"/>
-            <a:ext cx="3373317" cy="2248878"/>
-          </a:xfrm>
-          <a:prstGeom prst="rect">
-            <a:avLst/>
-          </a:prstGeom>
-        </p:spPr>
-      </p:pic>
-      <p:pic>
-        <p:nvPicPr>
-          <p:cNvPr id="13" name="Picture 12">
-            <a:extLst>
-              <a:ext uri="{FF2B5EF4-FFF2-40B4-BE49-F238E27FC236}">
-                <a16:creationId xmlns:a16="http://schemas.microsoft.com/office/drawing/2014/main" id="{0010C990-5BE4-EB6E-AB2C-BCD1A6E4D16C}"/>
-              </a:ext>
-            </a:extLst>
-          </p:cNvPr>
-          <p:cNvPicPr>
-            <a:picLocks noChangeAspect="1"/>
-          </p:cNvPicPr>
-          <p:nvPr/>
-        </p:nvPicPr>
-        <p:blipFill>
-          <a:blip r:embed="rId4">
-            <a:extLst>
-              <a:ext uri="{28A0092B-C50C-407E-A947-70E740481C1C}">
-                <a14:useLocalDpi xmlns:a14="http://schemas.microsoft.com/office/drawing/2010/main" val="0"/>
-              </a:ext>
-            </a:extLst>
-          </a:blip>
-          <a:srcRect/>
-          <a:stretch/>
-        </p:blipFill>
-        <p:spPr>
-          <a:xfrm>
-            <a:off x="1479304" y="2093699"/>
-            <a:ext cx="3373318" cy="2248878"/>
-          </a:xfrm>
-          <a:prstGeom prst="rect">
-            <a:avLst/>
-          </a:prstGeom>
-        </p:spPr>
-      </p:pic>
-      <p:sp>
-        <p:nvSpPr>
-          <p:cNvPr id="14" name="Content Placeholder 2">
-            <a:extLst>
-              <a:ext uri="{FF2B5EF4-FFF2-40B4-BE49-F238E27FC236}">
-                <a16:creationId xmlns:a16="http://schemas.microsoft.com/office/drawing/2014/main" id="{C319F96F-ED0B-236C-4688-FF299366C8FF}"/>
-              </a:ext>
-            </a:extLst>
-          </p:cNvPr>
-          <p:cNvSpPr txBox="1">
-            <a:spLocks/>
-          </p:cNvSpPr>
-          <p:nvPr/>
-        </p:nvSpPr>
-        <p:spPr>
-          <a:xfrm>
-            <a:off x="5882052" y="5744568"/>
-            <a:ext cx="5471746" cy="748307"/>
-          </a:xfrm>
-          <a:prstGeom prst="rect">
-            <a:avLst/>
-          </a:prstGeom>
-        </p:spPr>
-        <p:txBody>
-          <a:bodyPr vert="horz" lIns="91440" tIns="45720" rIns="91440" bIns="45720" rtlCol="0">
-            <a:normAutofit fontScale="55000" lnSpcReduction="20000"/>
-          </a:bodyPr>
-          <a:lstStyle>
-            <a:lvl1pPr marL="228600" indent="-228600" algn="l" defTabSz="914400" rtl="0" eaLnBrk="1" latinLnBrk="0" hangingPunct="1">
-              <a:lnSpc>
-                <a:spcPct val="90000"/>
-              </a:lnSpc>
-              <a:spcBef>
-                <a:spcPts val="1000"/>
-              </a:spcBef>
-              <a:buFont typeface="Arial" panose="020B0604020202020204" pitchFamily="34" charset="0"/>
-              <a:buChar char="•"/>
-              <a:defRPr sz="2800" kern="1200">
-                <a:solidFill>
-                  <a:schemeClr val="tx1"/>
-                </a:solidFill>
-                <a:latin typeface="+mn-lt"/>
-                <a:ea typeface="+mn-ea"/>
-                <a:cs typeface="+mn-cs"/>
-              </a:defRPr>
-            </a:lvl1pPr>
-            <a:lvl2pPr marL="685800" indent="-228600" algn="l" defTabSz="914400" rtl="0" eaLnBrk="1" latinLnBrk="0" hangingPunct="1">
-              <a:lnSpc>
-                <a:spcPct val="90000"/>
-              </a:lnSpc>
-              <a:spcBef>
-                <a:spcPts val="500"/>
-              </a:spcBef>
-              <a:buFont typeface="Arial" panose="020B0604020202020204" pitchFamily="34" charset="0"/>
-              <a:buChar char="•"/>
-              <a:defRPr sz="2400" kern="1200">
-                <a:solidFill>
-                  <a:schemeClr val="tx1"/>
-                </a:solidFill>
-                <a:latin typeface="+mn-lt"/>
-                <a:ea typeface="+mn-ea"/>
-                <a:cs typeface="+mn-cs"/>
-              </a:defRPr>
-            </a:lvl2pPr>
-            <a:lvl3pPr marL="1143000" indent="-228600" algn="l" defTabSz="914400" rtl="0" eaLnBrk="1" latinLnBrk="0" hangingPunct="1">
-              <a:lnSpc>
-                <a:spcPct val="90000"/>
-              </a:lnSpc>
-              <a:spcBef>
-                <a:spcPts val="500"/>
-              </a:spcBef>
-              <a:buFont typeface="Arial" panose="020B0604020202020204" pitchFamily="34" charset="0"/>
-              <a:buChar char="•"/>
-              <a:defRPr sz="2000" kern="1200">
-                <a:solidFill>
-                  <a:schemeClr val="tx1"/>
-                </a:solidFill>
-                <a:latin typeface="+mn-lt"/>
-                <a:ea typeface="+mn-ea"/>
-                <a:cs typeface="+mn-cs"/>
-              </a:defRPr>
-            </a:lvl3pPr>
-            <a:lvl4pPr marL="1600200" indent="-228600" algn="l" defTabSz="914400" rtl="0" eaLnBrk="1" latinLnBrk="0" hangingPunct="1">
-              <a:lnSpc>
-                <a:spcPct val="90000"/>
-              </a:lnSpc>
-              <a:spcBef>
-                <a:spcPts val="500"/>
-              </a:spcBef>
-              <a:buFont typeface="Arial" panose="020B0604020202020204" pitchFamily="34" charset="0"/>
-              <a:buChar char="•"/>
-              <a:defRPr sz="1800" kern="1200">
-                <a:solidFill>
-                  <a:schemeClr val="tx1"/>
-                </a:solidFill>
-                <a:latin typeface="+mn-lt"/>
-                <a:ea typeface="+mn-ea"/>
-                <a:cs typeface="+mn-cs"/>
-              </a:defRPr>
-            </a:lvl4pPr>
-            <a:lvl5pPr marL="2057400" indent="-228600" algn="l" defTabSz="914400" rtl="0" eaLnBrk="1" latinLnBrk="0" hangingPunct="1">
-              <a:lnSpc>
-                <a:spcPct val="90000"/>
-              </a:lnSpc>
-              <a:spcBef>
-                <a:spcPts val="500"/>
-              </a:spcBef>
-              <a:buFont typeface="Arial" panose="020B0604020202020204" pitchFamily="34" charset="0"/>
-              <a:buChar char="•"/>
-              <a:defRPr sz="1800" kern="1200">
-                <a:solidFill>
-                  <a:schemeClr val="tx1"/>
-                </a:solidFill>
-                <a:latin typeface="+mn-lt"/>
-                <a:ea typeface="+mn-ea"/>
-                <a:cs typeface="+mn-cs"/>
-              </a:defRPr>
-            </a:lvl5pPr>
-            <a:lvl6pPr marL="2514600" indent="-228600" algn="l" defTabSz="914400" rtl="0" eaLnBrk="1" latinLnBrk="0" hangingPunct="1">
-              <a:lnSpc>
-                <a:spcPct val="90000"/>
-              </a:lnSpc>
-              <a:spcBef>
-                <a:spcPts val="500"/>
-              </a:spcBef>
-              <a:buFont typeface="Arial" panose="020B0604020202020204" pitchFamily="34" charset="0"/>
-              <a:buChar char="•"/>
-              <a:defRPr sz="1800" kern="1200">
-                <a:solidFill>
-                  <a:schemeClr val="tx1"/>
-                </a:solidFill>
-                <a:latin typeface="+mn-lt"/>
-                <a:ea typeface="+mn-ea"/>
-                <a:cs typeface="+mn-cs"/>
-              </a:defRPr>
-            </a:lvl6pPr>
-            <a:lvl7pPr marL="2971800" indent="-228600" algn="l" defTabSz="914400" rtl="0" eaLnBrk="1" latinLnBrk="0" hangingPunct="1">
-              <a:lnSpc>
-                <a:spcPct val="90000"/>
-              </a:lnSpc>
-              <a:spcBef>
-                <a:spcPts val="500"/>
-              </a:spcBef>
-              <a:buFont typeface="Arial" panose="020B0604020202020204" pitchFamily="34" charset="0"/>
-              <a:buChar char="•"/>
-              <a:defRPr sz="1800" kern="1200">
-                <a:solidFill>
-                  <a:schemeClr val="tx1"/>
-                </a:solidFill>
-                <a:latin typeface="+mn-lt"/>
-                <a:ea typeface="+mn-ea"/>
-                <a:cs typeface="+mn-cs"/>
-              </a:defRPr>
-            </a:lvl7pPr>
-            <a:lvl8pPr marL="3429000" indent="-228600" algn="l" defTabSz="914400" rtl="0" eaLnBrk="1" latinLnBrk="0" hangingPunct="1">
-              <a:lnSpc>
-                <a:spcPct val="90000"/>
-              </a:lnSpc>
-              <a:spcBef>
-                <a:spcPts val="500"/>
-              </a:spcBef>
-              <a:buFont typeface="Arial" panose="020B0604020202020204" pitchFamily="34" charset="0"/>
-              <a:buChar char="•"/>
-              <a:defRPr sz="1800" kern="1200">
-                <a:solidFill>
-                  <a:schemeClr val="tx1"/>
-                </a:solidFill>
-                <a:latin typeface="+mn-lt"/>
-                <a:ea typeface="+mn-ea"/>
-                <a:cs typeface="+mn-cs"/>
-              </a:defRPr>
-            </a:lvl8pPr>
-            <a:lvl9pPr marL="3886200" indent="-228600" algn="l" defTabSz="914400" rtl="0" eaLnBrk="1" latinLnBrk="0" hangingPunct="1">
-              <a:lnSpc>
-                <a:spcPct val="90000"/>
-              </a:lnSpc>
-              <a:spcBef>
-                <a:spcPts val="500"/>
-              </a:spcBef>
-              <a:buFont typeface="Arial" panose="020B0604020202020204" pitchFamily="34" charset="0"/>
-              <a:buChar char="•"/>
-              <a:defRPr sz="1800" kern="1200">
-                <a:solidFill>
-                  <a:schemeClr val="tx1"/>
-                </a:solidFill>
-                <a:latin typeface="+mn-lt"/>
-                <a:ea typeface="+mn-ea"/>
-                <a:cs typeface="+mn-cs"/>
-              </a:defRPr>
-            </a:lvl9pPr>
-          </a:lstStyle>
-          <a:p>
-            <a:pPr marL="0" indent="0">
-              <a:buNone/>
-            </a:pPr>
-            <a:r>
-              <a:rPr lang="en-US" sz="2000" dirty="0">
-                <a:solidFill>
-                  <a:schemeClr val="tx2">
-                    <a:lumMod val="75000"/>
-                    <a:lumOff val="25000"/>
-                  </a:schemeClr>
-                </a:solidFill>
-                <a:latin typeface="Arial" panose="020B0604020202020204" pitchFamily="34" charset="0"/>
-                <a:cs typeface="Arial" panose="020B0604020202020204" pitchFamily="34" charset="0"/>
-                <a:hlinkClick r:id="rId5">
-                  <a:extLst>
-                    <a:ext uri="{A12FA001-AC4F-418D-AE19-62706E023703}">
-                      <ahyp:hlinkClr xmlns:ahyp="http://schemas.microsoft.com/office/drawing/2018/hyperlinkcolor" val="tx"/>
-                    </a:ext>
-                  </a:extLst>
-                </a:hlinkClick>
-              </a:rPr>
-              <a:t>[</a:t>
-            </a:r>
-            <a:r>
-              <a:rPr lang="en-US" sz="2000" dirty="0">
-                <a:solidFill>
-                  <a:schemeClr val="tx2">
-                    <a:lumMod val="75000"/>
-                    <a:lumOff val="25000"/>
-                  </a:schemeClr>
-                </a:solidFill>
-                <a:latin typeface="Arial" panose="020B0604020202020204" pitchFamily="34" charset="0"/>
-                <a:cs typeface="Arial" panose="020B0604020202020204" pitchFamily="34" charset="0"/>
-                <a:hlinkClick r:id="rId6">
-                  <a:extLst>
-                    <a:ext uri="{A12FA001-AC4F-418D-AE19-62706E023703}">
-                      <ahyp:hlinkClr xmlns:ahyp="http://schemas.microsoft.com/office/drawing/2018/hyperlinkcolor" val="tx"/>
-                    </a:ext>
-                  </a:extLst>
-                </a:hlinkClick>
-              </a:rPr>
-              <a:t>1] Using the </a:t>
-            </a:r>
-            <a:r>
-              <a:rPr lang="en-US" sz="2000" dirty="0" err="1">
-                <a:solidFill>
-                  <a:schemeClr val="tx2">
-                    <a:lumMod val="75000"/>
-                    <a:lumOff val="25000"/>
-                  </a:schemeClr>
-                </a:solidFill>
-                <a:latin typeface="Arial" panose="020B0604020202020204" pitchFamily="34" charset="0"/>
-                <a:cs typeface="Arial" panose="020B0604020202020204" pitchFamily="34" charset="0"/>
-                <a:hlinkClick r:id="rId6">
-                  <a:extLst>
-                    <a:ext uri="{A12FA001-AC4F-418D-AE19-62706E023703}">
-                      <ahyp:hlinkClr xmlns:ahyp="http://schemas.microsoft.com/office/drawing/2018/hyperlinkcolor" val="tx"/>
-                    </a:ext>
-                  </a:extLst>
-                </a:hlinkClick>
-              </a:rPr>
-              <a:t>ADAP</a:t>
-            </a:r>
-            <a:r>
-              <a:rPr lang="en-US" sz="2000" dirty="0">
-                <a:solidFill>
-                  <a:schemeClr val="tx2">
-                    <a:lumMod val="75000"/>
-                    <a:lumOff val="25000"/>
-                  </a:schemeClr>
-                </a:solidFill>
-                <a:latin typeface="Arial" panose="020B0604020202020204" pitchFamily="34" charset="0"/>
-                <a:cs typeface="Arial" panose="020B0604020202020204" pitchFamily="34" charset="0"/>
-                <a:hlinkClick r:id="rId6">
-                  <a:extLst>
-                    <a:ext uri="{A12FA001-AC4F-418D-AE19-62706E023703}">
-                      <ahyp:hlinkClr xmlns:ahyp="http://schemas.microsoft.com/office/drawing/2018/hyperlinkcolor" val="tx"/>
-                    </a:ext>
-                  </a:extLst>
-                </a:hlinkClick>
-              </a:rPr>
-              <a:t> Learning Algorithm to Forecast</a:t>
-            </a:r>
-            <a:r>
-              <a:rPr lang="en-US" sz="2000" dirty="0">
-                <a:solidFill>
-                  <a:schemeClr val="tx2">
-                    <a:lumMod val="75000"/>
-                    <a:lumOff val="25000"/>
-                  </a:schemeClr>
-                </a:solidFill>
-                <a:latin typeface="Arial" panose="020B0604020202020204" pitchFamily="34" charset="0"/>
-                <a:cs typeface="Arial" panose="020B0604020202020204" pitchFamily="34" charset="0"/>
-              </a:rPr>
-              <a:t> the Onset of Diabetes Mellitus</a:t>
-            </a:r>
-          </a:p>
-          <a:p>
-            <a:pPr marL="0" indent="0">
-              <a:buNone/>
-            </a:pPr>
-            <a:r>
-              <a:rPr lang="en-US" sz="2000" dirty="0">
-                <a:solidFill>
-                  <a:schemeClr val="tx2">
-                    <a:lumMod val="75000"/>
-                    <a:lumOff val="25000"/>
-                  </a:schemeClr>
-                </a:solidFill>
-                <a:latin typeface="Arial" panose="020B0604020202020204" pitchFamily="34" charset="0"/>
-                <a:cs typeface="Arial" panose="020B0604020202020204" pitchFamily="34" charset="0"/>
-                <a:hlinkClick r:id="rId7">
-                  <a:extLst>
-                    <a:ext uri="{A12FA001-AC4F-418D-AE19-62706E023703}">
-                      <ahyp:hlinkClr xmlns:ahyp="http://schemas.microsoft.com/office/drawing/2018/hyperlinkcolor" val="tx"/>
-                    </a:ext>
-                  </a:extLst>
-                </a:hlinkClick>
-              </a:rPr>
-              <a:t>[2] Definition, Diagnosis and Classification of Diabetes Mellitus and its Complications</a:t>
-            </a:r>
-            <a:endParaRPr lang="en-US" sz="2000" dirty="0">
-              <a:solidFill>
-                <a:schemeClr val="tx2">
-                  <a:lumMod val="75000"/>
-                  <a:lumOff val="25000"/>
-                </a:schemeClr>
-              </a:solidFill>
-              <a:latin typeface="Arial" panose="020B0604020202020204" pitchFamily="34" charset="0"/>
-              <a:cs typeface="Arial" panose="020B0604020202020204" pitchFamily="34" charset="0"/>
-            </a:endParaRPr>
-          </a:p>
-        </p:txBody>
-      </p:sp>
-    </p:spTree>
-    <p:extLst>
-      <p:ext uri="{BB962C8B-B14F-4D97-AF65-F5344CB8AC3E}">
-        <p14:creationId xmlns:p14="http://schemas.microsoft.com/office/powerpoint/2010/main" val="90287585"/>
-      </p:ext>
-    </p:extLst>
-  </p:cSld>
-  <p:clrMapOvr>
-    <a:masterClrMapping/>
-  </p:clrMapOvr>
-</p:sld>
-</file>
-
-<file path=ppt/slides/slide15.xml><?xml version="1.0" encoding="utf-8"?>
-<p:sld xmlns:a="http://schemas.openxmlformats.org/drawingml/2006/main" xmlns:r="http://schemas.openxmlformats.org/officeDocument/2006/relationships" xmlns:p="http://schemas.openxmlformats.org/presentationml/2006/main">
-  <p:cSld>
-    <p:spTree>
-      <p:nvGrpSpPr>
-        <p:cNvPr id="1" name="">
-          <a:extLst>
-            <a:ext uri="{FF2B5EF4-FFF2-40B4-BE49-F238E27FC236}">
               <a16:creationId xmlns:a16="http://schemas.microsoft.com/office/drawing/2014/main" id="{9F3237DF-1F79-FAB2-FF64-AC090283F5D8}"/>
             </a:ext>
           </a:extLst>
@@ -10146,7 +8342,7 @@
 </p:sld>
 </file>
 
-<file path=ppt/slides/slide16.xml><?xml version="1.0" encoding="utf-8"?>
+<file path=ppt/slides/slide14.xml><?xml version="1.0" encoding="utf-8"?>
 <p:sld xmlns:a="http://schemas.openxmlformats.org/drawingml/2006/main" xmlns:r="http://schemas.openxmlformats.org/officeDocument/2006/relationships" xmlns:p="http://schemas.openxmlformats.org/presentationml/2006/main">
   <p:cSld>
     <p:spTree>
@@ -11012,7 +9208,7 @@
 </p:sld>
 </file>
 
-<file path=ppt/slides/slide17.xml><?xml version="1.0" encoding="utf-8"?>
+<file path=ppt/slides/slide15.xml><?xml version="1.0" encoding="utf-8"?>
 <p:sld xmlns:a="http://schemas.openxmlformats.org/drawingml/2006/main" xmlns:r="http://schemas.openxmlformats.org/officeDocument/2006/relationships" xmlns:p="http://schemas.openxmlformats.org/presentationml/2006/main">
   <p:cSld>
     <p:spTree>
@@ -11738,7 +9934,7 @@
 </p:sld>
 </file>
 
-<file path=ppt/slides/slide18.xml><?xml version="1.0" encoding="utf-8"?>
+<file path=ppt/slides/slide16.xml><?xml version="1.0" encoding="utf-8"?>
 <p:sld xmlns:a="http://schemas.openxmlformats.org/drawingml/2006/main" xmlns:r="http://schemas.openxmlformats.org/officeDocument/2006/relationships" xmlns:p="http://schemas.openxmlformats.org/presentationml/2006/main">
   <p:cSld>
     <p:spTree>
@@ -12505,7 +10701,7 @@
 </p:sld>
 </file>
 
-<file path=ppt/slides/slide19.xml><?xml version="1.0" encoding="utf-8"?>
+<file path=ppt/slides/slide17.xml><?xml version="1.0" encoding="utf-8"?>
 <p:sld xmlns:a="http://schemas.openxmlformats.org/drawingml/2006/main" xmlns:r="http://schemas.openxmlformats.org/officeDocument/2006/relationships" xmlns:p="http://schemas.openxmlformats.org/presentationml/2006/main">
   <p:cSld>
     <p:spTree>
@@ -13215,6 +11411,1815 @@
     <p:extLst>
       <p:ext uri="{BB962C8B-B14F-4D97-AF65-F5344CB8AC3E}">
         <p14:creationId xmlns:p14="http://schemas.microsoft.com/office/powerpoint/2010/main" val="332033111"/>
+      </p:ext>
+    </p:extLst>
+  </p:cSld>
+  <p:clrMapOvr>
+    <a:masterClrMapping/>
+  </p:clrMapOvr>
+</p:sld>
+</file>
+
+<file path=ppt/slides/slide18.xml><?xml version="1.0" encoding="utf-8"?>
+<p:sld xmlns:a="http://schemas.openxmlformats.org/drawingml/2006/main" xmlns:r="http://schemas.openxmlformats.org/officeDocument/2006/relationships" xmlns:p="http://schemas.openxmlformats.org/presentationml/2006/main">
+  <p:cSld>
+    <p:spTree>
+      <p:nvGrpSpPr>
+        <p:cNvPr id="1" name="">
+          <a:extLst>
+            <a:ext uri="{FF2B5EF4-FFF2-40B4-BE49-F238E27FC236}">
+              <a16:creationId xmlns:a16="http://schemas.microsoft.com/office/drawing/2014/main" id="{A2F4B721-99A6-8BD9-7E35-4200C5620808}"/>
+            </a:ext>
+          </a:extLst>
+        </p:cNvPr>
+        <p:cNvGrpSpPr/>
+        <p:nvPr/>
+      </p:nvGrpSpPr>
+      <p:grpSpPr>
+        <a:xfrm>
+          <a:off x="0" y="0"/>
+          <a:ext cx="0" cy="0"/>
+          <a:chOff x="0" y="0"/>
+          <a:chExt cx="0" cy="0"/>
+        </a:xfrm>
+      </p:grpSpPr>
+      <p:sp>
+        <p:nvSpPr>
+          <p:cNvPr id="2" name="Title 1">
+            <a:extLst>
+              <a:ext uri="{FF2B5EF4-FFF2-40B4-BE49-F238E27FC236}">
+                <a16:creationId xmlns:a16="http://schemas.microsoft.com/office/drawing/2014/main" id="{8EBEE51D-3144-22AD-AA37-E8742FF8760D}"/>
+              </a:ext>
+            </a:extLst>
+          </p:cNvPr>
+          <p:cNvSpPr>
+            <a:spLocks noGrp="1"/>
+          </p:cNvSpPr>
+          <p:nvPr>
+            <p:ph type="title"/>
+          </p:nvPr>
+        </p:nvSpPr>
+        <p:spPr/>
+        <p:txBody>
+          <a:bodyPr/>
+          <a:lstStyle/>
+          <a:p>
+            <a:r>
+              <a:rPr lang="en-US" b="1" dirty="0">
+                <a:solidFill>
+                  <a:srgbClr val="0070C0"/>
+                </a:solidFill>
+                <a:latin typeface="Arial" panose="020B0604020202020204" pitchFamily="34" charset="0"/>
+                <a:cs typeface="Arial" panose="020B0604020202020204" pitchFamily="34" charset="0"/>
+              </a:rPr>
+              <a:t>3. </a:t>
+            </a:r>
+            <a:r>
+              <a:rPr lang="en-US" b="1" dirty="0" err="1">
+                <a:solidFill>
+                  <a:srgbClr val="0070C0"/>
+                </a:solidFill>
+                <a:latin typeface="Arial" panose="020B0604020202020204" pitchFamily="34" charset="0"/>
+                <a:cs typeface="Arial" panose="020B0604020202020204" pitchFamily="34" charset="0"/>
+              </a:rPr>
+              <a:t>Phân</a:t>
+            </a:r>
+            <a:r>
+              <a:rPr lang="en-US" b="1" dirty="0">
+                <a:solidFill>
+                  <a:srgbClr val="0070C0"/>
+                </a:solidFill>
+                <a:latin typeface="Arial" panose="020B0604020202020204" pitchFamily="34" charset="0"/>
+                <a:cs typeface="Arial" panose="020B0604020202020204" pitchFamily="34" charset="0"/>
+              </a:rPr>
+              <a:t> </a:t>
+            </a:r>
+            <a:r>
+              <a:rPr lang="en-US" b="1" dirty="0" err="1">
+                <a:solidFill>
+                  <a:srgbClr val="0070C0"/>
+                </a:solidFill>
+                <a:latin typeface="Arial" panose="020B0604020202020204" pitchFamily="34" charset="0"/>
+                <a:cs typeface="Arial" panose="020B0604020202020204" pitchFamily="34" charset="0"/>
+              </a:rPr>
+              <a:t>tích</a:t>
+            </a:r>
+            <a:r>
+              <a:rPr lang="en-US" b="1" dirty="0">
+                <a:solidFill>
+                  <a:srgbClr val="0070C0"/>
+                </a:solidFill>
+                <a:latin typeface="Arial" panose="020B0604020202020204" pitchFamily="34" charset="0"/>
+                <a:cs typeface="Arial" panose="020B0604020202020204" pitchFamily="34" charset="0"/>
+              </a:rPr>
+              <a:t> </a:t>
+            </a:r>
+            <a:r>
+              <a:rPr lang="en-US" b="1" dirty="0" err="1">
+                <a:solidFill>
+                  <a:srgbClr val="0070C0"/>
+                </a:solidFill>
+                <a:latin typeface="Arial" panose="020B0604020202020204" pitchFamily="34" charset="0"/>
+                <a:cs typeface="Arial" panose="020B0604020202020204" pitchFamily="34" charset="0"/>
+              </a:rPr>
+              <a:t>khám</a:t>
+            </a:r>
+            <a:r>
+              <a:rPr lang="en-US" b="1" dirty="0">
+                <a:solidFill>
+                  <a:srgbClr val="0070C0"/>
+                </a:solidFill>
+                <a:latin typeface="Arial" panose="020B0604020202020204" pitchFamily="34" charset="0"/>
+                <a:cs typeface="Arial" panose="020B0604020202020204" pitchFamily="34" charset="0"/>
+              </a:rPr>
+              <a:t> </a:t>
+            </a:r>
+            <a:r>
+              <a:rPr lang="en-US" b="1" dirty="0" err="1">
+                <a:solidFill>
+                  <a:srgbClr val="0070C0"/>
+                </a:solidFill>
+                <a:latin typeface="Arial" panose="020B0604020202020204" pitchFamily="34" charset="0"/>
+                <a:cs typeface="Arial" panose="020B0604020202020204" pitchFamily="34" charset="0"/>
+              </a:rPr>
+              <a:t>phá</a:t>
+            </a:r>
+            <a:r>
+              <a:rPr lang="en-US" b="1" dirty="0">
+                <a:solidFill>
+                  <a:srgbClr val="0070C0"/>
+                </a:solidFill>
+                <a:latin typeface="Arial" panose="020B0604020202020204" pitchFamily="34" charset="0"/>
+                <a:cs typeface="Arial" panose="020B0604020202020204" pitchFamily="34" charset="0"/>
+              </a:rPr>
+              <a:t> </a:t>
+            </a:r>
+            <a:r>
+              <a:rPr lang="en-US" b="1" dirty="0" err="1">
+                <a:solidFill>
+                  <a:srgbClr val="0070C0"/>
+                </a:solidFill>
+                <a:latin typeface="Arial" panose="020B0604020202020204" pitchFamily="34" charset="0"/>
+                <a:cs typeface="Arial" panose="020B0604020202020204" pitchFamily="34" charset="0"/>
+              </a:rPr>
+              <a:t>dữ</a:t>
+            </a:r>
+            <a:r>
+              <a:rPr lang="en-US" b="1" dirty="0">
+                <a:solidFill>
+                  <a:srgbClr val="0070C0"/>
+                </a:solidFill>
+                <a:latin typeface="Arial" panose="020B0604020202020204" pitchFamily="34" charset="0"/>
+                <a:cs typeface="Arial" panose="020B0604020202020204" pitchFamily="34" charset="0"/>
+              </a:rPr>
+              <a:t> </a:t>
+            </a:r>
+            <a:r>
+              <a:rPr lang="en-US" b="1" dirty="0" err="1">
+                <a:solidFill>
+                  <a:srgbClr val="0070C0"/>
+                </a:solidFill>
+                <a:latin typeface="Arial" panose="020B0604020202020204" pitchFamily="34" charset="0"/>
+                <a:cs typeface="Arial" panose="020B0604020202020204" pitchFamily="34" charset="0"/>
+              </a:rPr>
+              <a:t>liệu</a:t>
+            </a:r>
+            <a:endParaRPr lang="en-US" b="1" dirty="0">
+              <a:solidFill>
+                <a:srgbClr val="0070C0"/>
+              </a:solidFill>
+              <a:latin typeface="Arial" panose="020B0604020202020204" pitchFamily="34" charset="0"/>
+              <a:cs typeface="Arial" panose="020B0604020202020204" pitchFamily="34" charset="0"/>
+            </a:endParaRPr>
+          </a:p>
+        </p:txBody>
+      </p:sp>
+      <p:sp>
+        <p:nvSpPr>
+          <p:cNvPr id="3" name="Content Placeholder 2">
+            <a:extLst>
+              <a:ext uri="{FF2B5EF4-FFF2-40B4-BE49-F238E27FC236}">
+                <a16:creationId xmlns:a16="http://schemas.microsoft.com/office/drawing/2014/main" id="{5E6589A2-7A71-C434-C4CF-E53885739C71}"/>
+              </a:ext>
+            </a:extLst>
+          </p:cNvPr>
+          <p:cNvSpPr>
+            <a:spLocks noGrp="1"/>
+          </p:cNvSpPr>
+          <p:nvPr>
+            <p:ph idx="1"/>
+          </p:nvPr>
+        </p:nvSpPr>
+        <p:spPr>
+          <a:xfrm>
+            <a:off x="6178061" y="3115192"/>
+            <a:ext cx="5175737" cy="1315736"/>
+          </a:xfrm>
+        </p:spPr>
+        <p:txBody>
+          <a:bodyPr>
+            <a:noAutofit/>
+          </a:bodyPr>
+          <a:lstStyle/>
+          <a:p>
+            <a:pPr marL="0" indent="0">
+              <a:buNone/>
+            </a:pPr>
+            <a:r>
+              <a:rPr lang="vi-VN" sz="2000" dirty="0"/>
+              <a:t>Đường cong ROC đo lường khả năng phân biệt của mô hình giữa các lớp. AUC (Area Under Curve) gần 1 cho thấy mô hình tốt.</a:t>
+            </a:r>
+          </a:p>
+        </p:txBody>
+      </p:sp>
+      <p:sp>
+        <p:nvSpPr>
+          <p:cNvPr id="5" name="Title 1">
+            <a:extLst>
+              <a:ext uri="{FF2B5EF4-FFF2-40B4-BE49-F238E27FC236}">
+                <a16:creationId xmlns:a16="http://schemas.microsoft.com/office/drawing/2014/main" id="{4B27DE77-5731-EAB0-87A8-546CF32C6C6F}"/>
+              </a:ext>
+            </a:extLst>
+          </p:cNvPr>
+          <p:cNvSpPr txBox="1">
+            <a:spLocks/>
+          </p:cNvSpPr>
+          <p:nvPr/>
+        </p:nvSpPr>
+        <p:spPr>
+          <a:xfrm>
+            <a:off x="838198" y="1287676"/>
+            <a:ext cx="10515600" cy="806023"/>
+          </a:xfrm>
+          <a:prstGeom prst="rect">
+            <a:avLst/>
+          </a:prstGeom>
+        </p:spPr>
+        <p:txBody>
+          <a:bodyPr vert="horz" lIns="91440" tIns="45720" rIns="91440" bIns="45720" rtlCol="0" anchor="ctr">
+            <a:normAutofit/>
+          </a:bodyPr>
+          <a:lstStyle>
+            <a:lvl1pPr algn="l" defTabSz="914400" rtl="0" eaLnBrk="1" latinLnBrk="0" hangingPunct="1">
+              <a:lnSpc>
+                <a:spcPct val="90000"/>
+              </a:lnSpc>
+              <a:spcBef>
+                <a:spcPct val="0"/>
+              </a:spcBef>
+              <a:buNone/>
+              <a:defRPr sz="4400" kern="1200">
+                <a:solidFill>
+                  <a:schemeClr val="tx1"/>
+                </a:solidFill>
+                <a:latin typeface="+mj-lt"/>
+                <a:ea typeface="+mj-ea"/>
+                <a:cs typeface="+mj-cs"/>
+              </a:defRPr>
+            </a:lvl1pPr>
+          </a:lstStyle>
+          <a:p>
+            <a:r>
+              <a:rPr lang="en-US" sz="3200" b="1" dirty="0">
+                <a:solidFill>
+                  <a:srgbClr val="0070C0"/>
+                </a:solidFill>
+                <a:latin typeface="Arial" panose="020B0604020202020204" pitchFamily="34" charset="0"/>
+                <a:cs typeface="Arial" panose="020B0604020202020204" pitchFamily="34" charset="0"/>
+              </a:rPr>
+              <a:t>3.3. </a:t>
+            </a:r>
+            <a:r>
+              <a:rPr lang="en-US" sz="3200" b="1" dirty="0" err="1">
+                <a:solidFill>
+                  <a:srgbClr val="0070C0"/>
+                </a:solidFill>
+                <a:latin typeface="Arial" panose="020B0604020202020204" pitchFamily="34" charset="0"/>
+                <a:cs typeface="Arial" panose="020B0604020202020204" pitchFamily="34" charset="0"/>
+              </a:rPr>
+              <a:t>ADAP</a:t>
+            </a:r>
+            <a:r>
+              <a:rPr lang="en-US" sz="3200" b="1" dirty="0">
+                <a:solidFill>
+                  <a:srgbClr val="0070C0"/>
+                </a:solidFill>
+                <a:latin typeface="Arial" panose="020B0604020202020204" pitchFamily="34" charset="0"/>
+                <a:cs typeface="Arial" panose="020B0604020202020204" pitchFamily="34" charset="0"/>
+              </a:rPr>
+              <a:t> Learning Algorithm</a:t>
+            </a:r>
+          </a:p>
+        </p:txBody>
+      </p:sp>
+      <p:sp>
+        <p:nvSpPr>
+          <p:cNvPr id="6" name="Content Placeholder 2">
+            <a:extLst>
+              <a:ext uri="{FF2B5EF4-FFF2-40B4-BE49-F238E27FC236}">
+                <a16:creationId xmlns:a16="http://schemas.microsoft.com/office/drawing/2014/main" id="{674CC0B5-A39F-F289-5B4C-BC7B53B81952}"/>
+              </a:ext>
+            </a:extLst>
+          </p:cNvPr>
+          <p:cNvSpPr txBox="1">
+            <a:spLocks/>
+          </p:cNvSpPr>
+          <p:nvPr/>
+        </p:nvSpPr>
+        <p:spPr>
+          <a:xfrm>
+            <a:off x="838198" y="6109693"/>
+            <a:ext cx="10046679" cy="748307"/>
+          </a:xfrm>
+          <a:prstGeom prst="rect">
+            <a:avLst/>
+          </a:prstGeom>
+        </p:spPr>
+        <p:txBody>
+          <a:bodyPr vert="horz" lIns="91440" tIns="45720" rIns="91440" bIns="45720" rtlCol="0">
+            <a:normAutofit/>
+          </a:bodyPr>
+          <a:lstStyle>
+            <a:lvl1pPr marL="228600" indent="-228600" algn="l" defTabSz="914400" rtl="0" eaLnBrk="1" latinLnBrk="0" hangingPunct="1">
+              <a:lnSpc>
+                <a:spcPct val="90000"/>
+              </a:lnSpc>
+              <a:spcBef>
+                <a:spcPts val="1000"/>
+              </a:spcBef>
+              <a:buFont typeface="Arial" panose="020B0604020202020204" pitchFamily="34" charset="0"/>
+              <a:buChar char="•"/>
+              <a:defRPr sz="2800" kern="1200">
+                <a:solidFill>
+                  <a:schemeClr val="tx1"/>
+                </a:solidFill>
+                <a:latin typeface="+mn-lt"/>
+                <a:ea typeface="+mn-ea"/>
+                <a:cs typeface="+mn-cs"/>
+              </a:defRPr>
+            </a:lvl1pPr>
+            <a:lvl2pPr marL="685800" indent="-228600" algn="l" defTabSz="914400" rtl="0" eaLnBrk="1" latinLnBrk="0" hangingPunct="1">
+              <a:lnSpc>
+                <a:spcPct val="90000"/>
+              </a:lnSpc>
+              <a:spcBef>
+                <a:spcPts val="500"/>
+              </a:spcBef>
+              <a:buFont typeface="Arial" panose="020B0604020202020204" pitchFamily="34" charset="0"/>
+              <a:buChar char="•"/>
+              <a:defRPr sz="2400" kern="1200">
+                <a:solidFill>
+                  <a:schemeClr val="tx1"/>
+                </a:solidFill>
+                <a:latin typeface="+mn-lt"/>
+                <a:ea typeface="+mn-ea"/>
+                <a:cs typeface="+mn-cs"/>
+              </a:defRPr>
+            </a:lvl2pPr>
+            <a:lvl3pPr marL="1143000" indent="-228600" algn="l" defTabSz="914400" rtl="0" eaLnBrk="1" latinLnBrk="0" hangingPunct="1">
+              <a:lnSpc>
+                <a:spcPct val="90000"/>
+              </a:lnSpc>
+              <a:spcBef>
+                <a:spcPts val="500"/>
+              </a:spcBef>
+              <a:buFont typeface="Arial" panose="020B0604020202020204" pitchFamily="34" charset="0"/>
+              <a:buChar char="•"/>
+              <a:defRPr sz="2000" kern="1200">
+                <a:solidFill>
+                  <a:schemeClr val="tx1"/>
+                </a:solidFill>
+                <a:latin typeface="+mn-lt"/>
+                <a:ea typeface="+mn-ea"/>
+                <a:cs typeface="+mn-cs"/>
+              </a:defRPr>
+            </a:lvl3pPr>
+            <a:lvl4pPr marL="1600200" indent="-228600" algn="l" defTabSz="914400" rtl="0" eaLnBrk="1" latinLnBrk="0" hangingPunct="1">
+              <a:lnSpc>
+                <a:spcPct val="90000"/>
+              </a:lnSpc>
+              <a:spcBef>
+                <a:spcPts val="500"/>
+              </a:spcBef>
+              <a:buFont typeface="Arial" panose="020B0604020202020204" pitchFamily="34" charset="0"/>
+              <a:buChar char="•"/>
+              <a:defRPr sz="1800" kern="1200">
+                <a:solidFill>
+                  <a:schemeClr val="tx1"/>
+                </a:solidFill>
+                <a:latin typeface="+mn-lt"/>
+                <a:ea typeface="+mn-ea"/>
+                <a:cs typeface="+mn-cs"/>
+              </a:defRPr>
+            </a:lvl4pPr>
+            <a:lvl5pPr marL="2057400" indent="-228600" algn="l" defTabSz="914400" rtl="0" eaLnBrk="1" latinLnBrk="0" hangingPunct="1">
+              <a:lnSpc>
+                <a:spcPct val="90000"/>
+              </a:lnSpc>
+              <a:spcBef>
+                <a:spcPts val="500"/>
+              </a:spcBef>
+              <a:buFont typeface="Arial" panose="020B0604020202020204" pitchFamily="34" charset="0"/>
+              <a:buChar char="•"/>
+              <a:defRPr sz="1800" kern="1200">
+                <a:solidFill>
+                  <a:schemeClr val="tx1"/>
+                </a:solidFill>
+                <a:latin typeface="+mn-lt"/>
+                <a:ea typeface="+mn-ea"/>
+                <a:cs typeface="+mn-cs"/>
+              </a:defRPr>
+            </a:lvl5pPr>
+            <a:lvl6pPr marL="2514600" indent="-228600" algn="l" defTabSz="914400" rtl="0" eaLnBrk="1" latinLnBrk="0" hangingPunct="1">
+              <a:lnSpc>
+                <a:spcPct val="90000"/>
+              </a:lnSpc>
+              <a:spcBef>
+                <a:spcPts val="500"/>
+              </a:spcBef>
+              <a:buFont typeface="Arial" panose="020B0604020202020204" pitchFamily="34" charset="0"/>
+              <a:buChar char="•"/>
+              <a:defRPr sz="1800" kern="1200">
+                <a:solidFill>
+                  <a:schemeClr val="tx1"/>
+                </a:solidFill>
+                <a:latin typeface="+mn-lt"/>
+                <a:ea typeface="+mn-ea"/>
+                <a:cs typeface="+mn-cs"/>
+              </a:defRPr>
+            </a:lvl6pPr>
+            <a:lvl7pPr marL="2971800" indent="-228600" algn="l" defTabSz="914400" rtl="0" eaLnBrk="1" latinLnBrk="0" hangingPunct="1">
+              <a:lnSpc>
+                <a:spcPct val="90000"/>
+              </a:lnSpc>
+              <a:spcBef>
+                <a:spcPts val="500"/>
+              </a:spcBef>
+              <a:buFont typeface="Arial" panose="020B0604020202020204" pitchFamily="34" charset="0"/>
+              <a:buChar char="•"/>
+              <a:defRPr sz="1800" kern="1200">
+                <a:solidFill>
+                  <a:schemeClr val="tx1"/>
+                </a:solidFill>
+                <a:latin typeface="+mn-lt"/>
+                <a:ea typeface="+mn-ea"/>
+                <a:cs typeface="+mn-cs"/>
+              </a:defRPr>
+            </a:lvl7pPr>
+            <a:lvl8pPr marL="3429000" indent="-228600" algn="l" defTabSz="914400" rtl="0" eaLnBrk="1" latinLnBrk="0" hangingPunct="1">
+              <a:lnSpc>
+                <a:spcPct val="90000"/>
+              </a:lnSpc>
+              <a:spcBef>
+                <a:spcPts val="500"/>
+              </a:spcBef>
+              <a:buFont typeface="Arial" panose="020B0604020202020204" pitchFamily="34" charset="0"/>
+              <a:buChar char="•"/>
+              <a:defRPr sz="1800" kern="1200">
+                <a:solidFill>
+                  <a:schemeClr val="tx1"/>
+                </a:solidFill>
+                <a:latin typeface="+mn-lt"/>
+                <a:ea typeface="+mn-ea"/>
+                <a:cs typeface="+mn-cs"/>
+              </a:defRPr>
+            </a:lvl8pPr>
+            <a:lvl9pPr marL="3886200" indent="-228600" algn="l" defTabSz="914400" rtl="0" eaLnBrk="1" latinLnBrk="0" hangingPunct="1">
+              <a:lnSpc>
+                <a:spcPct val="90000"/>
+              </a:lnSpc>
+              <a:spcBef>
+                <a:spcPts val="500"/>
+              </a:spcBef>
+              <a:buFont typeface="Arial" panose="020B0604020202020204" pitchFamily="34" charset="0"/>
+              <a:buChar char="•"/>
+              <a:defRPr sz="1800" kern="1200">
+                <a:solidFill>
+                  <a:schemeClr val="tx1"/>
+                </a:solidFill>
+                <a:latin typeface="+mn-lt"/>
+                <a:ea typeface="+mn-ea"/>
+                <a:cs typeface="+mn-cs"/>
+              </a:defRPr>
+            </a:lvl9pPr>
+          </a:lstStyle>
+          <a:p>
+            <a:pPr marL="0" indent="0">
+              <a:buNone/>
+            </a:pPr>
+            <a:r>
+              <a:rPr lang="en-US" sz="1600" dirty="0">
+                <a:solidFill>
+                  <a:schemeClr val="tx2">
+                    <a:lumMod val="75000"/>
+                    <a:lumOff val="25000"/>
+                  </a:schemeClr>
+                </a:solidFill>
+                <a:latin typeface="Arial" panose="020B0604020202020204" pitchFamily="34" charset="0"/>
+                <a:cs typeface="Arial" panose="020B0604020202020204" pitchFamily="34" charset="0"/>
+                <a:hlinkClick r:id="rId3">
+                  <a:extLst>
+                    <a:ext uri="{A12FA001-AC4F-418D-AE19-62706E023703}">
+                      <ahyp:hlinkClr xmlns:ahyp="http://schemas.microsoft.com/office/drawing/2018/hyperlinkcolor" val="tx"/>
+                    </a:ext>
+                  </a:extLst>
+                </a:hlinkClick>
+              </a:rPr>
+              <a:t>[</a:t>
+            </a:r>
+            <a:r>
+              <a:rPr lang="en-US" sz="1600" dirty="0">
+                <a:solidFill>
+                  <a:schemeClr val="tx2">
+                    <a:lumMod val="75000"/>
+                    <a:lumOff val="25000"/>
+                  </a:schemeClr>
+                </a:solidFill>
+                <a:latin typeface="Arial" panose="020B0604020202020204" pitchFamily="34" charset="0"/>
+                <a:cs typeface="Arial" panose="020B0604020202020204" pitchFamily="34" charset="0"/>
+              </a:rPr>
+              <a:t>1]</a:t>
+            </a:r>
+            <a:r>
+              <a:rPr lang="en-US" sz="1600" dirty="0">
+                <a:solidFill>
+                  <a:schemeClr val="tx2">
+                    <a:lumMod val="75000"/>
+                    <a:lumOff val="25000"/>
+                  </a:schemeClr>
+                </a:solidFill>
+                <a:latin typeface="Arial" panose="020B0604020202020204" pitchFamily="34" charset="0"/>
+                <a:cs typeface="Arial" panose="020B0604020202020204" pitchFamily="34" charset="0"/>
+                <a:hlinkClick r:id="rId4">
+                  <a:extLst>
+                    <a:ext uri="{A12FA001-AC4F-418D-AE19-62706E023703}">
+                      <ahyp:hlinkClr xmlns:ahyp="http://schemas.microsoft.com/office/drawing/2018/hyperlinkcolor" val="tx"/>
+                    </a:ext>
+                  </a:extLst>
+                </a:hlinkClick>
+              </a:rPr>
+              <a:t> Using the </a:t>
+            </a:r>
+            <a:r>
+              <a:rPr lang="en-US" sz="1600" dirty="0" err="1">
+                <a:solidFill>
+                  <a:schemeClr val="tx2">
+                    <a:lumMod val="75000"/>
+                    <a:lumOff val="25000"/>
+                  </a:schemeClr>
+                </a:solidFill>
+                <a:latin typeface="Arial" panose="020B0604020202020204" pitchFamily="34" charset="0"/>
+                <a:cs typeface="Arial" panose="020B0604020202020204" pitchFamily="34" charset="0"/>
+                <a:hlinkClick r:id="rId4">
+                  <a:extLst>
+                    <a:ext uri="{A12FA001-AC4F-418D-AE19-62706E023703}">
+                      <ahyp:hlinkClr xmlns:ahyp="http://schemas.microsoft.com/office/drawing/2018/hyperlinkcolor" val="tx"/>
+                    </a:ext>
+                  </a:extLst>
+                </a:hlinkClick>
+              </a:rPr>
+              <a:t>ADAP</a:t>
+            </a:r>
+            <a:r>
+              <a:rPr lang="en-US" sz="1600" dirty="0">
+                <a:solidFill>
+                  <a:schemeClr val="tx2">
+                    <a:lumMod val="75000"/>
+                    <a:lumOff val="25000"/>
+                  </a:schemeClr>
+                </a:solidFill>
+                <a:latin typeface="Arial" panose="020B0604020202020204" pitchFamily="34" charset="0"/>
+                <a:cs typeface="Arial" panose="020B0604020202020204" pitchFamily="34" charset="0"/>
+                <a:hlinkClick r:id="rId4">
+                  <a:extLst>
+                    <a:ext uri="{A12FA001-AC4F-418D-AE19-62706E023703}">
+                      <ahyp:hlinkClr xmlns:ahyp="http://schemas.microsoft.com/office/drawing/2018/hyperlinkcolor" val="tx"/>
+                    </a:ext>
+                  </a:extLst>
+                </a:hlinkClick>
+              </a:rPr>
+              <a:t> Learning Algorithm to Forecast</a:t>
+            </a:r>
+            <a:r>
+              <a:rPr lang="en-US" sz="1600" dirty="0">
+                <a:solidFill>
+                  <a:schemeClr val="tx2">
+                    <a:lumMod val="75000"/>
+                    <a:lumOff val="25000"/>
+                  </a:schemeClr>
+                </a:solidFill>
+                <a:latin typeface="Arial" panose="020B0604020202020204" pitchFamily="34" charset="0"/>
+                <a:cs typeface="Arial" panose="020B0604020202020204" pitchFamily="34" charset="0"/>
+              </a:rPr>
+              <a:t> the Onset of Diabetes Mellitus</a:t>
+            </a:r>
+          </a:p>
+        </p:txBody>
+      </p:sp>
+      <p:sp>
+        <p:nvSpPr>
+          <p:cNvPr id="7" name="Content Placeholder 2">
+            <a:extLst>
+              <a:ext uri="{FF2B5EF4-FFF2-40B4-BE49-F238E27FC236}">
+                <a16:creationId xmlns:a16="http://schemas.microsoft.com/office/drawing/2014/main" id="{72000CB6-6503-D265-0A5F-08C58816C4F6}"/>
+              </a:ext>
+            </a:extLst>
+          </p:cNvPr>
+          <p:cNvSpPr txBox="1">
+            <a:spLocks/>
+          </p:cNvSpPr>
+          <p:nvPr/>
+        </p:nvSpPr>
+        <p:spPr>
+          <a:xfrm>
+            <a:off x="1033784" y="2002663"/>
+            <a:ext cx="10413801" cy="748307"/>
+          </a:xfrm>
+          <a:prstGeom prst="rect">
+            <a:avLst/>
+          </a:prstGeom>
+        </p:spPr>
+        <p:txBody>
+          <a:bodyPr vert="horz" lIns="91440" tIns="45720" rIns="91440" bIns="45720" rtlCol="0">
+            <a:noAutofit/>
+          </a:bodyPr>
+          <a:lstStyle>
+            <a:lvl1pPr marL="228600" indent="-228600" algn="l" defTabSz="914400" rtl="0" eaLnBrk="1" latinLnBrk="0" hangingPunct="1">
+              <a:lnSpc>
+                <a:spcPct val="90000"/>
+              </a:lnSpc>
+              <a:spcBef>
+                <a:spcPts val="1000"/>
+              </a:spcBef>
+              <a:buFont typeface="Arial" panose="020B0604020202020204" pitchFamily="34" charset="0"/>
+              <a:buChar char="•"/>
+              <a:defRPr sz="2800" kern="1200">
+                <a:solidFill>
+                  <a:schemeClr val="tx1"/>
+                </a:solidFill>
+                <a:latin typeface="+mn-lt"/>
+                <a:ea typeface="+mn-ea"/>
+                <a:cs typeface="+mn-cs"/>
+              </a:defRPr>
+            </a:lvl1pPr>
+            <a:lvl2pPr marL="685800" indent="-228600" algn="l" defTabSz="914400" rtl="0" eaLnBrk="1" latinLnBrk="0" hangingPunct="1">
+              <a:lnSpc>
+                <a:spcPct val="90000"/>
+              </a:lnSpc>
+              <a:spcBef>
+                <a:spcPts val="500"/>
+              </a:spcBef>
+              <a:buFont typeface="Arial" panose="020B0604020202020204" pitchFamily="34" charset="0"/>
+              <a:buChar char="•"/>
+              <a:defRPr sz="2400" kern="1200">
+                <a:solidFill>
+                  <a:schemeClr val="tx1"/>
+                </a:solidFill>
+                <a:latin typeface="+mn-lt"/>
+                <a:ea typeface="+mn-ea"/>
+                <a:cs typeface="+mn-cs"/>
+              </a:defRPr>
+            </a:lvl2pPr>
+            <a:lvl3pPr marL="1143000" indent="-228600" algn="l" defTabSz="914400" rtl="0" eaLnBrk="1" latinLnBrk="0" hangingPunct="1">
+              <a:lnSpc>
+                <a:spcPct val="90000"/>
+              </a:lnSpc>
+              <a:spcBef>
+                <a:spcPts val="500"/>
+              </a:spcBef>
+              <a:buFont typeface="Arial" panose="020B0604020202020204" pitchFamily="34" charset="0"/>
+              <a:buChar char="•"/>
+              <a:defRPr sz="2000" kern="1200">
+                <a:solidFill>
+                  <a:schemeClr val="tx1"/>
+                </a:solidFill>
+                <a:latin typeface="+mn-lt"/>
+                <a:ea typeface="+mn-ea"/>
+                <a:cs typeface="+mn-cs"/>
+              </a:defRPr>
+            </a:lvl3pPr>
+            <a:lvl4pPr marL="1600200" indent="-228600" algn="l" defTabSz="914400" rtl="0" eaLnBrk="1" latinLnBrk="0" hangingPunct="1">
+              <a:lnSpc>
+                <a:spcPct val="90000"/>
+              </a:lnSpc>
+              <a:spcBef>
+                <a:spcPts val="500"/>
+              </a:spcBef>
+              <a:buFont typeface="Arial" panose="020B0604020202020204" pitchFamily="34" charset="0"/>
+              <a:buChar char="•"/>
+              <a:defRPr sz="1800" kern="1200">
+                <a:solidFill>
+                  <a:schemeClr val="tx1"/>
+                </a:solidFill>
+                <a:latin typeface="+mn-lt"/>
+                <a:ea typeface="+mn-ea"/>
+                <a:cs typeface="+mn-cs"/>
+              </a:defRPr>
+            </a:lvl4pPr>
+            <a:lvl5pPr marL="2057400" indent="-228600" algn="l" defTabSz="914400" rtl="0" eaLnBrk="1" latinLnBrk="0" hangingPunct="1">
+              <a:lnSpc>
+                <a:spcPct val="90000"/>
+              </a:lnSpc>
+              <a:spcBef>
+                <a:spcPts val="500"/>
+              </a:spcBef>
+              <a:buFont typeface="Arial" panose="020B0604020202020204" pitchFamily="34" charset="0"/>
+              <a:buChar char="•"/>
+              <a:defRPr sz="1800" kern="1200">
+                <a:solidFill>
+                  <a:schemeClr val="tx1"/>
+                </a:solidFill>
+                <a:latin typeface="+mn-lt"/>
+                <a:ea typeface="+mn-ea"/>
+                <a:cs typeface="+mn-cs"/>
+              </a:defRPr>
+            </a:lvl5pPr>
+            <a:lvl6pPr marL="2514600" indent="-228600" algn="l" defTabSz="914400" rtl="0" eaLnBrk="1" latinLnBrk="0" hangingPunct="1">
+              <a:lnSpc>
+                <a:spcPct val="90000"/>
+              </a:lnSpc>
+              <a:spcBef>
+                <a:spcPts val="500"/>
+              </a:spcBef>
+              <a:buFont typeface="Arial" panose="020B0604020202020204" pitchFamily="34" charset="0"/>
+              <a:buChar char="•"/>
+              <a:defRPr sz="1800" kern="1200">
+                <a:solidFill>
+                  <a:schemeClr val="tx1"/>
+                </a:solidFill>
+                <a:latin typeface="+mn-lt"/>
+                <a:ea typeface="+mn-ea"/>
+                <a:cs typeface="+mn-cs"/>
+              </a:defRPr>
+            </a:lvl6pPr>
+            <a:lvl7pPr marL="2971800" indent="-228600" algn="l" defTabSz="914400" rtl="0" eaLnBrk="1" latinLnBrk="0" hangingPunct="1">
+              <a:lnSpc>
+                <a:spcPct val="90000"/>
+              </a:lnSpc>
+              <a:spcBef>
+                <a:spcPts val="500"/>
+              </a:spcBef>
+              <a:buFont typeface="Arial" panose="020B0604020202020204" pitchFamily="34" charset="0"/>
+              <a:buChar char="•"/>
+              <a:defRPr sz="1800" kern="1200">
+                <a:solidFill>
+                  <a:schemeClr val="tx1"/>
+                </a:solidFill>
+                <a:latin typeface="+mn-lt"/>
+                <a:ea typeface="+mn-ea"/>
+                <a:cs typeface="+mn-cs"/>
+              </a:defRPr>
+            </a:lvl7pPr>
+            <a:lvl8pPr marL="3429000" indent="-228600" algn="l" defTabSz="914400" rtl="0" eaLnBrk="1" latinLnBrk="0" hangingPunct="1">
+              <a:lnSpc>
+                <a:spcPct val="90000"/>
+              </a:lnSpc>
+              <a:spcBef>
+                <a:spcPts val="500"/>
+              </a:spcBef>
+              <a:buFont typeface="Arial" panose="020B0604020202020204" pitchFamily="34" charset="0"/>
+              <a:buChar char="•"/>
+              <a:defRPr sz="1800" kern="1200">
+                <a:solidFill>
+                  <a:schemeClr val="tx1"/>
+                </a:solidFill>
+                <a:latin typeface="+mn-lt"/>
+                <a:ea typeface="+mn-ea"/>
+                <a:cs typeface="+mn-cs"/>
+              </a:defRPr>
+            </a:lvl8pPr>
+            <a:lvl9pPr marL="3886200" indent="-228600" algn="l" defTabSz="914400" rtl="0" eaLnBrk="1" latinLnBrk="0" hangingPunct="1">
+              <a:lnSpc>
+                <a:spcPct val="90000"/>
+              </a:lnSpc>
+              <a:spcBef>
+                <a:spcPts val="500"/>
+              </a:spcBef>
+              <a:buFont typeface="Arial" panose="020B0604020202020204" pitchFamily="34" charset="0"/>
+              <a:buChar char="•"/>
+              <a:defRPr sz="1800" kern="1200">
+                <a:solidFill>
+                  <a:schemeClr val="tx1"/>
+                </a:solidFill>
+                <a:latin typeface="+mn-lt"/>
+                <a:ea typeface="+mn-ea"/>
+                <a:cs typeface="+mn-cs"/>
+              </a:defRPr>
+            </a:lvl9pPr>
+          </a:lstStyle>
+          <a:p>
+            <a:pPr marL="0" indent="0">
+              <a:buNone/>
+            </a:pPr>
+            <a:r>
+              <a:rPr lang="en-US" sz="2400" b="1" dirty="0" err="1"/>
+              <a:t>Mô</a:t>
+            </a:r>
+            <a:r>
+              <a:rPr lang="en-US" sz="2400" b="1" dirty="0"/>
+              <a:t> </a:t>
+            </a:r>
+            <a:r>
+              <a:rPr lang="en-US" sz="2400" b="1" dirty="0" err="1"/>
+              <a:t>phỏng</a:t>
+            </a:r>
+            <a:r>
+              <a:rPr lang="en-US" sz="2400" b="1" dirty="0"/>
+              <a:t>: </a:t>
+            </a:r>
+            <a:r>
+              <a:rPr lang="vi-VN" sz="1800" dirty="0"/>
+              <a:t>Sử dụng mô hình Logistic Regression để tính và vẽ đường cong ROC, cũng như tính sensitivity và specificity với ngưỡng cắt 0.448</a:t>
+            </a:r>
+            <a:r>
+              <a:rPr lang="en-US" sz="1800" dirty="0"/>
+              <a:t> </a:t>
+            </a:r>
+            <a:r>
+              <a:rPr lang="en-US" sz="1800" dirty="0">
+                <a:solidFill>
+                  <a:schemeClr val="tx2">
+                    <a:lumMod val="75000"/>
+                    <a:lumOff val="25000"/>
+                  </a:schemeClr>
+                </a:solidFill>
+                <a:latin typeface="Arial" panose="020B0604020202020204" pitchFamily="34" charset="0"/>
+                <a:cs typeface="Arial" panose="020B0604020202020204" pitchFamily="34" charset="0"/>
+              </a:rPr>
+              <a:t>[1]</a:t>
+            </a:r>
+            <a:endParaRPr lang="vi-VN" sz="2400" b="1" dirty="0">
+              <a:solidFill>
+                <a:schemeClr val="tx2">
+                  <a:lumMod val="75000"/>
+                  <a:lumOff val="25000"/>
+                </a:schemeClr>
+              </a:solidFill>
+              <a:latin typeface="Arial" panose="020B0604020202020204" pitchFamily="34" charset="0"/>
+              <a:cs typeface="Arial" panose="020B0604020202020204" pitchFamily="34" charset="0"/>
+            </a:endParaRPr>
+          </a:p>
+        </p:txBody>
+      </p:sp>
+      <p:pic>
+        <p:nvPicPr>
+          <p:cNvPr id="9" name="Picture 8" descr="A graph of a curve&#10;&#10;AI-generated content may be incorrect.">
+            <a:extLst>
+              <a:ext uri="{FF2B5EF4-FFF2-40B4-BE49-F238E27FC236}">
+                <a16:creationId xmlns:a16="http://schemas.microsoft.com/office/drawing/2014/main" id="{99BEF058-5AB1-9BE3-7ADC-F5827086F415}"/>
+              </a:ext>
+            </a:extLst>
+          </p:cNvPr>
+          <p:cNvPicPr>
+            <a:picLocks noChangeAspect="1"/>
+          </p:cNvPicPr>
+          <p:nvPr/>
+        </p:nvPicPr>
+        <p:blipFill>
+          <a:blip r:embed="rId5">
+            <a:extLst>
+              <a:ext uri="{28A0092B-C50C-407E-A947-70E740481C1C}">
+                <a14:useLocalDpi xmlns:a14="http://schemas.microsoft.com/office/drawing/2010/main" val="0"/>
+              </a:ext>
+            </a:extLst>
+          </a:blip>
+          <a:srcRect r="6799"/>
+          <a:stretch>
+            <a:fillRect/>
+          </a:stretch>
+        </p:blipFill>
+        <p:spPr>
+          <a:xfrm>
+            <a:off x="1033785" y="2750970"/>
+            <a:ext cx="4690008" cy="3145082"/>
+          </a:xfrm>
+          <a:prstGeom prst="rect">
+            <a:avLst/>
+          </a:prstGeom>
+        </p:spPr>
+      </p:pic>
+    </p:spTree>
+    <p:extLst>
+      <p:ext uri="{BB962C8B-B14F-4D97-AF65-F5344CB8AC3E}">
+        <p14:creationId xmlns:p14="http://schemas.microsoft.com/office/powerpoint/2010/main" val="3363229437"/>
+      </p:ext>
+    </p:extLst>
+  </p:cSld>
+  <p:clrMapOvr>
+    <a:masterClrMapping/>
+  </p:clrMapOvr>
+</p:sld>
+</file>
+
+<file path=ppt/slides/slide19.xml><?xml version="1.0" encoding="utf-8"?>
+<p:sld xmlns:a="http://schemas.openxmlformats.org/drawingml/2006/main" xmlns:r="http://schemas.openxmlformats.org/officeDocument/2006/relationships" xmlns:p="http://schemas.openxmlformats.org/presentationml/2006/main">
+  <p:cSld>
+    <p:spTree>
+      <p:nvGrpSpPr>
+        <p:cNvPr id="1" name="">
+          <a:extLst>
+            <a:ext uri="{FF2B5EF4-FFF2-40B4-BE49-F238E27FC236}">
+              <a16:creationId xmlns:a16="http://schemas.microsoft.com/office/drawing/2014/main" id="{0C38B7C7-E392-1B18-FB41-8F8A19A69DF3}"/>
+            </a:ext>
+          </a:extLst>
+        </p:cNvPr>
+        <p:cNvGrpSpPr/>
+        <p:nvPr/>
+      </p:nvGrpSpPr>
+      <p:grpSpPr>
+        <a:xfrm>
+          <a:off x="0" y="0"/>
+          <a:ext cx="0" cy="0"/>
+          <a:chOff x="0" y="0"/>
+          <a:chExt cx="0" cy="0"/>
+        </a:xfrm>
+      </p:grpSpPr>
+      <p:sp>
+        <p:nvSpPr>
+          <p:cNvPr id="2" name="Title 1">
+            <a:extLst>
+              <a:ext uri="{FF2B5EF4-FFF2-40B4-BE49-F238E27FC236}">
+                <a16:creationId xmlns:a16="http://schemas.microsoft.com/office/drawing/2014/main" id="{10A72A25-125F-09FD-4FC5-CA9117EEF42A}"/>
+              </a:ext>
+            </a:extLst>
+          </p:cNvPr>
+          <p:cNvSpPr>
+            <a:spLocks noGrp="1"/>
+          </p:cNvSpPr>
+          <p:nvPr>
+            <p:ph type="title"/>
+          </p:nvPr>
+        </p:nvSpPr>
+        <p:spPr/>
+        <p:txBody>
+          <a:bodyPr/>
+          <a:lstStyle/>
+          <a:p>
+            <a:r>
+              <a:rPr lang="en-US" b="1" dirty="0">
+                <a:solidFill>
+                  <a:srgbClr val="0070C0"/>
+                </a:solidFill>
+                <a:latin typeface="Arial" panose="020B0604020202020204" pitchFamily="34" charset="0"/>
+                <a:cs typeface="Arial" panose="020B0604020202020204" pitchFamily="34" charset="0"/>
+              </a:rPr>
+              <a:t>3. </a:t>
+            </a:r>
+            <a:r>
+              <a:rPr lang="en-US" b="1" dirty="0" err="1">
+                <a:solidFill>
+                  <a:srgbClr val="0070C0"/>
+                </a:solidFill>
+                <a:latin typeface="Arial" panose="020B0604020202020204" pitchFamily="34" charset="0"/>
+                <a:cs typeface="Arial" panose="020B0604020202020204" pitchFamily="34" charset="0"/>
+              </a:rPr>
+              <a:t>Phân</a:t>
+            </a:r>
+            <a:r>
+              <a:rPr lang="en-US" b="1" dirty="0">
+                <a:solidFill>
+                  <a:srgbClr val="0070C0"/>
+                </a:solidFill>
+                <a:latin typeface="Arial" panose="020B0604020202020204" pitchFamily="34" charset="0"/>
+                <a:cs typeface="Arial" panose="020B0604020202020204" pitchFamily="34" charset="0"/>
+              </a:rPr>
+              <a:t> </a:t>
+            </a:r>
+            <a:r>
+              <a:rPr lang="en-US" b="1" dirty="0" err="1">
+                <a:solidFill>
+                  <a:srgbClr val="0070C0"/>
+                </a:solidFill>
+                <a:latin typeface="Arial" panose="020B0604020202020204" pitchFamily="34" charset="0"/>
+                <a:cs typeface="Arial" panose="020B0604020202020204" pitchFamily="34" charset="0"/>
+              </a:rPr>
+              <a:t>tích</a:t>
+            </a:r>
+            <a:r>
+              <a:rPr lang="en-US" b="1" dirty="0">
+                <a:solidFill>
+                  <a:srgbClr val="0070C0"/>
+                </a:solidFill>
+                <a:latin typeface="Arial" panose="020B0604020202020204" pitchFamily="34" charset="0"/>
+                <a:cs typeface="Arial" panose="020B0604020202020204" pitchFamily="34" charset="0"/>
+              </a:rPr>
+              <a:t> </a:t>
+            </a:r>
+            <a:r>
+              <a:rPr lang="en-US" b="1" dirty="0" err="1">
+                <a:solidFill>
+                  <a:srgbClr val="0070C0"/>
+                </a:solidFill>
+                <a:latin typeface="Arial" panose="020B0604020202020204" pitchFamily="34" charset="0"/>
+                <a:cs typeface="Arial" panose="020B0604020202020204" pitchFamily="34" charset="0"/>
+              </a:rPr>
+              <a:t>khám</a:t>
+            </a:r>
+            <a:r>
+              <a:rPr lang="en-US" b="1" dirty="0">
+                <a:solidFill>
+                  <a:srgbClr val="0070C0"/>
+                </a:solidFill>
+                <a:latin typeface="Arial" panose="020B0604020202020204" pitchFamily="34" charset="0"/>
+                <a:cs typeface="Arial" panose="020B0604020202020204" pitchFamily="34" charset="0"/>
+              </a:rPr>
+              <a:t> </a:t>
+            </a:r>
+            <a:r>
+              <a:rPr lang="en-US" b="1" dirty="0" err="1">
+                <a:solidFill>
+                  <a:srgbClr val="0070C0"/>
+                </a:solidFill>
+                <a:latin typeface="Arial" panose="020B0604020202020204" pitchFamily="34" charset="0"/>
+                <a:cs typeface="Arial" panose="020B0604020202020204" pitchFamily="34" charset="0"/>
+              </a:rPr>
+              <a:t>phá</a:t>
+            </a:r>
+            <a:r>
+              <a:rPr lang="en-US" b="1" dirty="0">
+                <a:solidFill>
+                  <a:srgbClr val="0070C0"/>
+                </a:solidFill>
+                <a:latin typeface="Arial" panose="020B0604020202020204" pitchFamily="34" charset="0"/>
+                <a:cs typeface="Arial" panose="020B0604020202020204" pitchFamily="34" charset="0"/>
+              </a:rPr>
+              <a:t> </a:t>
+            </a:r>
+            <a:r>
+              <a:rPr lang="en-US" b="1" dirty="0" err="1">
+                <a:solidFill>
+                  <a:srgbClr val="0070C0"/>
+                </a:solidFill>
+                <a:latin typeface="Arial" panose="020B0604020202020204" pitchFamily="34" charset="0"/>
+                <a:cs typeface="Arial" panose="020B0604020202020204" pitchFamily="34" charset="0"/>
+              </a:rPr>
+              <a:t>dữ</a:t>
+            </a:r>
+            <a:r>
+              <a:rPr lang="en-US" b="1" dirty="0">
+                <a:solidFill>
+                  <a:srgbClr val="0070C0"/>
+                </a:solidFill>
+                <a:latin typeface="Arial" panose="020B0604020202020204" pitchFamily="34" charset="0"/>
+                <a:cs typeface="Arial" panose="020B0604020202020204" pitchFamily="34" charset="0"/>
+              </a:rPr>
+              <a:t> </a:t>
+            </a:r>
+            <a:r>
+              <a:rPr lang="en-US" b="1" dirty="0" err="1">
+                <a:solidFill>
+                  <a:srgbClr val="0070C0"/>
+                </a:solidFill>
+                <a:latin typeface="Arial" panose="020B0604020202020204" pitchFamily="34" charset="0"/>
+                <a:cs typeface="Arial" panose="020B0604020202020204" pitchFamily="34" charset="0"/>
+              </a:rPr>
+              <a:t>liệu</a:t>
+            </a:r>
+            <a:endParaRPr lang="en-US" b="1" dirty="0">
+              <a:solidFill>
+                <a:srgbClr val="0070C0"/>
+              </a:solidFill>
+              <a:latin typeface="Arial" panose="020B0604020202020204" pitchFamily="34" charset="0"/>
+              <a:cs typeface="Arial" panose="020B0604020202020204" pitchFamily="34" charset="0"/>
+            </a:endParaRPr>
+          </a:p>
+        </p:txBody>
+      </p:sp>
+      <p:sp>
+        <p:nvSpPr>
+          <p:cNvPr id="3" name="Content Placeholder 2">
+            <a:extLst>
+              <a:ext uri="{FF2B5EF4-FFF2-40B4-BE49-F238E27FC236}">
+                <a16:creationId xmlns:a16="http://schemas.microsoft.com/office/drawing/2014/main" id="{6207936E-E0B2-AEE2-B207-145D6496F0E5}"/>
+              </a:ext>
+            </a:extLst>
+          </p:cNvPr>
+          <p:cNvSpPr>
+            <a:spLocks noGrp="1"/>
+          </p:cNvSpPr>
+          <p:nvPr>
+            <p:ph idx="1"/>
+          </p:nvPr>
+        </p:nvSpPr>
+        <p:spPr>
+          <a:xfrm>
+            <a:off x="5984633" y="2979062"/>
+            <a:ext cx="5462952" cy="2591491"/>
+          </a:xfrm>
+        </p:spPr>
+        <p:txBody>
+          <a:bodyPr>
+            <a:noAutofit/>
+          </a:bodyPr>
+          <a:lstStyle/>
+          <a:p>
+            <a:pPr marL="0" indent="0">
+              <a:buNone/>
+            </a:pPr>
+            <a:r>
+              <a:rPr lang="vi-VN" sz="2000" dirty="0"/>
+              <a:t>Sensitivity và specificity được tính dựa trên ma trận nhầm lẫn, tương tự phương pháp trong paper2</a:t>
+            </a:r>
+            <a:r>
+              <a:rPr lang="en-US" sz="2000" dirty="0"/>
+              <a:t> </a:t>
+            </a:r>
+            <a:r>
+              <a:rPr lang="en-US" sz="2000" dirty="0">
+                <a:solidFill>
+                  <a:schemeClr val="tx2">
+                    <a:lumMod val="75000"/>
+                    <a:lumOff val="25000"/>
+                  </a:schemeClr>
+                </a:solidFill>
+              </a:rPr>
+              <a:t>[1]</a:t>
+            </a:r>
+            <a:r>
+              <a:rPr lang="vi-VN" sz="2000" dirty="0"/>
+              <a:t>. Kết quả kỳ vọng gần 76%, phù hợp với nghiên cứu ADAP.</a:t>
+            </a:r>
+          </a:p>
+          <a:p>
+            <a:pPr marL="0" indent="0">
+              <a:buNone/>
+            </a:pPr>
+            <a:endParaRPr lang="en-US" sz="2000" dirty="0"/>
+          </a:p>
+          <a:p>
+            <a:pPr marL="0" indent="0">
+              <a:buNone/>
+            </a:pPr>
+            <a:r>
+              <a:rPr lang="vi-VN" sz="2000" dirty="0"/>
+              <a:t>Nếu kết quả thấp hơn, có thể cần điều chỉnh ngưỡng hoặc sử dụng mô hình phức tạp hơn.</a:t>
+            </a:r>
+          </a:p>
+        </p:txBody>
+      </p:sp>
+      <p:sp>
+        <p:nvSpPr>
+          <p:cNvPr id="5" name="Title 1">
+            <a:extLst>
+              <a:ext uri="{FF2B5EF4-FFF2-40B4-BE49-F238E27FC236}">
+                <a16:creationId xmlns:a16="http://schemas.microsoft.com/office/drawing/2014/main" id="{7859B3A6-8C9E-04E7-D463-EE7C976A4A47}"/>
+              </a:ext>
+            </a:extLst>
+          </p:cNvPr>
+          <p:cNvSpPr txBox="1">
+            <a:spLocks/>
+          </p:cNvSpPr>
+          <p:nvPr/>
+        </p:nvSpPr>
+        <p:spPr>
+          <a:xfrm>
+            <a:off x="838198" y="1287676"/>
+            <a:ext cx="10515600" cy="806023"/>
+          </a:xfrm>
+          <a:prstGeom prst="rect">
+            <a:avLst/>
+          </a:prstGeom>
+        </p:spPr>
+        <p:txBody>
+          <a:bodyPr vert="horz" lIns="91440" tIns="45720" rIns="91440" bIns="45720" rtlCol="0" anchor="ctr">
+            <a:normAutofit/>
+          </a:bodyPr>
+          <a:lstStyle>
+            <a:lvl1pPr algn="l" defTabSz="914400" rtl="0" eaLnBrk="1" latinLnBrk="0" hangingPunct="1">
+              <a:lnSpc>
+                <a:spcPct val="90000"/>
+              </a:lnSpc>
+              <a:spcBef>
+                <a:spcPct val="0"/>
+              </a:spcBef>
+              <a:buNone/>
+              <a:defRPr sz="4400" kern="1200">
+                <a:solidFill>
+                  <a:schemeClr val="tx1"/>
+                </a:solidFill>
+                <a:latin typeface="+mj-lt"/>
+                <a:ea typeface="+mj-ea"/>
+                <a:cs typeface="+mj-cs"/>
+              </a:defRPr>
+            </a:lvl1pPr>
+          </a:lstStyle>
+          <a:p>
+            <a:r>
+              <a:rPr lang="en-US" sz="3200" b="1" dirty="0">
+                <a:solidFill>
+                  <a:srgbClr val="0070C0"/>
+                </a:solidFill>
+                <a:latin typeface="Arial" panose="020B0604020202020204" pitchFamily="34" charset="0"/>
+                <a:cs typeface="Arial" panose="020B0604020202020204" pitchFamily="34" charset="0"/>
+              </a:rPr>
+              <a:t>3.3. </a:t>
+            </a:r>
+            <a:r>
+              <a:rPr lang="en-US" sz="3200" b="1" dirty="0" err="1">
+                <a:solidFill>
+                  <a:srgbClr val="0070C0"/>
+                </a:solidFill>
+                <a:latin typeface="Arial" panose="020B0604020202020204" pitchFamily="34" charset="0"/>
+                <a:cs typeface="Arial" panose="020B0604020202020204" pitchFamily="34" charset="0"/>
+              </a:rPr>
+              <a:t>ADAP</a:t>
+            </a:r>
+            <a:r>
+              <a:rPr lang="en-US" sz="3200" b="1" dirty="0">
+                <a:solidFill>
+                  <a:srgbClr val="0070C0"/>
+                </a:solidFill>
+                <a:latin typeface="Arial" panose="020B0604020202020204" pitchFamily="34" charset="0"/>
+                <a:cs typeface="Arial" panose="020B0604020202020204" pitchFamily="34" charset="0"/>
+              </a:rPr>
+              <a:t> Learning Algorithm</a:t>
+            </a:r>
+          </a:p>
+        </p:txBody>
+      </p:sp>
+      <p:sp>
+        <p:nvSpPr>
+          <p:cNvPr id="6" name="Content Placeholder 2">
+            <a:extLst>
+              <a:ext uri="{FF2B5EF4-FFF2-40B4-BE49-F238E27FC236}">
+                <a16:creationId xmlns:a16="http://schemas.microsoft.com/office/drawing/2014/main" id="{1DC5F549-1F10-4385-D5CB-C05A2DF66558}"/>
+              </a:ext>
+            </a:extLst>
+          </p:cNvPr>
+          <p:cNvSpPr txBox="1">
+            <a:spLocks/>
+          </p:cNvSpPr>
+          <p:nvPr/>
+        </p:nvSpPr>
+        <p:spPr>
+          <a:xfrm>
+            <a:off x="838198" y="6109693"/>
+            <a:ext cx="10046679" cy="748307"/>
+          </a:xfrm>
+          <a:prstGeom prst="rect">
+            <a:avLst/>
+          </a:prstGeom>
+        </p:spPr>
+        <p:txBody>
+          <a:bodyPr vert="horz" lIns="91440" tIns="45720" rIns="91440" bIns="45720" rtlCol="0">
+            <a:normAutofit/>
+          </a:bodyPr>
+          <a:lstStyle>
+            <a:lvl1pPr marL="228600" indent="-228600" algn="l" defTabSz="914400" rtl="0" eaLnBrk="1" latinLnBrk="0" hangingPunct="1">
+              <a:lnSpc>
+                <a:spcPct val="90000"/>
+              </a:lnSpc>
+              <a:spcBef>
+                <a:spcPts val="1000"/>
+              </a:spcBef>
+              <a:buFont typeface="Arial" panose="020B0604020202020204" pitchFamily="34" charset="0"/>
+              <a:buChar char="•"/>
+              <a:defRPr sz="2800" kern="1200">
+                <a:solidFill>
+                  <a:schemeClr val="tx1"/>
+                </a:solidFill>
+                <a:latin typeface="+mn-lt"/>
+                <a:ea typeface="+mn-ea"/>
+                <a:cs typeface="+mn-cs"/>
+              </a:defRPr>
+            </a:lvl1pPr>
+            <a:lvl2pPr marL="685800" indent="-228600" algn="l" defTabSz="914400" rtl="0" eaLnBrk="1" latinLnBrk="0" hangingPunct="1">
+              <a:lnSpc>
+                <a:spcPct val="90000"/>
+              </a:lnSpc>
+              <a:spcBef>
+                <a:spcPts val="500"/>
+              </a:spcBef>
+              <a:buFont typeface="Arial" panose="020B0604020202020204" pitchFamily="34" charset="0"/>
+              <a:buChar char="•"/>
+              <a:defRPr sz="2400" kern="1200">
+                <a:solidFill>
+                  <a:schemeClr val="tx1"/>
+                </a:solidFill>
+                <a:latin typeface="+mn-lt"/>
+                <a:ea typeface="+mn-ea"/>
+                <a:cs typeface="+mn-cs"/>
+              </a:defRPr>
+            </a:lvl2pPr>
+            <a:lvl3pPr marL="1143000" indent="-228600" algn="l" defTabSz="914400" rtl="0" eaLnBrk="1" latinLnBrk="0" hangingPunct="1">
+              <a:lnSpc>
+                <a:spcPct val="90000"/>
+              </a:lnSpc>
+              <a:spcBef>
+                <a:spcPts val="500"/>
+              </a:spcBef>
+              <a:buFont typeface="Arial" panose="020B0604020202020204" pitchFamily="34" charset="0"/>
+              <a:buChar char="•"/>
+              <a:defRPr sz="2000" kern="1200">
+                <a:solidFill>
+                  <a:schemeClr val="tx1"/>
+                </a:solidFill>
+                <a:latin typeface="+mn-lt"/>
+                <a:ea typeface="+mn-ea"/>
+                <a:cs typeface="+mn-cs"/>
+              </a:defRPr>
+            </a:lvl3pPr>
+            <a:lvl4pPr marL="1600200" indent="-228600" algn="l" defTabSz="914400" rtl="0" eaLnBrk="1" latinLnBrk="0" hangingPunct="1">
+              <a:lnSpc>
+                <a:spcPct val="90000"/>
+              </a:lnSpc>
+              <a:spcBef>
+                <a:spcPts val="500"/>
+              </a:spcBef>
+              <a:buFont typeface="Arial" panose="020B0604020202020204" pitchFamily="34" charset="0"/>
+              <a:buChar char="•"/>
+              <a:defRPr sz="1800" kern="1200">
+                <a:solidFill>
+                  <a:schemeClr val="tx1"/>
+                </a:solidFill>
+                <a:latin typeface="+mn-lt"/>
+                <a:ea typeface="+mn-ea"/>
+                <a:cs typeface="+mn-cs"/>
+              </a:defRPr>
+            </a:lvl4pPr>
+            <a:lvl5pPr marL="2057400" indent="-228600" algn="l" defTabSz="914400" rtl="0" eaLnBrk="1" latinLnBrk="0" hangingPunct="1">
+              <a:lnSpc>
+                <a:spcPct val="90000"/>
+              </a:lnSpc>
+              <a:spcBef>
+                <a:spcPts val="500"/>
+              </a:spcBef>
+              <a:buFont typeface="Arial" panose="020B0604020202020204" pitchFamily="34" charset="0"/>
+              <a:buChar char="•"/>
+              <a:defRPr sz="1800" kern="1200">
+                <a:solidFill>
+                  <a:schemeClr val="tx1"/>
+                </a:solidFill>
+                <a:latin typeface="+mn-lt"/>
+                <a:ea typeface="+mn-ea"/>
+                <a:cs typeface="+mn-cs"/>
+              </a:defRPr>
+            </a:lvl5pPr>
+            <a:lvl6pPr marL="2514600" indent="-228600" algn="l" defTabSz="914400" rtl="0" eaLnBrk="1" latinLnBrk="0" hangingPunct="1">
+              <a:lnSpc>
+                <a:spcPct val="90000"/>
+              </a:lnSpc>
+              <a:spcBef>
+                <a:spcPts val="500"/>
+              </a:spcBef>
+              <a:buFont typeface="Arial" panose="020B0604020202020204" pitchFamily="34" charset="0"/>
+              <a:buChar char="•"/>
+              <a:defRPr sz="1800" kern="1200">
+                <a:solidFill>
+                  <a:schemeClr val="tx1"/>
+                </a:solidFill>
+                <a:latin typeface="+mn-lt"/>
+                <a:ea typeface="+mn-ea"/>
+                <a:cs typeface="+mn-cs"/>
+              </a:defRPr>
+            </a:lvl6pPr>
+            <a:lvl7pPr marL="2971800" indent="-228600" algn="l" defTabSz="914400" rtl="0" eaLnBrk="1" latinLnBrk="0" hangingPunct="1">
+              <a:lnSpc>
+                <a:spcPct val="90000"/>
+              </a:lnSpc>
+              <a:spcBef>
+                <a:spcPts val="500"/>
+              </a:spcBef>
+              <a:buFont typeface="Arial" panose="020B0604020202020204" pitchFamily="34" charset="0"/>
+              <a:buChar char="•"/>
+              <a:defRPr sz="1800" kern="1200">
+                <a:solidFill>
+                  <a:schemeClr val="tx1"/>
+                </a:solidFill>
+                <a:latin typeface="+mn-lt"/>
+                <a:ea typeface="+mn-ea"/>
+                <a:cs typeface="+mn-cs"/>
+              </a:defRPr>
+            </a:lvl7pPr>
+            <a:lvl8pPr marL="3429000" indent="-228600" algn="l" defTabSz="914400" rtl="0" eaLnBrk="1" latinLnBrk="0" hangingPunct="1">
+              <a:lnSpc>
+                <a:spcPct val="90000"/>
+              </a:lnSpc>
+              <a:spcBef>
+                <a:spcPts val="500"/>
+              </a:spcBef>
+              <a:buFont typeface="Arial" panose="020B0604020202020204" pitchFamily="34" charset="0"/>
+              <a:buChar char="•"/>
+              <a:defRPr sz="1800" kern="1200">
+                <a:solidFill>
+                  <a:schemeClr val="tx1"/>
+                </a:solidFill>
+                <a:latin typeface="+mn-lt"/>
+                <a:ea typeface="+mn-ea"/>
+                <a:cs typeface="+mn-cs"/>
+              </a:defRPr>
+            </a:lvl8pPr>
+            <a:lvl9pPr marL="3886200" indent="-228600" algn="l" defTabSz="914400" rtl="0" eaLnBrk="1" latinLnBrk="0" hangingPunct="1">
+              <a:lnSpc>
+                <a:spcPct val="90000"/>
+              </a:lnSpc>
+              <a:spcBef>
+                <a:spcPts val="500"/>
+              </a:spcBef>
+              <a:buFont typeface="Arial" panose="020B0604020202020204" pitchFamily="34" charset="0"/>
+              <a:buChar char="•"/>
+              <a:defRPr sz="1800" kern="1200">
+                <a:solidFill>
+                  <a:schemeClr val="tx1"/>
+                </a:solidFill>
+                <a:latin typeface="+mn-lt"/>
+                <a:ea typeface="+mn-ea"/>
+                <a:cs typeface="+mn-cs"/>
+              </a:defRPr>
+            </a:lvl9pPr>
+          </a:lstStyle>
+          <a:p>
+            <a:pPr marL="0" indent="0">
+              <a:buNone/>
+            </a:pPr>
+            <a:r>
+              <a:rPr lang="en-US" sz="1600" dirty="0">
+                <a:solidFill>
+                  <a:schemeClr val="tx2">
+                    <a:lumMod val="75000"/>
+                    <a:lumOff val="25000"/>
+                  </a:schemeClr>
+                </a:solidFill>
+                <a:latin typeface="Arial" panose="020B0604020202020204" pitchFamily="34" charset="0"/>
+                <a:cs typeface="Arial" panose="020B0604020202020204" pitchFamily="34" charset="0"/>
+                <a:hlinkClick r:id="rId3">
+                  <a:extLst>
+                    <a:ext uri="{A12FA001-AC4F-418D-AE19-62706E023703}">
+                      <ahyp:hlinkClr xmlns:ahyp="http://schemas.microsoft.com/office/drawing/2018/hyperlinkcolor" val="tx"/>
+                    </a:ext>
+                  </a:extLst>
+                </a:hlinkClick>
+              </a:rPr>
+              <a:t>[</a:t>
+            </a:r>
+            <a:r>
+              <a:rPr lang="en-US" sz="1600" dirty="0">
+                <a:solidFill>
+                  <a:schemeClr val="tx2">
+                    <a:lumMod val="75000"/>
+                    <a:lumOff val="25000"/>
+                  </a:schemeClr>
+                </a:solidFill>
+                <a:latin typeface="Arial" panose="020B0604020202020204" pitchFamily="34" charset="0"/>
+                <a:cs typeface="Arial" panose="020B0604020202020204" pitchFamily="34" charset="0"/>
+              </a:rPr>
+              <a:t>1]</a:t>
+            </a:r>
+            <a:r>
+              <a:rPr lang="en-US" sz="1600" dirty="0">
+                <a:solidFill>
+                  <a:schemeClr val="tx2">
+                    <a:lumMod val="75000"/>
+                    <a:lumOff val="25000"/>
+                  </a:schemeClr>
+                </a:solidFill>
+                <a:latin typeface="Arial" panose="020B0604020202020204" pitchFamily="34" charset="0"/>
+                <a:cs typeface="Arial" panose="020B0604020202020204" pitchFamily="34" charset="0"/>
+                <a:hlinkClick r:id="rId4">
+                  <a:extLst>
+                    <a:ext uri="{A12FA001-AC4F-418D-AE19-62706E023703}">
+                      <ahyp:hlinkClr xmlns:ahyp="http://schemas.microsoft.com/office/drawing/2018/hyperlinkcolor" val="tx"/>
+                    </a:ext>
+                  </a:extLst>
+                </a:hlinkClick>
+              </a:rPr>
+              <a:t> Using the </a:t>
+            </a:r>
+            <a:r>
+              <a:rPr lang="en-US" sz="1600" dirty="0" err="1">
+                <a:solidFill>
+                  <a:schemeClr val="tx2">
+                    <a:lumMod val="75000"/>
+                    <a:lumOff val="25000"/>
+                  </a:schemeClr>
+                </a:solidFill>
+                <a:latin typeface="Arial" panose="020B0604020202020204" pitchFamily="34" charset="0"/>
+                <a:cs typeface="Arial" panose="020B0604020202020204" pitchFamily="34" charset="0"/>
+                <a:hlinkClick r:id="rId4">
+                  <a:extLst>
+                    <a:ext uri="{A12FA001-AC4F-418D-AE19-62706E023703}">
+                      <ahyp:hlinkClr xmlns:ahyp="http://schemas.microsoft.com/office/drawing/2018/hyperlinkcolor" val="tx"/>
+                    </a:ext>
+                  </a:extLst>
+                </a:hlinkClick>
+              </a:rPr>
+              <a:t>ADAP</a:t>
+            </a:r>
+            <a:r>
+              <a:rPr lang="en-US" sz="1600" dirty="0">
+                <a:solidFill>
+                  <a:schemeClr val="tx2">
+                    <a:lumMod val="75000"/>
+                    <a:lumOff val="25000"/>
+                  </a:schemeClr>
+                </a:solidFill>
+                <a:latin typeface="Arial" panose="020B0604020202020204" pitchFamily="34" charset="0"/>
+                <a:cs typeface="Arial" panose="020B0604020202020204" pitchFamily="34" charset="0"/>
+                <a:hlinkClick r:id="rId4">
+                  <a:extLst>
+                    <a:ext uri="{A12FA001-AC4F-418D-AE19-62706E023703}">
+                      <ahyp:hlinkClr xmlns:ahyp="http://schemas.microsoft.com/office/drawing/2018/hyperlinkcolor" val="tx"/>
+                    </a:ext>
+                  </a:extLst>
+                </a:hlinkClick>
+              </a:rPr>
+              <a:t> Learning Algorithm to Forecast</a:t>
+            </a:r>
+            <a:r>
+              <a:rPr lang="en-US" sz="1600" dirty="0">
+                <a:solidFill>
+                  <a:schemeClr val="tx2">
+                    <a:lumMod val="75000"/>
+                    <a:lumOff val="25000"/>
+                  </a:schemeClr>
+                </a:solidFill>
+                <a:latin typeface="Arial" panose="020B0604020202020204" pitchFamily="34" charset="0"/>
+                <a:cs typeface="Arial" panose="020B0604020202020204" pitchFamily="34" charset="0"/>
+              </a:rPr>
+              <a:t> the Onset of Diabetes Mellitus</a:t>
+            </a:r>
+          </a:p>
+        </p:txBody>
+      </p:sp>
+      <p:sp>
+        <p:nvSpPr>
+          <p:cNvPr id="7" name="Content Placeholder 2">
+            <a:extLst>
+              <a:ext uri="{FF2B5EF4-FFF2-40B4-BE49-F238E27FC236}">
+                <a16:creationId xmlns:a16="http://schemas.microsoft.com/office/drawing/2014/main" id="{E603DBC0-5A4A-0D54-E953-7E0F6BA3BF7E}"/>
+              </a:ext>
+            </a:extLst>
+          </p:cNvPr>
+          <p:cNvSpPr txBox="1">
+            <a:spLocks/>
+          </p:cNvSpPr>
+          <p:nvPr/>
+        </p:nvSpPr>
+        <p:spPr>
+          <a:xfrm>
+            <a:off x="1033784" y="2002663"/>
+            <a:ext cx="10413801" cy="748307"/>
+          </a:xfrm>
+          <a:prstGeom prst="rect">
+            <a:avLst/>
+          </a:prstGeom>
+        </p:spPr>
+        <p:txBody>
+          <a:bodyPr vert="horz" lIns="91440" tIns="45720" rIns="91440" bIns="45720" rtlCol="0">
+            <a:noAutofit/>
+          </a:bodyPr>
+          <a:lstStyle>
+            <a:lvl1pPr marL="228600" indent="-228600" algn="l" defTabSz="914400" rtl="0" eaLnBrk="1" latinLnBrk="0" hangingPunct="1">
+              <a:lnSpc>
+                <a:spcPct val="90000"/>
+              </a:lnSpc>
+              <a:spcBef>
+                <a:spcPts val="1000"/>
+              </a:spcBef>
+              <a:buFont typeface="Arial" panose="020B0604020202020204" pitchFamily="34" charset="0"/>
+              <a:buChar char="•"/>
+              <a:defRPr sz="2800" kern="1200">
+                <a:solidFill>
+                  <a:schemeClr val="tx1"/>
+                </a:solidFill>
+                <a:latin typeface="+mn-lt"/>
+                <a:ea typeface="+mn-ea"/>
+                <a:cs typeface="+mn-cs"/>
+              </a:defRPr>
+            </a:lvl1pPr>
+            <a:lvl2pPr marL="685800" indent="-228600" algn="l" defTabSz="914400" rtl="0" eaLnBrk="1" latinLnBrk="0" hangingPunct="1">
+              <a:lnSpc>
+                <a:spcPct val="90000"/>
+              </a:lnSpc>
+              <a:spcBef>
+                <a:spcPts val="500"/>
+              </a:spcBef>
+              <a:buFont typeface="Arial" panose="020B0604020202020204" pitchFamily="34" charset="0"/>
+              <a:buChar char="•"/>
+              <a:defRPr sz="2400" kern="1200">
+                <a:solidFill>
+                  <a:schemeClr val="tx1"/>
+                </a:solidFill>
+                <a:latin typeface="+mn-lt"/>
+                <a:ea typeface="+mn-ea"/>
+                <a:cs typeface="+mn-cs"/>
+              </a:defRPr>
+            </a:lvl2pPr>
+            <a:lvl3pPr marL="1143000" indent="-228600" algn="l" defTabSz="914400" rtl="0" eaLnBrk="1" latinLnBrk="0" hangingPunct="1">
+              <a:lnSpc>
+                <a:spcPct val="90000"/>
+              </a:lnSpc>
+              <a:spcBef>
+                <a:spcPts val="500"/>
+              </a:spcBef>
+              <a:buFont typeface="Arial" panose="020B0604020202020204" pitchFamily="34" charset="0"/>
+              <a:buChar char="•"/>
+              <a:defRPr sz="2000" kern="1200">
+                <a:solidFill>
+                  <a:schemeClr val="tx1"/>
+                </a:solidFill>
+                <a:latin typeface="+mn-lt"/>
+                <a:ea typeface="+mn-ea"/>
+                <a:cs typeface="+mn-cs"/>
+              </a:defRPr>
+            </a:lvl3pPr>
+            <a:lvl4pPr marL="1600200" indent="-228600" algn="l" defTabSz="914400" rtl="0" eaLnBrk="1" latinLnBrk="0" hangingPunct="1">
+              <a:lnSpc>
+                <a:spcPct val="90000"/>
+              </a:lnSpc>
+              <a:spcBef>
+                <a:spcPts val="500"/>
+              </a:spcBef>
+              <a:buFont typeface="Arial" panose="020B0604020202020204" pitchFamily="34" charset="0"/>
+              <a:buChar char="•"/>
+              <a:defRPr sz="1800" kern="1200">
+                <a:solidFill>
+                  <a:schemeClr val="tx1"/>
+                </a:solidFill>
+                <a:latin typeface="+mn-lt"/>
+                <a:ea typeface="+mn-ea"/>
+                <a:cs typeface="+mn-cs"/>
+              </a:defRPr>
+            </a:lvl4pPr>
+            <a:lvl5pPr marL="2057400" indent="-228600" algn="l" defTabSz="914400" rtl="0" eaLnBrk="1" latinLnBrk="0" hangingPunct="1">
+              <a:lnSpc>
+                <a:spcPct val="90000"/>
+              </a:lnSpc>
+              <a:spcBef>
+                <a:spcPts val="500"/>
+              </a:spcBef>
+              <a:buFont typeface="Arial" panose="020B0604020202020204" pitchFamily="34" charset="0"/>
+              <a:buChar char="•"/>
+              <a:defRPr sz="1800" kern="1200">
+                <a:solidFill>
+                  <a:schemeClr val="tx1"/>
+                </a:solidFill>
+                <a:latin typeface="+mn-lt"/>
+                <a:ea typeface="+mn-ea"/>
+                <a:cs typeface="+mn-cs"/>
+              </a:defRPr>
+            </a:lvl5pPr>
+            <a:lvl6pPr marL="2514600" indent="-228600" algn="l" defTabSz="914400" rtl="0" eaLnBrk="1" latinLnBrk="0" hangingPunct="1">
+              <a:lnSpc>
+                <a:spcPct val="90000"/>
+              </a:lnSpc>
+              <a:spcBef>
+                <a:spcPts val="500"/>
+              </a:spcBef>
+              <a:buFont typeface="Arial" panose="020B0604020202020204" pitchFamily="34" charset="0"/>
+              <a:buChar char="•"/>
+              <a:defRPr sz="1800" kern="1200">
+                <a:solidFill>
+                  <a:schemeClr val="tx1"/>
+                </a:solidFill>
+                <a:latin typeface="+mn-lt"/>
+                <a:ea typeface="+mn-ea"/>
+                <a:cs typeface="+mn-cs"/>
+              </a:defRPr>
+            </a:lvl6pPr>
+            <a:lvl7pPr marL="2971800" indent="-228600" algn="l" defTabSz="914400" rtl="0" eaLnBrk="1" latinLnBrk="0" hangingPunct="1">
+              <a:lnSpc>
+                <a:spcPct val="90000"/>
+              </a:lnSpc>
+              <a:spcBef>
+                <a:spcPts val="500"/>
+              </a:spcBef>
+              <a:buFont typeface="Arial" panose="020B0604020202020204" pitchFamily="34" charset="0"/>
+              <a:buChar char="•"/>
+              <a:defRPr sz="1800" kern="1200">
+                <a:solidFill>
+                  <a:schemeClr val="tx1"/>
+                </a:solidFill>
+                <a:latin typeface="+mn-lt"/>
+                <a:ea typeface="+mn-ea"/>
+                <a:cs typeface="+mn-cs"/>
+              </a:defRPr>
+            </a:lvl7pPr>
+            <a:lvl8pPr marL="3429000" indent="-228600" algn="l" defTabSz="914400" rtl="0" eaLnBrk="1" latinLnBrk="0" hangingPunct="1">
+              <a:lnSpc>
+                <a:spcPct val="90000"/>
+              </a:lnSpc>
+              <a:spcBef>
+                <a:spcPts val="500"/>
+              </a:spcBef>
+              <a:buFont typeface="Arial" panose="020B0604020202020204" pitchFamily="34" charset="0"/>
+              <a:buChar char="•"/>
+              <a:defRPr sz="1800" kern="1200">
+                <a:solidFill>
+                  <a:schemeClr val="tx1"/>
+                </a:solidFill>
+                <a:latin typeface="+mn-lt"/>
+                <a:ea typeface="+mn-ea"/>
+                <a:cs typeface="+mn-cs"/>
+              </a:defRPr>
+            </a:lvl8pPr>
+            <a:lvl9pPr marL="3886200" indent="-228600" algn="l" defTabSz="914400" rtl="0" eaLnBrk="1" latinLnBrk="0" hangingPunct="1">
+              <a:lnSpc>
+                <a:spcPct val="90000"/>
+              </a:lnSpc>
+              <a:spcBef>
+                <a:spcPts val="500"/>
+              </a:spcBef>
+              <a:buFont typeface="Arial" panose="020B0604020202020204" pitchFamily="34" charset="0"/>
+              <a:buChar char="•"/>
+              <a:defRPr sz="1800" kern="1200">
+                <a:solidFill>
+                  <a:schemeClr val="tx1"/>
+                </a:solidFill>
+                <a:latin typeface="+mn-lt"/>
+                <a:ea typeface="+mn-ea"/>
+                <a:cs typeface="+mn-cs"/>
+              </a:defRPr>
+            </a:lvl9pPr>
+          </a:lstStyle>
+          <a:p>
+            <a:pPr marL="0" indent="0">
+              <a:buNone/>
+            </a:pPr>
+            <a:r>
+              <a:rPr lang="en-US" sz="2400" b="1" dirty="0" err="1"/>
+              <a:t>Mô</a:t>
+            </a:r>
+            <a:r>
+              <a:rPr lang="en-US" sz="2400" b="1" dirty="0"/>
+              <a:t> </a:t>
+            </a:r>
+            <a:r>
+              <a:rPr lang="en-US" sz="2400" b="1" dirty="0" err="1"/>
+              <a:t>phỏng</a:t>
+            </a:r>
+            <a:r>
+              <a:rPr lang="en-US" sz="2400" b="1" dirty="0"/>
+              <a:t>: </a:t>
+            </a:r>
+            <a:r>
+              <a:rPr lang="vi-VN" sz="1800" dirty="0"/>
+              <a:t>Sử dụng mô hình Logistic Regression để tính và vẽ đường cong ROC, cũng như tính sensitivity và specificity với ngưỡng cắt 0.448</a:t>
+            </a:r>
+            <a:r>
+              <a:rPr lang="en-US" sz="1800" dirty="0"/>
+              <a:t> </a:t>
+            </a:r>
+            <a:r>
+              <a:rPr lang="en-US" sz="1800" dirty="0">
+                <a:solidFill>
+                  <a:schemeClr val="tx2">
+                    <a:lumMod val="75000"/>
+                    <a:lumOff val="25000"/>
+                  </a:schemeClr>
+                </a:solidFill>
+                <a:latin typeface="Arial" panose="020B0604020202020204" pitchFamily="34" charset="0"/>
+                <a:cs typeface="Arial" panose="020B0604020202020204" pitchFamily="34" charset="0"/>
+              </a:rPr>
+              <a:t>[1]</a:t>
+            </a:r>
+            <a:endParaRPr lang="vi-VN" sz="2400" b="1" dirty="0">
+              <a:solidFill>
+                <a:schemeClr val="tx2">
+                  <a:lumMod val="75000"/>
+                  <a:lumOff val="25000"/>
+                </a:schemeClr>
+              </a:solidFill>
+              <a:latin typeface="Arial" panose="020B0604020202020204" pitchFamily="34" charset="0"/>
+              <a:cs typeface="Arial" panose="020B0604020202020204" pitchFamily="34" charset="0"/>
+            </a:endParaRPr>
+          </a:p>
+        </p:txBody>
+      </p:sp>
+      <p:pic>
+        <p:nvPicPr>
+          <p:cNvPr id="8" name="Picture 7">
+            <a:extLst>
+              <a:ext uri="{FF2B5EF4-FFF2-40B4-BE49-F238E27FC236}">
+                <a16:creationId xmlns:a16="http://schemas.microsoft.com/office/drawing/2014/main" id="{2566508F-1B24-0323-65BA-C5878D6F66C3}"/>
+              </a:ext>
+            </a:extLst>
+          </p:cNvPr>
+          <p:cNvPicPr>
+            <a:picLocks noChangeAspect="1"/>
+          </p:cNvPicPr>
+          <p:nvPr/>
+        </p:nvPicPr>
+        <p:blipFill>
+          <a:blip r:embed="rId5"/>
+          <a:stretch>
+            <a:fillRect/>
+          </a:stretch>
+        </p:blipFill>
+        <p:spPr>
+          <a:xfrm>
+            <a:off x="1033784" y="3279307"/>
+            <a:ext cx="4258269" cy="1991003"/>
+          </a:xfrm>
+          <a:prstGeom prst="rect">
+            <a:avLst/>
+          </a:prstGeom>
+        </p:spPr>
+      </p:pic>
+    </p:spTree>
+    <p:extLst>
+      <p:ext uri="{BB962C8B-B14F-4D97-AF65-F5344CB8AC3E}">
+        <p14:creationId xmlns:p14="http://schemas.microsoft.com/office/powerpoint/2010/main" val="1575350464"/>
       </p:ext>
     </p:extLst>
   </p:cSld>
@@ -14460,1815 +14465,6 @@
         <p:cNvPr id="1" name="">
           <a:extLst>
             <a:ext uri="{FF2B5EF4-FFF2-40B4-BE49-F238E27FC236}">
-              <a16:creationId xmlns:a16="http://schemas.microsoft.com/office/drawing/2014/main" id="{A2F4B721-99A6-8BD9-7E35-4200C5620808}"/>
-            </a:ext>
-          </a:extLst>
-        </p:cNvPr>
-        <p:cNvGrpSpPr/>
-        <p:nvPr/>
-      </p:nvGrpSpPr>
-      <p:grpSpPr>
-        <a:xfrm>
-          <a:off x="0" y="0"/>
-          <a:ext cx="0" cy="0"/>
-          <a:chOff x="0" y="0"/>
-          <a:chExt cx="0" cy="0"/>
-        </a:xfrm>
-      </p:grpSpPr>
-      <p:sp>
-        <p:nvSpPr>
-          <p:cNvPr id="2" name="Title 1">
-            <a:extLst>
-              <a:ext uri="{FF2B5EF4-FFF2-40B4-BE49-F238E27FC236}">
-                <a16:creationId xmlns:a16="http://schemas.microsoft.com/office/drawing/2014/main" id="{8EBEE51D-3144-22AD-AA37-E8742FF8760D}"/>
-              </a:ext>
-            </a:extLst>
-          </p:cNvPr>
-          <p:cNvSpPr>
-            <a:spLocks noGrp="1"/>
-          </p:cNvSpPr>
-          <p:nvPr>
-            <p:ph type="title"/>
-          </p:nvPr>
-        </p:nvSpPr>
-        <p:spPr/>
-        <p:txBody>
-          <a:bodyPr/>
-          <a:lstStyle/>
-          <a:p>
-            <a:r>
-              <a:rPr lang="en-US" b="1" dirty="0">
-                <a:solidFill>
-                  <a:srgbClr val="0070C0"/>
-                </a:solidFill>
-                <a:latin typeface="Arial" panose="020B0604020202020204" pitchFamily="34" charset="0"/>
-                <a:cs typeface="Arial" panose="020B0604020202020204" pitchFamily="34" charset="0"/>
-              </a:rPr>
-              <a:t>3. </a:t>
-            </a:r>
-            <a:r>
-              <a:rPr lang="en-US" b="1" dirty="0" err="1">
-                <a:solidFill>
-                  <a:srgbClr val="0070C0"/>
-                </a:solidFill>
-                <a:latin typeface="Arial" panose="020B0604020202020204" pitchFamily="34" charset="0"/>
-                <a:cs typeface="Arial" panose="020B0604020202020204" pitchFamily="34" charset="0"/>
-              </a:rPr>
-              <a:t>Phân</a:t>
-            </a:r>
-            <a:r>
-              <a:rPr lang="en-US" b="1" dirty="0">
-                <a:solidFill>
-                  <a:srgbClr val="0070C0"/>
-                </a:solidFill>
-                <a:latin typeface="Arial" panose="020B0604020202020204" pitchFamily="34" charset="0"/>
-                <a:cs typeface="Arial" panose="020B0604020202020204" pitchFamily="34" charset="0"/>
-              </a:rPr>
-              <a:t> </a:t>
-            </a:r>
-            <a:r>
-              <a:rPr lang="en-US" b="1" dirty="0" err="1">
-                <a:solidFill>
-                  <a:srgbClr val="0070C0"/>
-                </a:solidFill>
-                <a:latin typeface="Arial" panose="020B0604020202020204" pitchFamily="34" charset="0"/>
-                <a:cs typeface="Arial" panose="020B0604020202020204" pitchFamily="34" charset="0"/>
-              </a:rPr>
-              <a:t>tích</a:t>
-            </a:r>
-            <a:r>
-              <a:rPr lang="en-US" b="1" dirty="0">
-                <a:solidFill>
-                  <a:srgbClr val="0070C0"/>
-                </a:solidFill>
-                <a:latin typeface="Arial" panose="020B0604020202020204" pitchFamily="34" charset="0"/>
-                <a:cs typeface="Arial" panose="020B0604020202020204" pitchFamily="34" charset="0"/>
-              </a:rPr>
-              <a:t> </a:t>
-            </a:r>
-            <a:r>
-              <a:rPr lang="en-US" b="1" dirty="0" err="1">
-                <a:solidFill>
-                  <a:srgbClr val="0070C0"/>
-                </a:solidFill>
-                <a:latin typeface="Arial" panose="020B0604020202020204" pitchFamily="34" charset="0"/>
-                <a:cs typeface="Arial" panose="020B0604020202020204" pitchFamily="34" charset="0"/>
-              </a:rPr>
-              <a:t>khám</a:t>
-            </a:r>
-            <a:r>
-              <a:rPr lang="en-US" b="1" dirty="0">
-                <a:solidFill>
-                  <a:srgbClr val="0070C0"/>
-                </a:solidFill>
-                <a:latin typeface="Arial" panose="020B0604020202020204" pitchFamily="34" charset="0"/>
-                <a:cs typeface="Arial" panose="020B0604020202020204" pitchFamily="34" charset="0"/>
-              </a:rPr>
-              <a:t> </a:t>
-            </a:r>
-            <a:r>
-              <a:rPr lang="en-US" b="1" dirty="0" err="1">
-                <a:solidFill>
-                  <a:srgbClr val="0070C0"/>
-                </a:solidFill>
-                <a:latin typeface="Arial" panose="020B0604020202020204" pitchFamily="34" charset="0"/>
-                <a:cs typeface="Arial" panose="020B0604020202020204" pitchFamily="34" charset="0"/>
-              </a:rPr>
-              <a:t>phá</a:t>
-            </a:r>
-            <a:r>
-              <a:rPr lang="en-US" b="1" dirty="0">
-                <a:solidFill>
-                  <a:srgbClr val="0070C0"/>
-                </a:solidFill>
-                <a:latin typeface="Arial" panose="020B0604020202020204" pitchFamily="34" charset="0"/>
-                <a:cs typeface="Arial" panose="020B0604020202020204" pitchFamily="34" charset="0"/>
-              </a:rPr>
-              <a:t> </a:t>
-            </a:r>
-            <a:r>
-              <a:rPr lang="en-US" b="1" dirty="0" err="1">
-                <a:solidFill>
-                  <a:srgbClr val="0070C0"/>
-                </a:solidFill>
-                <a:latin typeface="Arial" panose="020B0604020202020204" pitchFamily="34" charset="0"/>
-                <a:cs typeface="Arial" panose="020B0604020202020204" pitchFamily="34" charset="0"/>
-              </a:rPr>
-              <a:t>dữ</a:t>
-            </a:r>
-            <a:r>
-              <a:rPr lang="en-US" b="1" dirty="0">
-                <a:solidFill>
-                  <a:srgbClr val="0070C0"/>
-                </a:solidFill>
-                <a:latin typeface="Arial" panose="020B0604020202020204" pitchFamily="34" charset="0"/>
-                <a:cs typeface="Arial" panose="020B0604020202020204" pitchFamily="34" charset="0"/>
-              </a:rPr>
-              <a:t> </a:t>
-            </a:r>
-            <a:r>
-              <a:rPr lang="en-US" b="1" dirty="0" err="1">
-                <a:solidFill>
-                  <a:srgbClr val="0070C0"/>
-                </a:solidFill>
-                <a:latin typeface="Arial" panose="020B0604020202020204" pitchFamily="34" charset="0"/>
-                <a:cs typeface="Arial" panose="020B0604020202020204" pitchFamily="34" charset="0"/>
-              </a:rPr>
-              <a:t>liệu</a:t>
-            </a:r>
-            <a:endParaRPr lang="en-US" b="1" dirty="0">
-              <a:solidFill>
-                <a:srgbClr val="0070C0"/>
-              </a:solidFill>
-              <a:latin typeface="Arial" panose="020B0604020202020204" pitchFamily="34" charset="0"/>
-              <a:cs typeface="Arial" panose="020B0604020202020204" pitchFamily="34" charset="0"/>
-            </a:endParaRPr>
-          </a:p>
-        </p:txBody>
-      </p:sp>
-      <p:sp>
-        <p:nvSpPr>
-          <p:cNvPr id="3" name="Content Placeholder 2">
-            <a:extLst>
-              <a:ext uri="{FF2B5EF4-FFF2-40B4-BE49-F238E27FC236}">
-                <a16:creationId xmlns:a16="http://schemas.microsoft.com/office/drawing/2014/main" id="{5E6589A2-7A71-C434-C4CF-E53885739C71}"/>
-              </a:ext>
-            </a:extLst>
-          </p:cNvPr>
-          <p:cNvSpPr>
-            <a:spLocks noGrp="1"/>
-          </p:cNvSpPr>
-          <p:nvPr>
-            <p:ph idx="1"/>
-          </p:nvPr>
-        </p:nvSpPr>
-        <p:spPr>
-          <a:xfrm>
-            <a:off x="6178061" y="3115192"/>
-            <a:ext cx="5175737" cy="1315736"/>
-          </a:xfrm>
-        </p:spPr>
-        <p:txBody>
-          <a:bodyPr>
-            <a:noAutofit/>
-          </a:bodyPr>
-          <a:lstStyle/>
-          <a:p>
-            <a:pPr marL="0" indent="0">
-              <a:buNone/>
-            </a:pPr>
-            <a:r>
-              <a:rPr lang="vi-VN" sz="2000" dirty="0"/>
-              <a:t>Đường cong ROC đo lường khả năng phân biệt của mô hình giữa các lớp. AUC (Area Under Curve) gần 1 cho thấy mô hình tốt.</a:t>
-            </a:r>
-          </a:p>
-        </p:txBody>
-      </p:sp>
-      <p:sp>
-        <p:nvSpPr>
-          <p:cNvPr id="5" name="Title 1">
-            <a:extLst>
-              <a:ext uri="{FF2B5EF4-FFF2-40B4-BE49-F238E27FC236}">
-                <a16:creationId xmlns:a16="http://schemas.microsoft.com/office/drawing/2014/main" id="{4B27DE77-5731-EAB0-87A8-546CF32C6C6F}"/>
-              </a:ext>
-            </a:extLst>
-          </p:cNvPr>
-          <p:cNvSpPr txBox="1">
-            <a:spLocks/>
-          </p:cNvSpPr>
-          <p:nvPr/>
-        </p:nvSpPr>
-        <p:spPr>
-          <a:xfrm>
-            <a:off x="838198" y="1287676"/>
-            <a:ext cx="10515600" cy="806023"/>
-          </a:xfrm>
-          <a:prstGeom prst="rect">
-            <a:avLst/>
-          </a:prstGeom>
-        </p:spPr>
-        <p:txBody>
-          <a:bodyPr vert="horz" lIns="91440" tIns="45720" rIns="91440" bIns="45720" rtlCol="0" anchor="ctr">
-            <a:normAutofit/>
-          </a:bodyPr>
-          <a:lstStyle>
-            <a:lvl1pPr algn="l" defTabSz="914400" rtl="0" eaLnBrk="1" latinLnBrk="0" hangingPunct="1">
-              <a:lnSpc>
-                <a:spcPct val="90000"/>
-              </a:lnSpc>
-              <a:spcBef>
-                <a:spcPct val="0"/>
-              </a:spcBef>
-              <a:buNone/>
-              <a:defRPr sz="4400" kern="1200">
-                <a:solidFill>
-                  <a:schemeClr val="tx1"/>
-                </a:solidFill>
-                <a:latin typeface="+mj-lt"/>
-                <a:ea typeface="+mj-ea"/>
-                <a:cs typeface="+mj-cs"/>
-              </a:defRPr>
-            </a:lvl1pPr>
-          </a:lstStyle>
-          <a:p>
-            <a:r>
-              <a:rPr lang="en-US" sz="3200" b="1" dirty="0">
-                <a:solidFill>
-                  <a:srgbClr val="0070C0"/>
-                </a:solidFill>
-                <a:latin typeface="Arial" panose="020B0604020202020204" pitchFamily="34" charset="0"/>
-                <a:cs typeface="Arial" panose="020B0604020202020204" pitchFamily="34" charset="0"/>
-              </a:rPr>
-              <a:t>3.3. </a:t>
-            </a:r>
-            <a:r>
-              <a:rPr lang="en-US" sz="3200" b="1" dirty="0" err="1">
-                <a:solidFill>
-                  <a:srgbClr val="0070C0"/>
-                </a:solidFill>
-                <a:latin typeface="Arial" panose="020B0604020202020204" pitchFamily="34" charset="0"/>
-                <a:cs typeface="Arial" panose="020B0604020202020204" pitchFamily="34" charset="0"/>
-              </a:rPr>
-              <a:t>ADAP</a:t>
-            </a:r>
-            <a:r>
-              <a:rPr lang="en-US" sz="3200" b="1" dirty="0">
-                <a:solidFill>
-                  <a:srgbClr val="0070C0"/>
-                </a:solidFill>
-                <a:latin typeface="Arial" panose="020B0604020202020204" pitchFamily="34" charset="0"/>
-                <a:cs typeface="Arial" panose="020B0604020202020204" pitchFamily="34" charset="0"/>
-              </a:rPr>
-              <a:t> Learning Algorithm</a:t>
-            </a:r>
-          </a:p>
-        </p:txBody>
-      </p:sp>
-      <p:sp>
-        <p:nvSpPr>
-          <p:cNvPr id="6" name="Content Placeholder 2">
-            <a:extLst>
-              <a:ext uri="{FF2B5EF4-FFF2-40B4-BE49-F238E27FC236}">
-                <a16:creationId xmlns:a16="http://schemas.microsoft.com/office/drawing/2014/main" id="{674CC0B5-A39F-F289-5B4C-BC7B53B81952}"/>
-              </a:ext>
-            </a:extLst>
-          </p:cNvPr>
-          <p:cNvSpPr txBox="1">
-            <a:spLocks/>
-          </p:cNvSpPr>
-          <p:nvPr/>
-        </p:nvSpPr>
-        <p:spPr>
-          <a:xfrm>
-            <a:off x="838198" y="6109693"/>
-            <a:ext cx="10046679" cy="748307"/>
-          </a:xfrm>
-          <a:prstGeom prst="rect">
-            <a:avLst/>
-          </a:prstGeom>
-        </p:spPr>
-        <p:txBody>
-          <a:bodyPr vert="horz" lIns="91440" tIns="45720" rIns="91440" bIns="45720" rtlCol="0">
-            <a:normAutofit/>
-          </a:bodyPr>
-          <a:lstStyle>
-            <a:lvl1pPr marL="228600" indent="-228600" algn="l" defTabSz="914400" rtl="0" eaLnBrk="1" latinLnBrk="0" hangingPunct="1">
-              <a:lnSpc>
-                <a:spcPct val="90000"/>
-              </a:lnSpc>
-              <a:spcBef>
-                <a:spcPts val="1000"/>
-              </a:spcBef>
-              <a:buFont typeface="Arial" panose="020B0604020202020204" pitchFamily="34" charset="0"/>
-              <a:buChar char="•"/>
-              <a:defRPr sz="2800" kern="1200">
-                <a:solidFill>
-                  <a:schemeClr val="tx1"/>
-                </a:solidFill>
-                <a:latin typeface="+mn-lt"/>
-                <a:ea typeface="+mn-ea"/>
-                <a:cs typeface="+mn-cs"/>
-              </a:defRPr>
-            </a:lvl1pPr>
-            <a:lvl2pPr marL="685800" indent="-228600" algn="l" defTabSz="914400" rtl="0" eaLnBrk="1" latinLnBrk="0" hangingPunct="1">
-              <a:lnSpc>
-                <a:spcPct val="90000"/>
-              </a:lnSpc>
-              <a:spcBef>
-                <a:spcPts val="500"/>
-              </a:spcBef>
-              <a:buFont typeface="Arial" panose="020B0604020202020204" pitchFamily="34" charset="0"/>
-              <a:buChar char="•"/>
-              <a:defRPr sz="2400" kern="1200">
-                <a:solidFill>
-                  <a:schemeClr val="tx1"/>
-                </a:solidFill>
-                <a:latin typeface="+mn-lt"/>
-                <a:ea typeface="+mn-ea"/>
-                <a:cs typeface="+mn-cs"/>
-              </a:defRPr>
-            </a:lvl2pPr>
-            <a:lvl3pPr marL="1143000" indent="-228600" algn="l" defTabSz="914400" rtl="0" eaLnBrk="1" latinLnBrk="0" hangingPunct="1">
-              <a:lnSpc>
-                <a:spcPct val="90000"/>
-              </a:lnSpc>
-              <a:spcBef>
-                <a:spcPts val="500"/>
-              </a:spcBef>
-              <a:buFont typeface="Arial" panose="020B0604020202020204" pitchFamily="34" charset="0"/>
-              <a:buChar char="•"/>
-              <a:defRPr sz="2000" kern="1200">
-                <a:solidFill>
-                  <a:schemeClr val="tx1"/>
-                </a:solidFill>
-                <a:latin typeface="+mn-lt"/>
-                <a:ea typeface="+mn-ea"/>
-                <a:cs typeface="+mn-cs"/>
-              </a:defRPr>
-            </a:lvl3pPr>
-            <a:lvl4pPr marL="1600200" indent="-228600" algn="l" defTabSz="914400" rtl="0" eaLnBrk="1" latinLnBrk="0" hangingPunct="1">
-              <a:lnSpc>
-                <a:spcPct val="90000"/>
-              </a:lnSpc>
-              <a:spcBef>
-                <a:spcPts val="500"/>
-              </a:spcBef>
-              <a:buFont typeface="Arial" panose="020B0604020202020204" pitchFamily="34" charset="0"/>
-              <a:buChar char="•"/>
-              <a:defRPr sz="1800" kern="1200">
-                <a:solidFill>
-                  <a:schemeClr val="tx1"/>
-                </a:solidFill>
-                <a:latin typeface="+mn-lt"/>
-                <a:ea typeface="+mn-ea"/>
-                <a:cs typeface="+mn-cs"/>
-              </a:defRPr>
-            </a:lvl4pPr>
-            <a:lvl5pPr marL="2057400" indent="-228600" algn="l" defTabSz="914400" rtl="0" eaLnBrk="1" latinLnBrk="0" hangingPunct="1">
-              <a:lnSpc>
-                <a:spcPct val="90000"/>
-              </a:lnSpc>
-              <a:spcBef>
-                <a:spcPts val="500"/>
-              </a:spcBef>
-              <a:buFont typeface="Arial" panose="020B0604020202020204" pitchFamily="34" charset="0"/>
-              <a:buChar char="•"/>
-              <a:defRPr sz="1800" kern="1200">
-                <a:solidFill>
-                  <a:schemeClr val="tx1"/>
-                </a:solidFill>
-                <a:latin typeface="+mn-lt"/>
-                <a:ea typeface="+mn-ea"/>
-                <a:cs typeface="+mn-cs"/>
-              </a:defRPr>
-            </a:lvl5pPr>
-            <a:lvl6pPr marL="2514600" indent="-228600" algn="l" defTabSz="914400" rtl="0" eaLnBrk="1" latinLnBrk="0" hangingPunct="1">
-              <a:lnSpc>
-                <a:spcPct val="90000"/>
-              </a:lnSpc>
-              <a:spcBef>
-                <a:spcPts val="500"/>
-              </a:spcBef>
-              <a:buFont typeface="Arial" panose="020B0604020202020204" pitchFamily="34" charset="0"/>
-              <a:buChar char="•"/>
-              <a:defRPr sz="1800" kern="1200">
-                <a:solidFill>
-                  <a:schemeClr val="tx1"/>
-                </a:solidFill>
-                <a:latin typeface="+mn-lt"/>
-                <a:ea typeface="+mn-ea"/>
-                <a:cs typeface="+mn-cs"/>
-              </a:defRPr>
-            </a:lvl6pPr>
-            <a:lvl7pPr marL="2971800" indent="-228600" algn="l" defTabSz="914400" rtl="0" eaLnBrk="1" latinLnBrk="0" hangingPunct="1">
-              <a:lnSpc>
-                <a:spcPct val="90000"/>
-              </a:lnSpc>
-              <a:spcBef>
-                <a:spcPts val="500"/>
-              </a:spcBef>
-              <a:buFont typeface="Arial" panose="020B0604020202020204" pitchFamily="34" charset="0"/>
-              <a:buChar char="•"/>
-              <a:defRPr sz="1800" kern="1200">
-                <a:solidFill>
-                  <a:schemeClr val="tx1"/>
-                </a:solidFill>
-                <a:latin typeface="+mn-lt"/>
-                <a:ea typeface="+mn-ea"/>
-                <a:cs typeface="+mn-cs"/>
-              </a:defRPr>
-            </a:lvl7pPr>
-            <a:lvl8pPr marL="3429000" indent="-228600" algn="l" defTabSz="914400" rtl="0" eaLnBrk="1" latinLnBrk="0" hangingPunct="1">
-              <a:lnSpc>
-                <a:spcPct val="90000"/>
-              </a:lnSpc>
-              <a:spcBef>
-                <a:spcPts val="500"/>
-              </a:spcBef>
-              <a:buFont typeface="Arial" panose="020B0604020202020204" pitchFamily="34" charset="0"/>
-              <a:buChar char="•"/>
-              <a:defRPr sz="1800" kern="1200">
-                <a:solidFill>
-                  <a:schemeClr val="tx1"/>
-                </a:solidFill>
-                <a:latin typeface="+mn-lt"/>
-                <a:ea typeface="+mn-ea"/>
-                <a:cs typeface="+mn-cs"/>
-              </a:defRPr>
-            </a:lvl8pPr>
-            <a:lvl9pPr marL="3886200" indent="-228600" algn="l" defTabSz="914400" rtl="0" eaLnBrk="1" latinLnBrk="0" hangingPunct="1">
-              <a:lnSpc>
-                <a:spcPct val="90000"/>
-              </a:lnSpc>
-              <a:spcBef>
-                <a:spcPts val="500"/>
-              </a:spcBef>
-              <a:buFont typeface="Arial" panose="020B0604020202020204" pitchFamily="34" charset="0"/>
-              <a:buChar char="•"/>
-              <a:defRPr sz="1800" kern="1200">
-                <a:solidFill>
-                  <a:schemeClr val="tx1"/>
-                </a:solidFill>
-                <a:latin typeface="+mn-lt"/>
-                <a:ea typeface="+mn-ea"/>
-                <a:cs typeface="+mn-cs"/>
-              </a:defRPr>
-            </a:lvl9pPr>
-          </a:lstStyle>
-          <a:p>
-            <a:pPr marL="0" indent="0">
-              <a:buNone/>
-            </a:pPr>
-            <a:r>
-              <a:rPr lang="en-US" sz="1600" dirty="0">
-                <a:solidFill>
-                  <a:schemeClr val="tx2">
-                    <a:lumMod val="75000"/>
-                    <a:lumOff val="25000"/>
-                  </a:schemeClr>
-                </a:solidFill>
-                <a:latin typeface="Arial" panose="020B0604020202020204" pitchFamily="34" charset="0"/>
-                <a:cs typeface="Arial" panose="020B0604020202020204" pitchFamily="34" charset="0"/>
-                <a:hlinkClick r:id="rId3">
-                  <a:extLst>
-                    <a:ext uri="{A12FA001-AC4F-418D-AE19-62706E023703}">
-                      <ahyp:hlinkClr xmlns:ahyp="http://schemas.microsoft.com/office/drawing/2018/hyperlinkcolor" val="tx"/>
-                    </a:ext>
-                  </a:extLst>
-                </a:hlinkClick>
-              </a:rPr>
-              <a:t>[</a:t>
-            </a:r>
-            <a:r>
-              <a:rPr lang="en-US" sz="1600" dirty="0">
-                <a:solidFill>
-                  <a:schemeClr val="tx2">
-                    <a:lumMod val="75000"/>
-                    <a:lumOff val="25000"/>
-                  </a:schemeClr>
-                </a:solidFill>
-                <a:latin typeface="Arial" panose="020B0604020202020204" pitchFamily="34" charset="0"/>
-                <a:cs typeface="Arial" panose="020B0604020202020204" pitchFamily="34" charset="0"/>
-              </a:rPr>
-              <a:t>1]</a:t>
-            </a:r>
-            <a:r>
-              <a:rPr lang="en-US" sz="1600" dirty="0">
-                <a:solidFill>
-                  <a:schemeClr val="tx2">
-                    <a:lumMod val="75000"/>
-                    <a:lumOff val="25000"/>
-                  </a:schemeClr>
-                </a:solidFill>
-                <a:latin typeface="Arial" panose="020B0604020202020204" pitchFamily="34" charset="0"/>
-                <a:cs typeface="Arial" panose="020B0604020202020204" pitchFamily="34" charset="0"/>
-                <a:hlinkClick r:id="rId4">
-                  <a:extLst>
-                    <a:ext uri="{A12FA001-AC4F-418D-AE19-62706E023703}">
-                      <ahyp:hlinkClr xmlns:ahyp="http://schemas.microsoft.com/office/drawing/2018/hyperlinkcolor" val="tx"/>
-                    </a:ext>
-                  </a:extLst>
-                </a:hlinkClick>
-              </a:rPr>
-              <a:t> Using the </a:t>
-            </a:r>
-            <a:r>
-              <a:rPr lang="en-US" sz="1600" dirty="0" err="1">
-                <a:solidFill>
-                  <a:schemeClr val="tx2">
-                    <a:lumMod val="75000"/>
-                    <a:lumOff val="25000"/>
-                  </a:schemeClr>
-                </a:solidFill>
-                <a:latin typeface="Arial" panose="020B0604020202020204" pitchFamily="34" charset="0"/>
-                <a:cs typeface="Arial" panose="020B0604020202020204" pitchFamily="34" charset="0"/>
-                <a:hlinkClick r:id="rId4">
-                  <a:extLst>
-                    <a:ext uri="{A12FA001-AC4F-418D-AE19-62706E023703}">
-                      <ahyp:hlinkClr xmlns:ahyp="http://schemas.microsoft.com/office/drawing/2018/hyperlinkcolor" val="tx"/>
-                    </a:ext>
-                  </a:extLst>
-                </a:hlinkClick>
-              </a:rPr>
-              <a:t>ADAP</a:t>
-            </a:r>
-            <a:r>
-              <a:rPr lang="en-US" sz="1600" dirty="0">
-                <a:solidFill>
-                  <a:schemeClr val="tx2">
-                    <a:lumMod val="75000"/>
-                    <a:lumOff val="25000"/>
-                  </a:schemeClr>
-                </a:solidFill>
-                <a:latin typeface="Arial" panose="020B0604020202020204" pitchFamily="34" charset="0"/>
-                <a:cs typeface="Arial" panose="020B0604020202020204" pitchFamily="34" charset="0"/>
-                <a:hlinkClick r:id="rId4">
-                  <a:extLst>
-                    <a:ext uri="{A12FA001-AC4F-418D-AE19-62706E023703}">
-                      <ahyp:hlinkClr xmlns:ahyp="http://schemas.microsoft.com/office/drawing/2018/hyperlinkcolor" val="tx"/>
-                    </a:ext>
-                  </a:extLst>
-                </a:hlinkClick>
-              </a:rPr>
-              <a:t> Learning Algorithm to Forecast</a:t>
-            </a:r>
-            <a:r>
-              <a:rPr lang="en-US" sz="1600" dirty="0">
-                <a:solidFill>
-                  <a:schemeClr val="tx2">
-                    <a:lumMod val="75000"/>
-                    <a:lumOff val="25000"/>
-                  </a:schemeClr>
-                </a:solidFill>
-                <a:latin typeface="Arial" panose="020B0604020202020204" pitchFamily="34" charset="0"/>
-                <a:cs typeface="Arial" panose="020B0604020202020204" pitchFamily="34" charset="0"/>
-              </a:rPr>
-              <a:t> the Onset of Diabetes Mellitus</a:t>
-            </a:r>
-          </a:p>
-        </p:txBody>
-      </p:sp>
-      <p:sp>
-        <p:nvSpPr>
-          <p:cNvPr id="7" name="Content Placeholder 2">
-            <a:extLst>
-              <a:ext uri="{FF2B5EF4-FFF2-40B4-BE49-F238E27FC236}">
-                <a16:creationId xmlns:a16="http://schemas.microsoft.com/office/drawing/2014/main" id="{72000CB6-6503-D265-0A5F-08C58816C4F6}"/>
-              </a:ext>
-            </a:extLst>
-          </p:cNvPr>
-          <p:cNvSpPr txBox="1">
-            <a:spLocks/>
-          </p:cNvSpPr>
-          <p:nvPr/>
-        </p:nvSpPr>
-        <p:spPr>
-          <a:xfrm>
-            <a:off x="1033784" y="2002663"/>
-            <a:ext cx="10413801" cy="748307"/>
-          </a:xfrm>
-          <a:prstGeom prst="rect">
-            <a:avLst/>
-          </a:prstGeom>
-        </p:spPr>
-        <p:txBody>
-          <a:bodyPr vert="horz" lIns="91440" tIns="45720" rIns="91440" bIns="45720" rtlCol="0">
-            <a:noAutofit/>
-          </a:bodyPr>
-          <a:lstStyle>
-            <a:lvl1pPr marL="228600" indent="-228600" algn="l" defTabSz="914400" rtl="0" eaLnBrk="1" latinLnBrk="0" hangingPunct="1">
-              <a:lnSpc>
-                <a:spcPct val="90000"/>
-              </a:lnSpc>
-              <a:spcBef>
-                <a:spcPts val="1000"/>
-              </a:spcBef>
-              <a:buFont typeface="Arial" panose="020B0604020202020204" pitchFamily="34" charset="0"/>
-              <a:buChar char="•"/>
-              <a:defRPr sz="2800" kern="1200">
-                <a:solidFill>
-                  <a:schemeClr val="tx1"/>
-                </a:solidFill>
-                <a:latin typeface="+mn-lt"/>
-                <a:ea typeface="+mn-ea"/>
-                <a:cs typeface="+mn-cs"/>
-              </a:defRPr>
-            </a:lvl1pPr>
-            <a:lvl2pPr marL="685800" indent="-228600" algn="l" defTabSz="914400" rtl="0" eaLnBrk="1" latinLnBrk="0" hangingPunct="1">
-              <a:lnSpc>
-                <a:spcPct val="90000"/>
-              </a:lnSpc>
-              <a:spcBef>
-                <a:spcPts val="500"/>
-              </a:spcBef>
-              <a:buFont typeface="Arial" panose="020B0604020202020204" pitchFamily="34" charset="0"/>
-              <a:buChar char="•"/>
-              <a:defRPr sz="2400" kern="1200">
-                <a:solidFill>
-                  <a:schemeClr val="tx1"/>
-                </a:solidFill>
-                <a:latin typeface="+mn-lt"/>
-                <a:ea typeface="+mn-ea"/>
-                <a:cs typeface="+mn-cs"/>
-              </a:defRPr>
-            </a:lvl2pPr>
-            <a:lvl3pPr marL="1143000" indent="-228600" algn="l" defTabSz="914400" rtl="0" eaLnBrk="1" latinLnBrk="0" hangingPunct="1">
-              <a:lnSpc>
-                <a:spcPct val="90000"/>
-              </a:lnSpc>
-              <a:spcBef>
-                <a:spcPts val="500"/>
-              </a:spcBef>
-              <a:buFont typeface="Arial" panose="020B0604020202020204" pitchFamily="34" charset="0"/>
-              <a:buChar char="•"/>
-              <a:defRPr sz="2000" kern="1200">
-                <a:solidFill>
-                  <a:schemeClr val="tx1"/>
-                </a:solidFill>
-                <a:latin typeface="+mn-lt"/>
-                <a:ea typeface="+mn-ea"/>
-                <a:cs typeface="+mn-cs"/>
-              </a:defRPr>
-            </a:lvl3pPr>
-            <a:lvl4pPr marL="1600200" indent="-228600" algn="l" defTabSz="914400" rtl="0" eaLnBrk="1" latinLnBrk="0" hangingPunct="1">
-              <a:lnSpc>
-                <a:spcPct val="90000"/>
-              </a:lnSpc>
-              <a:spcBef>
-                <a:spcPts val="500"/>
-              </a:spcBef>
-              <a:buFont typeface="Arial" panose="020B0604020202020204" pitchFamily="34" charset="0"/>
-              <a:buChar char="•"/>
-              <a:defRPr sz="1800" kern="1200">
-                <a:solidFill>
-                  <a:schemeClr val="tx1"/>
-                </a:solidFill>
-                <a:latin typeface="+mn-lt"/>
-                <a:ea typeface="+mn-ea"/>
-                <a:cs typeface="+mn-cs"/>
-              </a:defRPr>
-            </a:lvl4pPr>
-            <a:lvl5pPr marL="2057400" indent="-228600" algn="l" defTabSz="914400" rtl="0" eaLnBrk="1" latinLnBrk="0" hangingPunct="1">
-              <a:lnSpc>
-                <a:spcPct val="90000"/>
-              </a:lnSpc>
-              <a:spcBef>
-                <a:spcPts val="500"/>
-              </a:spcBef>
-              <a:buFont typeface="Arial" panose="020B0604020202020204" pitchFamily="34" charset="0"/>
-              <a:buChar char="•"/>
-              <a:defRPr sz="1800" kern="1200">
-                <a:solidFill>
-                  <a:schemeClr val="tx1"/>
-                </a:solidFill>
-                <a:latin typeface="+mn-lt"/>
-                <a:ea typeface="+mn-ea"/>
-                <a:cs typeface="+mn-cs"/>
-              </a:defRPr>
-            </a:lvl5pPr>
-            <a:lvl6pPr marL="2514600" indent="-228600" algn="l" defTabSz="914400" rtl="0" eaLnBrk="1" latinLnBrk="0" hangingPunct="1">
-              <a:lnSpc>
-                <a:spcPct val="90000"/>
-              </a:lnSpc>
-              <a:spcBef>
-                <a:spcPts val="500"/>
-              </a:spcBef>
-              <a:buFont typeface="Arial" panose="020B0604020202020204" pitchFamily="34" charset="0"/>
-              <a:buChar char="•"/>
-              <a:defRPr sz="1800" kern="1200">
-                <a:solidFill>
-                  <a:schemeClr val="tx1"/>
-                </a:solidFill>
-                <a:latin typeface="+mn-lt"/>
-                <a:ea typeface="+mn-ea"/>
-                <a:cs typeface="+mn-cs"/>
-              </a:defRPr>
-            </a:lvl6pPr>
-            <a:lvl7pPr marL="2971800" indent="-228600" algn="l" defTabSz="914400" rtl="0" eaLnBrk="1" latinLnBrk="0" hangingPunct="1">
-              <a:lnSpc>
-                <a:spcPct val="90000"/>
-              </a:lnSpc>
-              <a:spcBef>
-                <a:spcPts val="500"/>
-              </a:spcBef>
-              <a:buFont typeface="Arial" panose="020B0604020202020204" pitchFamily="34" charset="0"/>
-              <a:buChar char="•"/>
-              <a:defRPr sz="1800" kern="1200">
-                <a:solidFill>
-                  <a:schemeClr val="tx1"/>
-                </a:solidFill>
-                <a:latin typeface="+mn-lt"/>
-                <a:ea typeface="+mn-ea"/>
-                <a:cs typeface="+mn-cs"/>
-              </a:defRPr>
-            </a:lvl7pPr>
-            <a:lvl8pPr marL="3429000" indent="-228600" algn="l" defTabSz="914400" rtl="0" eaLnBrk="1" latinLnBrk="0" hangingPunct="1">
-              <a:lnSpc>
-                <a:spcPct val="90000"/>
-              </a:lnSpc>
-              <a:spcBef>
-                <a:spcPts val="500"/>
-              </a:spcBef>
-              <a:buFont typeface="Arial" panose="020B0604020202020204" pitchFamily="34" charset="0"/>
-              <a:buChar char="•"/>
-              <a:defRPr sz="1800" kern="1200">
-                <a:solidFill>
-                  <a:schemeClr val="tx1"/>
-                </a:solidFill>
-                <a:latin typeface="+mn-lt"/>
-                <a:ea typeface="+mn-ea"/>
-                <a:cs typeface="+mn-cs"/>
-              </a:defRPr>
-            </a:lvl8pPr>
-            <a:lvl9pPr marL="3886200" indent="-228600" algn="l" defTabSz="914400" rtl="0" eaLnBrk="1" latinLnBrk="0" hangingPunct="1">
-              <a:lnSpc>
-                <a:spcPct val="90000"/>
-              </a:lnSpc>
-              <a:spcBef>
-                <a:spcPts val="500"/>
-              </a:spcBef>
-              <a:buFont typeface="Arial" panose="020B0604020202020204" pitchFamily="34" charset="0"/>
-              <a:buChar char="•"/>
-              <a:defRPr sz="1800" kern="1200">
-                <a:solidFill>
-                  <a:schemeClr val="tx1"/>
-                </a:solidFill>
-                <a:latin typeface="+mn-lt"/>
-                <a:ea typeface="+mn-ea"/>
-                <a:cs typeface="+mn-cs"/>
-              </a:defRPr>
-            </a:lvl9pPr>
-          </a:lstStyle>
-          <a:p>
-            <a:pPr marL="0" indent="0">
-              <a:buNone/>
-            </a:pPr>
-            <a:r>
-              <a:rPr lang="en-US" sz="2400" b="1" dirty="0" err="1"/>
-              <a:t>Mô</a:t>
-            </a:r>
-            <a:r>
-              <a:rPr lang="en-US" sz="2400" b="1" dirty="0"/>
-              <a:t> </a:t>
-            </a:r>
-            <a:r>
-              <a:rPr lang="en-US" sz="2400" b="1" dirty="0" err="1"/>
-              <a:t>phỏng</a:t>
-            </a:r>
-            <a:r>
-              <a:rPr lang="en-US" sz="2400" b="1" dirty="0"/>
-              <a:t>: </a:t>
-            </a:r>
-            <a:r>
-              <a:rPr lang="vi-VN" sz="1800" dirty="0"/>
-              <a:t>Sử dụng mô hình Logistic Regression để tính và vẽ đường cong ROC, cũng như tính sensitivity và specificity với ngưỡng cắt 0.448</a:t>
-            </a:r>
-            <a:r>
-              <a:rPr lang="en-US" sz="1800" dirty="0"/>
-              <a:t> </a:t>
-            </a:r>
-            <a:r>
-              <a:rPr lang="en-US" sz="1800" dirty="0">
-                <a:solidFill>
-                  <a:schemeClr val="tx2">
-                    <a:lumMod val="75000"/>
-                    <a:lumOff val="25000"/>
-                  </a:schemeClr>
-                </a:solidFill>
-                <a:latin typeface="Arial" panose="020B0604020202020204" pitchFamily="34" charset="0"/>
-                <a:cs typeface="Arial" panose="020B0604020202020204" pitchFamily="34" charset="0"/>
-              </a:rPr>
-              <a:t>[1]</a:t>
-            </a:r>
-            <a:endParaRPr lang="vi-VN" sz="2400" b="1" dirty="0">
-              <a:solidFill>
-                <a:schemeClr val="tx2">
-                  <a:lumMod val="75000"/>
-                  <a:lumOff val="25000"/>
-                </a:schemeClr>
-              </a:solidFill>
-              <a:latin typeface="Arial" panose="020B0604020202020204" pitchFamily="34" charset="0"/>
-              <a:cs typeface="Arial" panose="020B0604020202020204" pitchFamily="34" charset="0"/>
-            </a:endParaRPr>
-          </a:p>
-        </p:txBody>
-      </p:sp>
-      <p:pic>
-        <p:nvPicPr>
-          <p:cNvPr id="9" name="Picture 8" descr="A graph of a curve&#10;&#10;AI-generated content may be incorrect.">
-            <a:extLst>
-              <a:ext uri="{FF2B5EF4-FFF2-40B4-BE49-F238E27FC236}">
-                <a16:creationId xmlns:a16="http://schemas.microsoft.com/office/drawing/2014/main" id="{99BEF058-5AB1-9BE3-7ADC-F5827086F415}"/>
-              </a:ext>
-            </a:extLst>
-          </p:cNvPr>
-          <p:cNvPicPr>
-            <a:picLocks noChangeAspect="1"/>
-          </p:cNvPicPr>
-          <p:nvPr/>
-        </p:nvPicPr>
-        <p:blipFill>
-          <a:blip r:embed="rId5">
-            <a:extLst>
-              <a:ext uri="{28A0092B-C50C-407E-A947-70E740481C1C}">
-                <a14:useLocalDpi xmlns:a14="http://schemas.microsoft.com/office/drawing/2010/main" val="0"/>
-              </a:ext>
-            </a:extLst>
-          </a:blip>
-          <a:srcRect r="6799"/>
-          <a:stretch>
-            <a:fillRect/>
-          </a:stretch>
-        </p:blipFill>
-        <p:spPr>
-          <a:xfrm>
-            <a:off x="1033785" y="2750970"/>
-            <a:ext cx="4690008" cy="3145082"/>
-          </a:xfrm>
-          <a:prstGeom prst="rect">
-            <a:avLst/>
-          </a:prstGeom>
-        </p:spPr>
-      </p:pic>
-    </p:spTree>
-    <p:extLst>
-      <p:ext uri="{BB962C8B-B14F-4D97-AF65-F5344CB8AC3E}">
-        <p14:creationId xmlns:p14="http://schemas.microsoft.com/office/powerpoint/2010/main" val="3363229437"/>
-      </p:ext>
-    </p:extLst>
-  </p:cSld>
-  <p:clrMapOvr>
-    <a:masterClrMapping/>
-  </p:clrMapOvr>
-</p:sld>
-</file>
-
-<file path=ppt/slides/slide21.xml><?xml version="1.0" encoding="utf-8"?>
-<p:sld xmlns:a="http://schemas.openxmlformats.org/drawingml/2006/main" xmlns:r="http://schemas.openxmlformats.org/officeDocument/2006/relationships" xmlns:p="http://schemas.openxmlformats.org/presentationml/2006/main">
-  <p:cSld>
-    <p:spTree>
-      <p:nvGrpSpPr>
-        <p:cNvPr id="1" name="">
-          <a:extLst>
-            <a:ext uri="{FF2B5EF4-FFF2-40B4-BE49-F238E27FC236}">
-              <a16:creationId xmlns:a16="http://schemas.microsoft.com/office/drawing/2014/main" id="{0C38B7C7-E392-1B18-FB41-8F8A19A69DF3}"/>
-            </a:ext>
-          </a:extLst>
-        </p:cNvPr>
-        <p:cNvGrpSpPr/>
-        <p:nvPr/>
-      </p:nvGrpSpPr>
-      <p:grpSpPr>
-        <a:xfrm>
-          <a:off x="0" y="0"/>
-          <a:ext cx="0" cy="0"/>
-          <a:chOff x="0" y="0"/>
-          <a:chExt cx="0" cy="0"/>
-        </a:xfrm>
-      </p:grpSpPr>
-      <p:sp>
-        <p:nvSpPr>
-          <p:cNvPr id="2" name="Title 1">
-            <a:extLst>
-              <a:ext uri="{FF2B5EF4-FFF2-40B4-BE49-F238E27FC236}">
-                <a16:creationId xmlns:a16="http://schemas.microsoft.com/office/drawing/2014/main" id="{10A72A25-125F-09FD-4FC5-CA9117EEF42A}"/>
-              </a:ext>
-            </a:extLst>
-          </p:cNvPr>
-          <p:cNvSpPr>
-            <a:spLocks noGrp="1"/>
-          </p:cNvSpPr>
-          <p:nvPr>
-            <p:ph type="title"/>
-          </p:nvPr>
-        </p:nvSpPr>
-        <p:spPr/>
-        <p:txBody>
-          <a:bodyPr/>
-          <a:lstStyle/>
-          <a:p>
-            <a:r>
-              <a:rPr lang="en-US" b="1" dirty="0">
-                <a:solidFill>
-                  <a:srgbClr val="0070C0"/>
-                </a:solidFill>
-                <a:latin typeface="Arial" panose="020B0604020202020204" pitchFamily="34" charset="0"/>
-                <a:cs typeface="Arial" panose="020B0604020202020204" pitchFamily="34" charset="0"/>
-              </a:rPr>
-              <a:t>3. </a:t>
-            </a:r>
-            <a:r>
-              <a:rPr lang="en-US" b="1" dirty="0" err="1">
-                <a:solidFill>
-                  <a:srgbClr val="0070C0"/>
-                </a:solidFill>
-                <a:latin typeface="Arial" panose="020B0604020202020204" pitchFamily="34" charset="0"/>
-                <a:cs typeface="Arial" panose="020B0604020202020204" pitchFamily="34" charset="0"/>
-              </a:rPr>
-              <a:t>Phân</a:t>
-            </a:r>
-            <a:r>
-              <a:rPr lang="en-US" b="1" dirty="0">
-                <a:solidFill>
-                  <a:srgbClr val="0070C0"/>
-                </a:solidFill>
-                <a:latin typeface="Arial" panose="020B0604020202020204" pitchFamily="34" charset="0"/>
-                <a:cs typeface="Arial" panose="020B0604020202020204" pitchFamily="34" charset="0"/>
-              </a:rPr>
-              <a:t> </a:t>
-            </a:r>
-            <a:r>
-              <a:rPr lang="en-US" b="1" dirty="0" err="1">
-                <a:solidFill>
-                  <a:srgbClr val="0070C0"/>
-                </a:solidFill>
-                <a:latin typeface="Arial" panose="020B0604020202020204" pitchFamily="34" charset="0"/>
-                <a:cs typeface="Arial" panose="020B0604020202020204" pitchFamily="34" charset="0"/>
-              </a:rPr>
-              <a:t>tích</a:t>
-            </a:r>
-            <a:r>
-              <a:rPr lang="en-US" b="1" dirty="0">
-                <a:solidFill>
-                  <a:srgbClr val="0070C0"/>
-                </a:solidFill>
-                <a:latin typeface="Arial" panose="020B0604020202020204" pitchFamily="34" charset="0"/>
-                <a:cs typeface="Arial" panose="020B0604020202020204" pitchFamily="34" charset="0"/>
-              </a:rPr>
-              <a:t> </a:t>
-            </a:r>
-            <a:r>
-              <a:rPr lang="en-US" b="1" dirty="0" err="1">
-                <a:solidFill>
-                  <a:srgbClr val="0070C0"/>
-                </a:solidFill>
-                <a:latin typeface="Arial" panose="020B0604020202020204" pitchFamily="34" charset="0"/>
-                <a:cs typeface="Arial" panose="020B0604020202020204" pitchFamily="34" charset="0"/>
-              </a:rPr>
-              <a:t>khám</a:t>
-            </a:r>
-            <a:r>
-              <a:rPr lang="en-US" b="1" dirty="0">
-                <a:solidFill>
-                  <a:srgbClr val="0070C0"/>
-                </a:solidFill>
-                <a:latin typeface="Arial" panose="020B0604020202020204" pitchFamily="34" charset="0"/>
-                <a:cs typeface="Arial" panose="020B0604020202020204" pitchFamily="34" charset="0"/>
-              </a:rPr>
-              <a:t> </a:t>
-            </a:r>
-            <a:r>
-              <a:rPr lang="en-US" b="1" dirty="0" err="1">
-                <a:solidFill>
-                  <a:srgbClr val="0070C0"/>
-                </a:solidFill>
-                <a:latin typeface="Arial" panose="020B0604020202020204" pitchFamily="34" charset="0"/>
-                <a:cs typeface="Arial" panose="020B0604020202020204" pitchFamily="34" charset="0"/>
-              </a:rPr>
-              <a:t>phá</a:t>
-            </a:r>
-            <a:r>
-              <a:rPr lang="en-US" b="1" dirty="0">
-                <a:solidFill>
-                  <a:srgbClr val="0070C0"/>
-                </a:solidFill>
-                <a:latin typeface="Arial" panose="020B0604020202020204" pitchFamily="34" charset="0"/>
-                <a:cs typeface="Arial" panose="020B0604020202020204" pitchFamily="34" charset="0"/>
-              </a:rPr>
-              <a:t> </a:t>
-            </a:r>
-            <a:r>
-              <a:rPr lang="en-US" b="1" dirty="0" err="1">
-                <a:solidFill>
-                  <a:srgbClr val="0070C0"/>
-                </a:solidFill>
-                <a:latin typeface="Arial" panose="020B0604020202020204" pitchFamily="34" charset="0"/>
-                <a:cs typeface="Arial" panose="020B0604020202020204" pitchFamily="34" charset="0"/>
-              </a:rPr>
-              <a:t>dữ</a:t>
-            </a:r>
-            <a:r>
-              <a:rPr lang="en-US" b="1" dirty="0">
-                <a:solidFill>
-                  <a:srgbClr val="0070C0"/>
-                </a:solidFill>
-                <a:latin typeface="Arial" panose="020B0604020202020204" pitchFamily="34" charset="0"/>
-                <a:cs typeface="Arial" panose="020B0604020202020204" pitchFamily="34" charset="0"/>
-              </a:rPr>
-              <a:t> </a:t>
-            </a:r>
-            <a:r>
-              <a:rPr lang="en-US" b="1" dirty="0" err="1">
-                <a:solidFill>
-                  <a:srgbClr val="0070C0"/>
-                </a:solidFill>
-                <a:latin typeface="Arial" panose="020B0604020202020204" pitchFamily="34" charset="0"/>
-                <a:cs typeface="Arial" panose="020B0604020202020204" pitchFamily="34" charset="0"/>
-              </a:rPr>
-              <a:t>liệu</a:t>
-            </a:r>
-            <a:endParaRPr lang="en-US" b="1" dirty="0">
-              <a:solidFill>
-                <a:srgbClr val="0070C0"/>
-              </a:solidFill>
-              <a:latin typeface="Arial" panose="020B0604020202020204" pitchFamily="34" charset="0"/>
-              <a:cs typeface="Arial" panose="020B0604020202020204" pitchFamily="34" charset="0"/>
-            </a:endParaRPr>
-          </a:p>
-        </p:txBody>
-      </p:sp>
-      <p:sp>
-        <p:nvSpPr>
-          <p:cNvPr id="3" name="Content Placeholder 2">
-            <a:extLst>
-              <a:ext uri="{FF2B5EF4-FFF2-40B4-BE49-F238E27FC236}">
-                <a16:creationId xmlns:a16="http://schemas.microsoft.com/office/drawing/2014/main" id="{6207936E-E0B2-AEE2-B207-145D6496F0E5}"/>
-              </a:ext>
-            </a:extLst>
-          </p:cNvPr>
-          <p:cNvSpPr>
-            <a:spLocks noGrp="1"/>
-          </p:cNvSpPr>
-          <p:nvPr>
-            <p:ph idx="1"/>
-          </p:nvPr>
-        </p:nvSpPr>
-        <p:spPr>
-          <a:xfrm>
-            <a:off x="5984633" y="2979062"/>
-            <a:ext cx="5462952" cy="2591491"/>
-          </a:xfrm>
-        </p:spPr>
-        <p:txBody>
-          <a:bodyPr>
-            <a:noAutofit/>
-          </a:bodyPr>
-          <a:lstStyle/>
-          <a:p>
-            <a:pPr marL="0" indent="0">
-              <a:buNone/>
-            </a:pPr>
-            <a:r>
-              <a:rPr lang="vi-VN" sz="2000" dirty="0"/>
-              <a:t>Sensitivity và specificity được tính dựa trên ma trận nhầm lẫn, tương tự phương pháp trong paper2</a:t>
-            </a:r>
-            <a:r>
-              <a:rPr lang="en-US" sz="2000" dirty="0"/>
-              <a:t> </a:t>
-            </a:r>
-            <a:r>
-              <a:rPr lang="en-US" sz="2000" dirty="0">
-                <a:solidFill>
-                  <a:schemeClr val="tx2">
-                    <a:lumMod val="75000"/>
-                    <a:lumOff val="25000"/>
-                  </a:schemeClr>
-                </a:solidFill>
-              </a:rPr>
-              <a:t>[1]</a:t>
-            </a:r>
-            <a:r>
-              <a:rPr lang="vi-VN" sz="2000" dirty="0"/>
-              <a:t>. Kết quả kỳ vọng gần 76%, phù hợp với nghiên cứu ADAP.</a:t>
-            </a:r>
-          </a:p>
-          <a:p>
-            <a:pPr marL="0" indent="0">
-              <a:buNone/>
-            </a:pPr>
-            <a:endParaRPr lang="en-US" sz="2000" dirty="0"/>
-          </a:p>
-          <a:p>
-            <a:pPr marL="0" indent="0">
-              <a:buNone/>
-            </a:pPr>
-            <a:r>
-              <a:rPr lang="vi-VN" sz="2000" dirty="0"/>
-              <a:t>Nếu kết quả thấp hơn, có thể cần điều chỉnh ngưỡng hoặc sử dụng mô hình phức tạp hơn.</a:t>
-            </a:r>
-          </a:p>
-        </p:txBody>
-      </p:sp>
-      <p:sp>
-        <p:nvSpPr>
-          <p:cNvPr id="5" name="Title 1">
-            <a:extLst>
-              <a:ext uri="{FF2B5EF4-FFF2-40B4-BE49-F238E27FC236}">
-                <a16:creationId xmlns:a16="http://schemas.microsoft.com/office/drawing/2014/main" id="{7859B3A6-8C9E-04E7-D463-EE7C976A4A47}"/>
-              </a:ext>
-            </a:extLst>
-          </p:cNvPr>
-          <p:cNvSpPr txBox="1">
-            <a:spLocks/>
-          </p:cNvSpPr>
-          <p:nvPr/>
-        </p:nvSpPr>
-        <p:spPr>
-          <a:xfrm>
-            <a:off x="838198" y="1287676"/>
-            <a:ext cx="10515600" cy="806023"/>
-          </a:xfrm>
-          <a:prstGeom prst="rect">
-            <a:avLst/>
-          </a:prstGeom>
-        </p:spPr>
-        <p:txBody>
-          <a:bodyPr vert="horz" lIns="91440" tIns="45720" rIns="91440" bIns="45720" rtlCol="0" anchor="ctr">
-            <a:normAutofit/>
-          </a:bodyPr>
-          <a:lstStyle>
-            <a:lvl1pPr algn="l" defTabSz="914400" rtl="0" eaLnBrk="1" latinLnBrk="0" hangingPunct="1">
-              <a:lnSpc>
-                <a:spcPct val="90000"/>
-              </a:lnSpc>
-              <a:spcBef>
-                <a:spcPct val="0"/>
-              </a:spcBef>
-              <a:buNone/>
-              <a:defRPr sz="4400" kern="1200">
-                <a:solidFill>
-                  <a:schemeClr val="tx1"/>
-                </a:solidFill>
-                <a:latin typeface="+mj-lt"/>
-                <a:ea typeface="+mj-ea"/>
-                <a:cs typeface="+mj-cs"/>
-              </a:defRPr>
-            </a:lvl1pPr>
-          </a:lstStyle>
-          <a:p>
-            <a:r>
-              <a:rPr lang="en-US" sz="3200" b="1" dirty="0">
-                <a:solidFill>
-                  <a:srgbClr val="0070C0"/>
-                </a:solidFill>
-                <a:latin typeface="Arial" panose="020B0604020202020204" pitchFamily="34" charset="0"/>
-                <a:cs typeface="Arial" panose="020B0604020202020204" pitchFamily="34" charset="0"/>
-              </a:rPr>
-              <a:t>3.3. </a:t>
-            </a:r>
-            <a:r>
-              <a:rPr lang="en-US" sz="3200" b="1" dirty="0" err="1">
-                <a:solidFill>
-                  <a:srgbClr val="0070C0"/>
-                </a:solidFill>
-                <a:latin typeface="Arial" panose="020B0604020202020204" pitchFamily="34" charset="0"/>
-                <a:cs typeface="Arial" panose="020B0604020202020204" pitchFamily="34" charset="0"/>
-              </a:rPr>
-              <a:t>ADAP</a:t>
-            </a:r>
-            <a:r>
-              <a:rPr lang="en-US" sz="3200" b="1" dirty="0">
-                <a:solidFill>
-                  <a:srgbClr val="0070C0"/>
-                </a:solidFill>
-                <a:latin typeface="Arial" panose="020B0604020202020204" pitchFamily="34" charset="0"/>
-                <a:cs typeface="Arial" panose="020B0604020202020204" pitchFamily="34" charset="0"/>
-              </a:rPr>
-              <a:t> Learning Algorithm</a:t>
-            </a:r>
-          </a:p>
-        </p:txBody>
-      </p:sp>
-      <p:sp>
-        <p:nvSpPr>
-          <p:cNvPr id="6" name="Content Placeholder 2">
-            <a:extLst>
-              <a:ext uri="{FF2B5EF4-FFF2-40B4-BE49-F238E27FC236}">
-                <a16:creationId xmlns:a16="http://schemas.microsoft.com/office/drawing/2014/main" id="{1DC5F549-1F10-4385-D5CB-C05A2DF66558}"/>
-              </a:ext>
-            </a:extLst>
-          </p:cNvPr>
-          <p:cNvSpPr txBox="1">
-            <a:spLocks/>
-          </p:cNvSpPr>
-          <p:nvPr/>
-        </p:nvSpPr>
-        <p:spPr>
-          <a:xfrm>
-            <a:off x="838198" y="6109693"/>
-            <a:ext cx="10046679" cy="748307"/>
-          </a:xfrm>
-          <a:prstGeom prst="rect">
-            <a:avLst/>
-          </a:prstGeom>
-        </p:spPr>
-        <p:txBody>
-          <a:bodyPr vert="horz" lIns="91440" tIns="45720" rIns="91440" bIns="45720" rtlCol="0">
-            <a:normAutofit/>
-          </a:bodyPr>
-          <a:lstStyle>
-            <a:lvl1pPr marL="228600" indent="-228600" algn="l" defTabSz="914400" rtl="0" eaLnBrk="1" latinLnBrk="0" hangingPunct="1">
-              <a:lnSpc>
-                <a:spcPct val="90000"/>
-              </a:lnSpc>
-              <a:spcBef>
-                <a:spcPts val="1000"/>
-              </a:spcBef>
-              <a:buFont typeface="Arial" panose="020B0604020202020204" pitchFamily="34" charset="0"/>
-              <a:buChar char="•"/>
-              <a:defRPr sz="2800" kern="1200">
-                <a:solidFill>
-                  <a:schemeClr val="tx1"/>
-                </a:solidFill>
-                <a:latin typeface="+mn-lt"/>
-                <a:ea typeface="+mn-ea"/>
-                <a:cs typeface="+mn-cs"/>
-              </a:defRPr>
-            </a:lvl1pPr>
-            <a:lvl2pPr marL="685800" indent="-228600" algn="l" defTabSz="914400" rtl="0" eaLnBrk="1" latinLnBrk="0" hangingPunct="1">
-              <a:lnSpc>
-                <a:spcPct val="90000"/>
-              </a:lnSpc>
-              <a:spcBef>
-                <a:spcPts val="500"/>
-              </a:spcBef>
-              <a:buFont typeface="Arial" panose="020B0604020202020204" pitchFamily="34" charset="0"/>
-              <a:buChar char="•"/>
-              <a:defRPr sz="2400" kern="1200">
-                <a:solidFill>
-                  <a:schemeClr val="tx1"/>
-                </a:solidFill>
-                <a:latin typeface="+mn-lt"/>
-                <a:ea typeface="+mn-ea"/>
-                <a:cs typeface="+mn-cs"/>
-              </a:defRPr>
-            </a:lvl2pPr>
-            <a:lvl3pPr marL="1143000" indent="-228600" algn="l" defTabSz="914400" rtl="0" eaLnBrk="1" latinLnBrk="0" hangingPunct="1">
-              <a:lnSpc>
-                <a:spcPct val="90000"/>
-              </a:lnSpc>
-              <a:spcBef>
-                <a:spcPts val="500"/>
-              </a:spcBef>
-              <a:buFont typeface="Arial" panose="020B0604020202020204" pitchFamily="34" charset="0"/>
-              <a:buChar char="•"/>
-              <a:defRPr sz="2000" kern="1200">
-                <a:solidFill>
-                  <a:schemeClr val="tx1"/>
-                </a:solidFill>
-                <a:latin typeface="+mn-lt"/>
-                <a:ea typeface="+mn-ea"/>
-                <a:cs typeface="+mn-cs"/>
-              </a:defRPr>
-            </a:lvl3pPr>
-            <a:lvl4pPr marL="1600200" indent="-228600" algn="l" defTabSz="914400" rtl="0" eaLnBrk="1" latinLnBrk="0" hangingPunct="1">
-              <a:lnSpc>
-                <a:spcPct val="90000"/>
-              </a:lnSpc>
-              <a:spcBef>
-                <a:spcPts val="500"/>
-              </a:spcBef>
-              <a:buFont typeface="Arial" panose="020B0604020202020204" pitchFamily="34" charset="0"/>
-              <a:buChar char="•"/>
-              <a:defRPr sz="1800" kern="1200">
-                <a:solidFill>
-                  <a:schemeClr val="tx1"/>
-                </a:solidFill>
-                <a:latin typeface="+mn-lt"/>
-                <a:ea typeface="+mn-ea"/>
-                <a:cs typeface="+mn-cs"/>
-              </a:defRPr>
-            </a:lvl4pPr>
-            <a:lvl5pPr marL="2057400" indent="-228600" algn="l" defTabSz="914400" rtl="0" eaLnBrk="1" latinLnBrk="0" hangingPunct="1">
-              <a:lnSpc>
-                <a:spcPct val="90000"/>
-              </a:lnSpc>
-              <a:spcBef>
-                <a:spcPts val="500"/>
-              </a:spcBef>
-              <a:buFont typeface="Arial" panose="020B0604020202020204" pitchFamily="34" charset="0"/>
-              <a:buChar char="•"/>
-              <a:defRPr sz="1800" kern="1200">
-                <a:solidFill>
-                  <a:schemeClr val="tx1"/>
-                </a:solidFill>
-                <a:latin typeface="+mn-lt"/>
-                <a:ea typeface="+mn-ea"/>
-                <a:cs typeface="+mn-cs"/>
-              </a:defRPr>
-            </a:lvl5pPr>
-            <a:lvl6pPr marL="2514600" indent="-228600" algn="l" defTabSz="914400" rtl="0" eaLnBrk="1" latinLnBrk="0" hangingPunct="1">
-              <a:lnSpc>
-                <a:spcPct val="90000"/>
-              </a:lnSpc>
-              <a:spcBef>
-                <a:spcPts val="500"/>
-              </a:spcBef>
-              <a:buFont typeface="Arial" panose="020B0604020202020204" pitchFamily="34" charset="0"/>
-              <a:buChar char="•"/>
-              <a:defRPr sz="1800" kern="1200">
-                <a:solidFill>
-                  <a:schemeClr val="tx1"/>
-                </a:solidFill>
-                <a:latin typeface="+mn-lt"/>
-                <a:ea typeface="+mn-ea"/>
-                <a:cs typeface="+mn-cs"/>
-              </a:defRPr>
-            </a:lvl6pPr>
-            <a:lvl7pPr marL="2971800" indent="-228600" algn="l" defTabSz="914400" rtl="0" eaLnBrk="1" latinLnBrk="0" hangingPunct="1">
-              <a:lnSpc>
-                <a:spcPct val="90000"/>
-              </a:lnSpc>
-              <a:spcBef>
-                <a:spcPts val="500"/>
-              </a:spcBef>
-              <a:buFont typeface="Arial" panose="020B0604020202020204" pitchFamily="34" charset="0"/>
-              <a:buChar char="•"/>
-              <a:defRPr sz="1800" kern="1200">
-                <a:solidFill>
-                  <a:schemeClr val="tx1"/>
-                </a:solidFill>
-                <a:latin typeface="+mn-lt"/>
-                <a:ea typeface="+mn-ea"/>
-                <a:cs typeface="+mn-cs"/>
-              </a:defRPr>
-            </a:lvl7pPr>
-            <a:lvl8pPr marL="3429000" indent="-228600" algn="l" defTabSz="914400" rtl="0" eaLnBrk="1" latinLnBrk="0" hangingPunct="1">
-              <a:lnSpc>
-                <a:spcPct val="90000"/>
-              </a:lnSpc>
-              <a:spcBef>
-                <a:spcPts val="500"/>
-              </a:spcBef>
-              <a:buFont typeface="Arial" panose="020B0604020202020204" pitchFamily="34" charset="0"/>
-              <a:buChar char="•"/>
-              <a:defRPr sz="1800" kern="1200">
-                <a:solidFill>
-                  <a:schemeClr val="tx1"/>
-                </a:solidFill>
-                <a:latin typeface="+mn-lt"/>
-                <a:ea typeface="+mn-ea"/>
-                <a:cs typeface="+mn-cs"/>
-              </a:defRPr>
-            </a:lvl8pPr>
-            <a:lvl9pPr marL="3886200" indent="-228600" algn="l" defTabSz="914400" rtl="0" eaLnBrk="1" latinLnBrk="0" hangingPunct="1">
-              <a:lnSpc>
-                <a:spcPct val="90000"/>
-              </a:lnSpc>
-              <a:spcBef>
-                <a:spcPts val="500"/>
-              </a:spcBef>
-              <a:buFont typeface="Arial" panose="020B0604020202020204" pitchFamily="34" charset="0"/>
-              <a:buChar char="•"/>
-              <a:defRPr sz="1800" kern="1200">
-                <a:solidFill>
-                  <a:schemeClr val="tx1"/>
-                </a:solidFill>
-                <a:latin typeface="+mn-lt"/>
-                <a:ea typeface="+mn-ea"/>
-                <a:cs typeface="+mn-cs"/>
-              </a:defRPr>
-            </a:lvl9pPr>
-          </a:lstStyle>
-          <a:p>
-            <a:pPr marL="0" indent="0">
-              <a:buNone/>
-            </a:pPr>
-            <a:r>
-              <a:rPr lang="en-US" sz="1600" dirty="0">
-                <a:solidFill>
-                  <a:schemeClr val="tx2">
-                    <a:lumMod val="75000"/>
-                    <a:lumOff val="25000"/>
-                  </a:schemeClr>
-                </a:solidFill>
-                <a:latin typeface="Arial" panose="020B0604020202020204" pitchFamily="34" charset="0"/>
-                <a:cs typeface="Arial" panose="020B0604020202020204" pitchFamily="34" charset="0"/>
-                <a:hlinkClick r:id="rId3">
-                  <a:extLst>
-                    <a:ext uri="{A12FA001-AC4F-418D-AE19-62706E023703}">
-                      <ahyp:hlinkClr xmlns:ahyp="http://schemas.microsoft.com/office/drawing/2018/hyperlinkcolor" val="tx"/>
-                    </a:ext>
-                  </a:extLst>
-                </a:hlinkClick>
-              </a:rPr>
-              <a:t>[</a:t>
-            </a:r>
-            <a:r>
-              <a:rPr lang="en-US" sz="1600" dirty="0">
-                <a:solidFill>
-                  <a:schemeClr val="tx2">
-                    <a:lumMod val="75000"/>
-                    <a:lumOff val="25000"/>
-                  </a:schemeClr>
-                </a:solidFill>
-                <a:latin typeface="Arial" panose="020B0604020202020204" pitchFamily="34" charset="0"/>
-                <a:cs typeface="Arial" panose="020B0604020202020204" pitchFamily="34" charset="0"/>
-              </a:rPr>
-              <a:t>1]</a:t>
-            </a:r>
-            <a:r>
-              <a:rPr lang="en-US" sz="1600" dirty="0">
-                <a:solidFill>
-                  <a:schemeClr val="tx2">
-                    <a:lumMod val="75000"/>
-                    <a:lumOff val="25000"/>
-                  </a:schemeClr>
-                </a:solidFill>
-                <a:latin typeface="Arial" panose="020B0604020202020204" pitchFamily="34" charset="0"/>
-                <a:cs typeface="Arial" panose="020B0604020202020204" pitchFamily="34" charset="0"/>
-                <a:hlinkClick r:id="rId4">
-                  <a:extLst>
-                    <a:ext uri="{A12FA001-AC4F-418D-AE19-62706E023703}">
-                      <ahyp:hlinkClr xmlns:ahyp="http://schemas.microsoft.com/office/drawing/2018/hyperlinkcolor" val="tx"/>
-                    </a:ext>
-                  </a:extLst>
-                </a:hlinkClick>
-              </a:rPr>
-              <a:t> Using the </a:t>
-            </a:r>
-            <a:r>
-              <a:rPr lang="en-US" sz="1600" dirty="0" err="1">
-                <a:solidFill>
-                  <a:schemeClr val="tx2">
-                    <a:lumMod val="75000"/>
-                    <a:lumOff val="25000"/>
-                  </a:schemeClr>
-                </a:solidFill>
-                <a:latin typeface="Arial" panose="020B0604020202020204" pitchFamily="34" charset="0"/>
-                <a:cs typeface="Arial" panose="020B0604020202020204" pitchFamily="34" charset="0"/>
-                <a:hlinkClick r:id="rId4">
-                  <a:extLst>
-                    <a:ext uri="{A12FA001-AC4F-418D-AE19-62706E023703}">
-                      <ahyp:hlinkClr xmlns:ahyp="http://schemas.microsoft.com/office/drawing/2018/hyperlinkcolor" val="tx"/>
-                    </a:ext>
-                  </a:extLst>
-                </a:hlinkClick>
-              </a:rPr>
-              <a:t>ADAP</a:t>
-            </a:r>
-            <a:r>
-              <a:rPr lang="en-US" sz="1600" dirty="0">
-                <a:solidFill>
-                  <a:schemeClr val="tx2">
-                    <a:lumMod val="75000"/>
-                    <a:lumOff val="25000"/>
-                  </a:schemeClr>
-                </a:solidFill>
-                <a:latin typeface="Arial" panose="020B0604020202020204" pitchFamily="34" charset="0"/>
-                <a:cs typeface="Arial" panose="020B0604020202020204" pitchFamily="34" charset="0"/>
-                <a:hlinkClick r:id="rId4">
-                  <a:extLst>
-                    <a:ext uri="{A12FA001-AC4F-418D-AE19-62706E023703}">
-                      <ahyp:hlinkClr xmlns:ahyp="http://schemas.microsoft.com/office/drawing/2018/hyperlinkcolor" val="tx"/>
-                    </a:ext>
-                  </a:extLst>
-                </a:hlinkClick>
-              </a:rPr>
-              <a:t> Learning Algorithm to Forecast</a:t>
-            </a:r>
-            <a:r>
-              <a:rPr lang="en-US" sz="1600" dirty="0">
-                <a:solidFill>
-                  <a:schemeClr val="tx2">
-                    <a:lumMod val="75000"/>
-                    <a:lumOff val="25000"/>
-                  </a:schemeClr>
-                </a:solidFill>
-                <a:latin typeface="Arial" panose="020B0604020202020204" pitchFamily="34" charset="0"/>
-                <a:cs typeface="Arial" panose="020B0604020202020204" pitchFamily="34" charset="0"/>
-              </a:rPr>
-              <a:t> the Onset of Diabetes Mellitus</a:t>
-            </a:r>
-          </a:p>
-        </p:txBody>
-      </p:sp>
-      <p:sp>
-        <p:nvSpPr>
-          <p:cNvPr id="7" name="Content Placeholder 2">
-            <a:extLst>
-              <a:ext uri="{FF2B5EF4-FFF2-40B4-BE49-F238E27FC236}">
-                <a16:creationId xmlns:a16="http://schemas.microsoft.com/office/drawing/2014/main" id="{E603DBC0-5A4A-0D54-E953-7E0F6BA3BF7E}"/>
-              </a:ext>
-            </a:extLst>
-          </p:cNvPr>
-          <p:cNvSpPr txBox="1">
-            <a:spLocks/>
-          </p:cNvSpPr>
-          <p:nvPr/>
-        </p:nvSpPr>
-        <p:spPr>
-          <a:xfrm>
-            <a:off x="1033784" y="2002663"/>
-            <a:ext cx="10413801" cy="748307"/>
-          </a:xfrm>
-          <a:prstGeom prst="rect">
-            <a:avLst/>
-          </a:prstGeom>
-        </p:spPr>
-        <p:txBody>
-          <a:bodyPr vert="horz" lIns="91440" tIns="45720" rIns="91440" bIns="45720" rtlCol="0">
-            <a:noAutofit/>
-          </a:bodyPr>
-          <a:lstStyle>
-            <a:lvl1pPr marL="228600" indent="-228600" algn="l" defTabSz="914400" rtl="0" eaLnBrk="1" latinLnBrk="0" hangingPunct="1">
-              <a:lnSpc>
-                <a:spcPct val="90000"/>
-              </a:lnSpc>
-              <a:spcBef>
-                <a:spcPts val="1000"/>
-              </a:spcBef>
-              <a:buFont typeface="Arial" panose="020B0604020202020204" pitchFamily="34" charset="0"/>
-              <a:buChar char="•"/>
-              <a:defRPr sz="2800" kern="1200">
-                <a:solidFill>
-                  <a:schemeClr val="tx1"/>
-                </a:solidFill>
-                <a:latin typeface="+mn-lt"/>
-                <a:ea typeface="+mn-ea"/>
-                <a:cs typeface="+mn-cs"/>
-              </a:defRPr>
-            </a:lvl1pPr>
-            <a:lvl2pPr marL="685800" indent="-228600" algn="l" defTabSz="914400" rtl="0" eaLnBrk="1" latinLnBrk="0" hangingPunct="1">
-              <a:lnSpc>
-                <a:spcPct val="90000"/>
-              </a:lnSpc>
-              <a:spcBef>
-                <a:spcPts val="500"/>
-              </a:spcBef>
-              <a:buFont typeface="Arial" panose="020B0604020202020204" pitchFamily="34" charset="0"/>
-              <a:buChar char="•"/>
-              <a:defRPr sz="2400" kern="1200">
-                <a:solidFill>
-                  <a:schemeClr val="tx1"/>
-                </a:solidFill>
-                <a:latin typeface="+mn-lt"/>
-                <a:ea typeface="+mn-ea"/>
-                <a:cs typeface="+mn-cs"/>
-              </a:defRPr>
-            </a:lvl2pPr>
-            <a:lvl3pPr marL="1143000" indent="-228600" algn="l" defTabSz="914400" rtl="0" eaLnBrk="1" latinLnBrk="0" hangingPunct="1">
-              <a:lnSpc>
-                <a:spcPct val="90000"/>
-              </a:lnSpc>
-              <a:spcBef>
-                <a:spcPts val="500"/>
-              </a:spcBef>
-              <a:buFont typeface="Arial" panose="020B0604020202020204" pitchFamily="34" charset="0"/>
-              <a:buChar char="•"/>
-              <a:defRPr sz="2000" kern="1200">
-                <a:solidFill>
-                  <a:schemeClr val="tx1"/>
-                </a:solidFill>
-                <a:latin typeface="+mn-lt"/>
-                <a:ea typeface="+mn-ea"/>
-                <a:cs typeface="+mn-cs"/>
-              </a:defRPr>
-            </a:lvl3pPr>
-            <a:lvl4pPr marL="1600200" indent="-228600" algn="l" defTabSz="914400" rtl="0" eaLnBrk="1" latinLnBrk="0" hangingPunct="1">
-              <a:lnSpc>
-                <a:spcPct val="90000"/>
-              </a:lnSpc>
-              <a:spcBef>
-                <a:spcPts val="500"/>
-              </a:spcBef>
-              <a:buFont typeface="Arial" panose="020B0604020202020204" pitchFamily="34" charset="0"/>
-              <a:buChar char="•"/>
-              <a:defRPr sz="1800" kern="1200">
-                <a:solidFill>
-                  <a:schemeClr val="tx1"/>
-                </a:solidFill>
-                <a:latin typeface="+mn-lt"/>
-                <a:ea typeface="+mn-ea"/>
-                <a:cs typeface="+mn-cs"/>
-              </a:defRPr>
-            </a:lvl4pPr>
-            <a:lvl5pPr marL="2057400" indent="-228600" algn="l" defTabSz="914400" rtl="0" eaLnBrk="1" latinLnBrk="0" hangingPunct="1">
-              <a:lnSpc>
-                <a:spcPct val="90000"/>
-              </a:lnSpc>
-              <a:spcBef>
-                <a:spcPts val="500"/>
-              </a:spcBef>
-              <a:buFont typeface="Arial" panose="020B0604020202020204" pitchFamily="34" charset="0"/>
-              <a:buChar char="•"/>
-              <a:defRPr sz="1800" kern="1200">
-                <a:solidFill>
-                  <a:schemeClr val="tx1"/>
-                </a:solidFill>
-                <a:latin typeface="+mn-lt"/>
-                <a:ea typeface="+mn-ea"/>
-                <a:cs typeface="+mn-cs"/>
-              </a:defRPr>
-            </a:lvl5pPr>
-            <a:lvl6pPr marL="2514600" indent="-228600" algn="l" defTabSz="914400" rtl="0" eaLnBrk="1" latinLnBrk="0" hangingPunct="1">
-              <a:lnSpc>
-                <a:spcPct val="90000"/>
-              </a:lnSpc>
-              <a:spcBef>
-                <a:spcPts val="500"/>
-              </a:spcBef>
-              <a:buFont typeface="Arial" panose="020B0604020202020204" pitchFamily="34" charset="0"/>
-              <a:buChar char="•"/>
-              <a:defRPr sz="1800" kern="1200">
-                <a:solidFill>
-                  <a:schemeClr val="tx1"/>
-                </a:solidFill>
-                <a:latin typeface="+mn-lt"/>
-                <a:ea typeface="+mn-ea"/>
-                <a:cs typeface="+mn-cs"/>
-              </a:defRPr>
-            </a:lvl6pPr>
-            <a:lvl7pPr marL="2971800" indent="-228600" algn="l" defTabSz="914400" rtl="0" eaLnBrk="1" latinLnBrk="0" hangingPunct="1">
-              <a:lnSpc>
-                <a:spcPct val="90000"/>
-              </a:lnSpc>
-              <a:spcBef>
-                <a:spcPts val="500"/>
-              </a:spcBef>
-              <a:buFont typeface="Arial" panose="020B0604020202020204" pitchFamily="34" charset="0"/>
-              <a:buChar char="•"/>
-              <a:defRPr sz="1800" kern="1200">
-                <a:solidFill>
-                  <a:schemeClr val="tx1"/>
-                </a:solidFill>
-                <a:latin typeface="+mn-lt"/>
-                <a:ea typeface="+mn-ea"/>
-                <a:cs typeface="+mn-cs"/>
-              </a:defRPr>
-            </a:lvl7pPr>
-            <a:lvl8pPr marL="3429000" indent="-228600" algn="l" defTabSz="914400" rtl="0" eaLnBrk="1" latinLnBrk="0" hangingPunct="1">
-              <a:lnSpc>
-                <a:spcPct val="90000"/>
-              </a:lnSpc>
-              <a:spcBef>
-                <a:spcPts val="500"/>
-              </a:spcBef>
-              <a:buFont typeface="Arial" panose="020B0604020202020204" pitchFamily="34" charset="0"/>
-              <a:buChar char="•"/>
-              <a:defRPr sz="1800" kern="1200">
-                <a:solidFill>
-                  <a:schemeClr val="tx1"/>
-                </a:solidFill>
-                <a:latin typeface="+mn-lt"/>
-                <a:ea typeface="+mn-ea"/>
-                <a:cs typeface="+mn-cs"/>
-              </a:defRPr>
-            </a:lvl8pPr>
-            <a:lvl9pPr marL="3886200" indent="-228600" algn="l" defTabSz="914400" rtl="0" eaLnBrk="1" latinLnBrk="0" hangingPunct="1">
-              <a:lnSpc>
-                <a:spcPct val="90000"/>
-              </a:lnSpc>
-              <a:spcBef>
-                <a:spcPts val="500"/>
-              </a:spcBef>
-              <a:buFont typeface="Arial" panose="020B0604020202020204" pitchFamily="34" charset="0"/>
-              <a:buChar char="•"/>
-              <a:defRPr sz="1800" kern="1200">
-                <a:solidFill>
-                  <a:schemeClr val="tx1"/>
-                </a:solidFill>
-                <a:latin typeface="+mn-lt"/>
-                <a:ea typeface="+mn-ea"/>
-                <a:cs typeface="+mn-cs"/>
-              </a:defRPr>
-            </a:lvl9pPr>
-          </a:lstStyle>
-          <a:p>
-            <a:pPr marL="0" indent="0">
-              <a:buNone/>
-            </a:pPr>
-            <a:r>
-              <a:rPr lang="en-US" sz="2400" b="1" dirty="0" err="1"/>
-              <a:t>Mô</a:t>
-            </a:r>
-            <a:r>
-              <a:rPr lang="en-US" sz="2400" b="1" dirty="0"/>
-              <a:t> </a:t>
-            </a:r>
-            <a:r>
-              <a:rPr lang="en-US" sz="2400" b="1" dirty="0" err="1"/>
-              <a:t>phỏng</a:t>
-            </a:r>
-            <a:r>
-              <a:rPr lang="en-US" sz="2400" b="1" dirty="0"/>
-              <a:t>: </a:t>
-            </a:r>
-            <a:r>
-              <a:rPr lang="vi-VN" sz="1800" dirty="0"/>
-              <a:t>Sử dụng mô hình Logistic Regression để tính và vẽ đường cong ROC, cũng như tính sensitivity và specificity với ngưỡng cắt 0.448</a:t>
-            </a:r>
-            <a:r>
-              <a:rPr lang="en-US" sz="1800" dirty="0"/>
-              <a:t> </a:t>
-            </a:r>
-            <a:r>
-              <a:rPr lang="en-US" sz="1800" dirty="0">
-                <a:solidFill>
-                  <a:schemeClr val="tx2">
-                    <a:lumMod val="75000"/>
-                    <a:lumOff val="25000"/>
-                  </a:schemeClr>
-                </a:solidFill>
-                <a:latin typeface="Arial" panose="020B0604020202020204" pitchFamily="34" charset="0"/>
-                <a:cs typeface="Arial" panose="020B0604020202020204" pitchFamily="34" charset="0"/>
-              </a:rPr>
-              <a:t>[1]</a:t>
-            </a:r>
-            <a:endParaRPr lang="vi-VN" sz="2400" b="1" dirty="0">
-              <a:solidFill>
-                <a:schemeClr val="tx2">
-                  <a:lumMod val="75000"/>
-                  <a:lumOff val="25000"/>
-                </a:schemeClr>
-              </a:solidFill>
-              <a:latin typeface="Arial" panose="020B0604020202020204" pitchFamily="34" charset="0"/>
-              <a:cs typeface="Arial" panose="020B0604020202020204" pitchFamily="34" charset="0"/>
-            </a:endParaRPr>
-          </a:p>
-        </p:txBody>
-      </p:sp>
-      <p:pic>
-        <p:nvPicPr>
-          <p:cNvPr id="8" name="Picture 7">
-            <a:extLst>
-              <a:ext uri="{FF2B5EF4-FFF2-40B4-BE49-F238E27FC236}">
-                <a16:creationId xmlns:a16="http://schemas.microsoft.com/office/drawing/2014/main" id="{2566508F-1B24-0323-65BA-C5878D6F66C3}"/>
-              </a:ext>
-            </a:extLst>
-          </p:cNvPr>
-          <p:cNvPicPr>
-            <a:picLocks noChangeAspect="1"/>
-          </p:cNvPicPr>
-          <p:nvPr/>
-        </p:nvPicPr>
-        <p:blipFill>
-          <a:blip r:embed="rId5"/>
-          <a:stretch>
-            <a:fillRect/>
-          </a:stretch>
-        </p:blipFill>
-        <p:spPr>
-          <a:xfrm>
-            <a:off x="1033784" y="3279307"/>
-            <a:ext cx="4258269" cy="1991003"/>
-          </a:xfrm>
-          <a:prstGeom prst="rect">
-            <a:avLst/>
-          </a:prstGeom>
-        </p:spPr>
-      </p:pic>
-    </p:spTree>
-    <p:extLst>
-      <p:ext uri="{BB962C8B-B14F-4D97-AF65-F5344CB8AC3E}">
-        <p14:creationId xmlns:p14="http://schemas.microsoft.com/office/powerpoint/2010/main" val="1575350464"/>
-      </p:ext>
-    </p:extLst>
-  </p:cSld>
-  <p:clrMapOvr>
-    <a:masterClrMapping/>
-  </p:clrMapOvr>
-</p:sld>
-</file>
-
-<file path=ppt/slides/slide22.xml><?xml version="1.0" encoding="utf-8"?>
-<p:sld xmlns:a="http://schemas.openxmlformats.org/drawingml/2006/main" xmlns:r="http://schemas.openxmlformats.org/officeDocument/2006/relationships" xmlns:p="http://schemas.openxmlformats.org/presentationml/2006/main">
-  <p:cSld>
-    <p:spTree>
-      <p:nvGrpSpPr>
-        <p:cNvPr id="1" name="">
-          <a:extLst>
-            <a:ext uri="{FF2B5EF4-FFF2-40B4-BE49-F238E27FC236}">
               <a16:creationId xmlns:a16="http://schemas.microsoft.com/office/drawing/2014/main" id="{A9A2F8D9-24E9-4667-A695-DC43E4863E3F}"/>
             </a:ext>
           </a:extLst>
@@ -16897,7 +15093,7 @@
 </p:sld>
 </file>
 
-<file path=ppt/slides/slide23.xml><?xml version="1.0" encoding="utf-8"?>
+<file path=ppt/slides/slide21.xml><?xml version="1.0" encoding="utf-8"?>
 <p:sld xmlns:a="http://schemas.openxmlformats.org/drawingml/2006/main" xmlns:r="http://schemas.openxmlformats.org/officeDocument/2006/relationships" xmlns:p="http://schemas.openxmlformats.org/presentationml/2006/main">
   <p:cSld>
     <p:spTree>
